--- a/결과보고서/5.2 GUI 설계/GUI 설계.pptx
+++ b/결과보고서/5.2 GUI 설계/GUI 설계.pptx
@@ -2,7 +2,7 @@
 <file path=ppt/presentation.xml><?xml version="1.0" encoding="utf-8"?>
 <p:presentation xmlns:r="http://schemas.openxmlformats.org/officeDocument/2006/relationships" xmlns:c="http://schemas.openxmlformats.org/drawingml/2006/chart" xmlns:a="http://schemas.openxmlformats.org/drawingml/2006/main" xmlns:dgm="http://schemas.openxmlformats.org/drawingml/2006/diagram" xmlns:dsp="http://schemas.microsoft.com/office/drawing/2008/diagram" xmlns:p="http://schemas.openxmlformats.org/presentationml/2006/main">
   <p:sldMasterIdLst>
-    <p:sldMasterId id="2147483721" r:id="rId1"/>
+    <p:sldMasterId id="2147483731" r:id="rId1"/>
   </p:sldMasterIdLst>
   <p:sldIdLst>
     <p:sldId id="256" r:id="rId2"/>
@@ -3202,7 +3202,7 @@
         </p:nvSpPr>
         <p:spPr>
           <a:xfrm>
-            <a:off x="979688" y="5927270"/>
+            <a:off x="427238" y="6193970"/>
             <a:ext cx="1592440" cy="258535"/>
           </a:xfrm>
           <a:prstGeom prst="rect">
@@ -3247,7 +3247,7 @@
         </p:nvSpPr>
         <p:spPr>
           <a:xfrm>
-            <a:off x="4474985" y="4905375"/>
+            <a:off x="3922535" y="5172075"/>
             <a:ext cx="1592440" cy="258535"/>
           </a:xfrm>
           <a:prstGeom prst="rect">
@@ -3293,7 +3293,7 @@
         </p:nvGrpSpPr>
         <p:grpSpPr>
           <a:xfrm rot="0">
-            <a:off x="979688" y="468164"/>
+            <a:off x="427238" y="734864"/>
             <a:ext cx="4464529" cy="5245632"/>
             <a:chOff x="2379863" y="468164"/>
             <a:chExt cx="4464529" cy="5245632"/>
@@ -3780,8 +3780,307 @@
         </p:nvSpPr>
         <p:spPr>
           <a:xfrm>
-            <a:off x="3102230" y="2147596"/>
+            <a:off x="2549780" y="2414296"/>
             <a:ext cx="1497438" cy="153493"/>
+          </a:xfrm>
+          <a:prstGeom prst="rect">
+            <a:avLst/>
+          </a:prstGeom>
+          <a:solidFill>
+            <a:schemeClr val="accent1">
+              <a:alpha val="0"/>
+            </a:schemeClr>
+          </a:solidFill>
+          <a:ln w="63500">
+            <a:solidFill>
+              <a:schemeClr val="accent1"/>
+            </a:solidFill>
+          </a:ln>
+        </p:spPr>
+        <p:style>
+          <a:lnRef idx="2">
+            <a:schemeClr val="accent1">
+              <a:shade val="20000"/>
+            </a:schemeClr>
+          </a:lnRef>
+          <a:fillRef idx="1">
+            <a:schemeClr val="accent1"/>
+          </a:fillRef>
+          <a:effectRef idx="0">
+            <a:schemeClr val="accent1"/>
+          </a:effectRef>
+          <a:fontRef idx="minor">
+            <a:schemeClr val="lt1"/>
+          </a:fontRef>
+        </p:style>
+        <p:txBody>
+          <a:bodyPr anchor="ctr"/>
+          <a:lstStyle/>
+          <a:p>
+            <a:pPr algn="ctr">
+              <a:defRPr/>
+            </a:pPr>
+            <a:endParaRPr lang="ko-KR" altLang="en-US"/>
+          </a:p>
+        </p:txBody>
+      </p:sp>
+      <p:pic>
+        <p:nvPicPr>
+          <p:cNvPr id="25" name=""/>
+          <p:cNvPicPr>
+            <a:picLocks noChangeAspect="1"/>
+          </p:cNvPicPr>
+          <p:nvPr/>
+        </p:nvPicPr>
+        <p:blipFill rotWithShape="1">
+          <a:blip r:embed="rId4"/>
+          <a:stretch>
+            <a:fillRect/>
+          </a:stretch>
+        </p:blipFill>
+        <p:spPr>
+          <a:xfrm>
+            <a:off x="7151369" y="723748"/>
+            <a:ext cx="3070860" cy="1844040"/>
+          </a:xfrm>
+          <a:prstGeom prst="rect">
+            <a:avLst/>
+          </a:prstGeom>
+        </p:spPr>
+      </p:pic>
+      <p:sp>
+        <p:nvSpPr>
+          <p:cNvPr id="29" name=""/>
+          <p:cNvSpPr/>
+          <p:nvPr/>
+        </p:nvSpPr>
+        <p:spPr>
+          <a:xfrm>
+            <a:off x="826371" y="2886414"/>
+            <a:ext cx="1592440" cy="258535"/>
+          </a:xfrm>
+          <a:prstGeom prst="rect">
+            <a:avLst/>
+          </a:prstGeom>
+        </p:spPr>
+        <p:style>
+          <a:lnRef idx="2">
+            <a:schemeClr val="accent1">
+              <a:shade val="20000"/>
+            </a:schemeClr>
+          </a:lnRef>
+          <a:fillRef idx="1">
+            <a:schemeClr val="accent1"/>
+          </a:fillRef>
+          <a:effectRef idx="0">
+            <a:schemeClr val="accent1"/>
+          </a:effectRef>
+          <a:fontRef idx="minor">
+            <a:schemeClr val="lt1"/>
+          </a:fontRef>
+        </p:style>
+        <p:txBody>
+          <a:bodyPr anchor="ctr"/>
+          <a:lstStyle/>
+          <a:p>
+            <a:pPr algn="ctr">
+              <a:defRPr/>
+            </a:pPr>
+            <a:r>
+              <a:rPr lang="en-US" altLang="ko-KR"/>
+              <a:t>LMS Setting</a:t>
+            </a:r>
+            <a:endParaRPr lang="en-US" altLang="ko-KR"/>
+          </a:p>
+        </p:txBody>
+      </p:sp>
+      <p:grpSp>
+        <p:nvGrpSpPr>
+          <p:cNvPr id="33" name=""/>
+          <p:cNvGrpSpPr/>
+          <p:nvPr/>
+        </p:nvGrpSpPr>
+        <p:grpSpPr>
+          <a:xfrm rot="0">
+            <a:off x="4047218" y="1002761"/>
+            <a:ext cx="3104151" cy="1488281"/>
+            <a:chOff x="4599668" y="736061"/>
+            <a:chExt cx="3104151" cy="1488281"/>
+          </a:xfrm>
+          <a:solidFill>
+            <a:schemeClr val="accent1"/>
+          </a:solidFill>
+        </p:grpSpPr>
+        <p:cxnSp>
+          <p:nvCxnSpPr>
+            <p:cNvPr id="27" name=""/>
+            <p:cNvCxnSpPr/>
+            <p:nvPr/>
+          </p:nvCxnSpPr>
+          <p:spPr>
+            <a:xfrm>
+              <a:off x="6052230" y="736061"/>
+              <a:ext cx="1651588" cy="0"/>
+            </a:xfrm>
+            <a:prstGeom prst="straightConnector1">
+              <a:avLst/>
+            </a:prstGeom>
+            <a:grpFill/>
+            <a:ln w="38100">
+              <a:solidFill>
+                <a:schemeClr val="accent1"/>
+              </a:solidFill>
+              <a:tailEnd type="arrow"/>
+            </a:ln>
+          </p:spPr>
+          <p:style>
+            <a:lnRef idx="1">
+              <a:schemeClr val="accent1"/>
+            </a:lnRef>
+            <a:fillRef idx="0">
+              <a:schemeClr val="accent1"/>
+            </a:fillRef>
+            <a:effectRef idx="0">
+              <a:schemeClr val="accent1"/>
+            </a:effectRef>
+            <a:fontRef idx="minor">
+              <a:schemeClr val="tx1"/>
+            </a:fontRef>
+          </p:style>
+        </p:cxnSp>
+        <p:cxnSp>
+          <p:nvCxnSpPr>
+            <p:cNvPr id="31" name=""/>
+            <p:cNvCxnSpPr/>
+            <p:nvPr/>
+          </p:nvCxnSpPr>
+          <p:spPr>
+            <a:xfrm>
+              <a:off x="4599668" y="2224342"/>
+              <a:ext cx="1452562" cy="0"/>
+            </a:xfrm>
+            <a:prstGeom prst="line">
+              <a:avLst/>
+            </a:prstGeom>
+            <a:grpFill/>
+            <a:ln w="38100">
+              <a:solidFill>
+                <a:schemeClr val="accent1"/>
+              </a:solidFill>
+            </a:ln>
+          </p:spPr>
+          <p:style>
+            <a:lnRef idx="1">
+              <a:schemeClr val="accent1"/>
+            </a:lnRef>
+            <a:fillRef idx="0">
+              <a:schemeClr val="accent1"/>
+            </a:fillRef>
+            <a:effectRef idx="0">
+              <a:schemeClr val="accent1"/>
+            </a:effectRef>
+            <a:fontRef idx="minor">
+              <a:schemeClr val="tx1"/>
+            </a:fontRef>
+          </p:style>
+        </p:cxnSp>
+        <p:cxnSp>
+          <p:nvCxnSpPr>
+            <p:cNvPr id="32" name=""/>
+            <p:cNvCxnSpPr/>
+            <p:nvPr/>
+          </p:nvCxnSpPr>
+          <p:spPr>
+            <a:xfrm rot="16200000" flipV="1">
+              <a:off x="5308089" y="1480201"/>
+              <a:ext cx="1488281" cy="0"/>
+            </a:xfrm>
+            <a:prstGeom prst="line">
+              <a:avLst/>
+            </a:prstGeom>
+            <a:grpFill/>
+            <a:ln w="38100">
+              <a:solidFill>
+                <a:schemeClr val="accent1"/>
+              </a:solidFill>
+            </a:ln>
+          </p:spPr>
+          <p:style>
+            <a:lnRef idx="1">
+              <a:schemeClr val="accent1"/>
+            </a:lnRef>
+            <a:fillRef idx="0">
+              <a:schemeClr val="accent1"/>
+            </a:fillRef>
+            <a:effectRef idx="0">
+              <a:schemeClr val="accent1"/>
+            </a:effectRef>
+            <a:fontRef idx="minor">
+              <a:schemeClr val="tx1"/>
+            </a:fontRef>
+          </p:style>
+        </p:cxnSp>
+      </p:grpSp>
+      <p:sp>
+        <p:nvSpPr>
+          <p:cNvPr id="30" name=""/>
+          <p:cNvSpPr/>
+          <p:nvPr/>
+        </p:nvSpPr>
+        <p:spPr>
+          <a:xfrm>
+            <a:off x="4747330" y="1217074"/>
+            <a:ext cx="1592440" cy="258535"/>
+          </a:xfrm>
+          <a:prstGeom prst="rect">
+            <a:avLst/>
+          </a:prstGeom>
+        </p:spPr>
+        <p:style>
+          <a:lnRef idx="2">
+            <a:schemeClr val="accent1">
+              <a:shade val="20000"/>
+            </a:schemeClr>
+          </a:lnRef>
+          <a:fillRef idx="1">
+            <a:schemeClr val="accent1"/>
+          </a:fillRef>
+          <a:effectRef idx="0">
+            <a:schemeClr val="accent1"/>
+          </a:effectRef>
+          <a:fontRef idx="minor">
+            <a:schemeClr val="lt1"/>
+          </a:fontRef>
+        </p:style>
+        <p:txBody>
+          <a:bodyPr anchor="ctr"/>
+          <a:lstStyle/>
+          <a:p>
+            <a:pPr algn="ctr">
+              <a:defRPr/>
+            </a:pPr>
+            <a:r>
+              <a:rPr lang="ko-KR" altLang="en-US"/>
+              <a:t>학부</a:t>
+            </a:r>
+            <a:r>
+              <a:rPr lang="en-US" altLang="ko-KR"/>
+              <a:t> Setting</a:t>
+            </a:r>
+            <a:endParaRPr lang="en-US" altLang="ko-KR"/>
+          </a:p>
+        </p:txBody>
+      </p:sp>
+      <p:sp>
+        <p:nvSpPr>
+          <p:cNvPr id="34" name=""/>
+          <p:cNvSpPr/>
+          <p:nvPr/>
+        </p:nvSpPr>
+        <p:spPr>
+          <a:xfrm>
+            <a:off x="9122459" y="1718327"/>
+            <a:ext cx="937845" cy="153493"/>
           </a:xfrm>
           <a:prstGeom prst="rect">
             <a:avLst/>
@@ -3821,6 +4120,968 @@
               <a:defRPr/>
             </a:pPr>
             <a:endParaRPr lang="ko-KR" altLang="en-US"/>
+          </a:p>
+        </p:txBody>
+      </p:sp>
+      <p:pic>
+        <p:nvPicPr>
+          <p:cNvPr id="35" name=""/>
+          <p:cNvPicPr>
+            <a:picLocks noChangeAspect="1"/>
+          </p:cNvPicPr>
+          <p:nvPr/>
+        </p:nvPicPr>
+        <p:blipFill rotWithShape="1">
+          <a:blip r:embed="rId5"/>
+          <a:stretch>
+            <a:fillRect/>
+          </a:stretch>
+        </p:blipFill>
+        <p:spPr>
+          <a:xfrm>
+            <a:off x="7158989" y="3695700"/>
+            <a:ext cx="3055620" cy="1828800"/>
+          </a:xfrm>
+          <a:prstGeom prst="rect">
+            <a:avLst/>
+          </a:prstGeom>
+        </p:spPr>
+      </p:pic>
+      <p:sp>
+        <p:nvSpPr>
+          <p:cNvPr id="36" name=""/>
+          <p:cNvSpPr/>
+          <p:nvPr/>
+        </p:nvSpPr>
+        <p:spPr>
+          <a:xfrm>
+            <a:off x="9160559" y="4951907"/>
+            <a:ext cx="937845" cy="153493"/>
+          </a:xfrm>
+          <a:prstGeom prst="rect">
+            <a:avLst/>
+          </a:prstGeom>
+          <a:solidFill>
+            <a:schemeClr val="lt1">
+              <a:alpha val="0"/>
+            </a:schemeClr>
+          </a:solidFill>
+          <a:ln w="63500">
+            <a:solidFill>
+              <a:srgbClr val="ff6600"/>
+            </a:solidFill>
+          </a:ln>
+        </p:spPr>
+        <p:style>
+          <a:lnRef idx="2">
+            <a:schemeClr val="accent1">
+              <a:shade val="20000"/>
+            </a:schemeClr>
+          </a:lnRef>
+          <a:fillRef idx="1">
+            <a:schemeClr val="accent1"/>
+          </a:fillRef>
+          <a:effectRef idx="0">
+            <a:schemeClr val="accent1"/>
+          </a:effectRef>
+          <a:fontRef idx="minor">
+            <a:schemeClr val="lt1"/>
+          </a:fontRef>
+        </p:style>
+        <p:txBody>
+          <a:bodyPr anchor="ctr"/>
+          <a:lstStyle/>
+          <a:p>
+            <a:pPr algn="ctr">
+              <a:defRPr/>
+            </a:pPr>
+            <a:endParaRPr lang="ko-KR" altLang="en-US"/>
+          </a:p>
+        </p:txBody>
+      </p:sp>
+      <p:grpSp>
+        <p:nvGrpSpPr>
+          <p:cNvPr id="40" name=""/>
+          <p:cNvGrpSpPr/>
+          <p:nvPr/>
+        </p:nvGrpSpPr>
+        <p:grpSpPr>
+          <a:xfrm rot="0">
+            <a:off x="10060304" y="1795073"/>
+            <a:ext cx="781535" cy="2561424"/>
+            <a:chOff x="10612754" y="1528373"/>
+            <a:chExt cx="781535" cy="2561424"/>
+          </a:xfrm>
+        </p:grpSpPr>
+        <p:cxnSp>
+          <p:nvCxnSpPr>
+            <p:cNvPr id="37" name=""/>
+            <p:cNvCxnSpPr>
+              <a:stCxn id="34" idx="3"/>
+            </p:cNvCxnSpPr>
+            <p:nvPr/>
+          </p:nvCxnSpPr>
+          <p:spPr>
+            <a:xfrm>
+              <a:off x="10612754" y="1528373"/>
+              <a:ext cx="781527" cy="0"/>
+            </a:xfrm>
+            <a:prstGeom prst="line">
+              <a:avLst/>
+            </a:prstGeom>
+            <a:ln w="38100">
+              <a:solidFill>
+                <a:srgbClr val="ff0000"/>
+              </a:solidFill>
+            </a:ln>
+          </p:spPr>
+          <p:style>
+            <a:lnRef idx="1">
+              <a:schemeClr val="accent1"/>
+            </a:lnRef>
+            <a:fillRef idx="0">
+              <a:schemeClr val="accent1"/>
+            </a:fillRef>
+            <a:effectRef idx="0">
+              <a:schemeClr val="accent1"/>
+            </a:effectRef>
+            <a:fontRef idx="minor">
+              <a:schemeClr val="tx1"/>
+            </a:fontRef>
+          </p:style>
+        </p:cxnSp>
+        <p:cxnSp>
+          <p:nvCxnSpPr>
+            <p:cNvPr id="38" name=""/>
+            <p:cNvCxnSpPr/>
+            <p:nvPr/>
+          </p:nvCxnSpPr>
+          <p:spPr>
+            <a:xfrm rot="16200000" flipH="1" flipV="1">
+              <a:off x="10113573" y="2809081"/>
+              <a:ext cx="2561424" cy="8"/>
+            </a:xfrm>
+            <a:prstGeom prst="line">
+              <a:avLst/>
+            </a:prstGeom>
+            <a:ln w="38100">
+              <a:solidFill>
+                <a:srgbClr val="ff0000"/>
+              </a:solidFill>
+            </a:ln>
+          </p:spPr>
+          <p:style>
+            <a:lnRef idx="1">
+              <a:schemeClr val="accent1"/>
+            </a:lnRef>
+            <a:fillRef idx="0">
+              <a:schemeClr val="accent1"/>
+            </a:fillRef>
+            <a:effectRef idx="0">
+              <a:schemeClr val="accent1"/>
+            </a:effectRef>
+            <a:fontRef idx="minor">
+              <a:schemeClr val="tx1"/>
+            </a:fontRef>
+          </p:style>
+        </p:cxnSp>
+        <p:cxnSp>
+          <p:nvCxnSpPr>
+            <p:cNvPr id="39" name=""/>
+            <p:cNvCxnSpPr/>
+            <p:nvPr/>
+          </p:nvCxnSpPr>
+          <p:spPr>
+            <a:xfrm rot="10800000">
+              <a:off x="10767060" y="4089797"/>
+              <a:ext cx="627228" cy="0"/>
+            </a:xfrm>
+            <a:prstGeom prst="straightConnector1">
+              <a:avLst/>
+            </a:prstGeom>
+            <a:ln w="38100">
+              <a:solidFill>
+                <a:srgbClr val="ff0000"/>
+              </a:solidFill>
+              <a:tailEnd type="arrow"/>
+            </a:ln>
+          </p:spPr>
+          <p:style>
+            <a:lnRef idx="1">
+              <a:schemeClr val="accent1"/>
+            </a:lnRef>
+            <a:fillRef idx="0">
+              <a:schemeClr val="accent1"/>
+            </a:fillRef>
+            <a:effectRef idx="0">
+              <a:schemeClr val="accent1"/>
+            </a:effectRef>
+            <a:fontRef idx="minor">
+              <a:schemeClr val="tx1"/>
+            </a:fontRef>
+          </p:style>
+        </p:cxnSp>
+      </p:grpSp>
+      <p:sp>
+        <p:nvSpPr>
+          <p:cNvPr id="41" name=""/>
+          <p:cNvSpPr/>
+          <p:nvPr/>
+        </p:nvSpPr>
+        <p:spPr>
+          <a:xfrm>
+            <a:off x="9880422" y="2886414"/>
+            <a:ext cx="1592440" cy="258535"/>
+          </a:xfrm>
+          <a:prstGeom prst="rect">
+            <a:avLst/>
+          </a:prstGeom>
+        </p:spPr>
+        <p:style>
+          <a:lnRef idx="2">
+            <a:schemeClr val="accent1">
+              <a:shade val="20000"/>
+            </a:schemeClr>
+          </a:lnRef>
+          <a:fillRef idx="1">
+            <a:schemeClr val="accent1"/>
+          </a:fillRef>
+          <a:effectRef idx="0">
+            <a:schemeClr val="accent1"/>
+          </a:effectRef>
+          <a:fontRef idx="minor">
+            <a:schemeClr val="lt1"/>
+          </a:fontRef>
+        </p:style>
+        <p:txBody>
+          <a:bodyPr anchor="ctr"/>
+          <a:lstStyle/>
+          <a:p>
+            <a:pPr algn="ctr">
+              <a:defRPr/>
+            </a:pPr>
+            <a:r>
+              <a:rPr lang="ko-KR" altLang="en-US"/>
+              <a:t>키워드 추가</a:t>
+            </a:r>
+            <a:endParaRPr lang="ko-KR" altLang="en-US"/>
+          </a:p>
+        </p:txBody>
+      </p:sp>
+      <p:grpSp>
+        <p:nvGrpSpPr>
+          <p:cNvPr id="49" name=""/>
+          <p:cNvGrpSpPr/>
+          <p:nvPr/>
+        </p:nvGrpSpPr>
+        <p:grpSpPr>
+          <a:xfrm rot="0">
+            <a:off x="6841330" y="2567789"/>
+            <a:ext cx="3835311" cy="3626183"/>
+            <a:chOff x="7393781" y="2301089"/>
+            <a:chExt cx="3835311" cy="3626183"/>
+          </a:xfrm>
+        </p:grpSpPr>
+        <p:cxnSp>
+          <p:nvCxnSpPr>
+            <p:cNvPr id="43" name=""/>
+            <p:cNvCxnSpPr>
+              <a:stCxn id="36" idx="3"/>
+            </p:cNvCxnSpPr>
+            <p:nvPr/>
+          </p:nvCxnSpPr>
+          <p:spPr>
+            <a:xfrm>
+              <a:off x="10650856" y="4761953"/>
+              <a:ext cx="578237" cy="9525"/>
+            </a:xfrm>
+            <a:prstGeom prst="line">
+              <a:avLst/>
+            </a:prstGeom>
+            <a:ln w="38100">
+              <a:solidFill>
+                <a:srgbClr val="ff0000"/>
+              </a:solidFill>
+            </a:ln>
+          </p:spPr>
+          <p:style>
+            <a:lnRef idx="1">
+              <a:schemeClr val="accent1"/>
+            </a:lnRef>
+            <a:fillRef idx="0">
+              <a:schemeClr val="accent1"/>
+            </a:fillRef>
+            <a:effectRef idx="0">
+              <a:schemeClr val="accent1"/>
+            </a:effectRef>
+            <a:fontRef idx="minor">
+              <a:schemeClr val="tx1"/>
+            </a:fontRef>
+          </p:style>
+        </p:cxnSp>
+        <p:cxnSp>
+          <p:nvCxnSpPr>
+            <p:cNvPr id="44" name=""/>
+            <p:cNvCxnSpPr/>
+            <p:nvPr/>
+          </p:nvCxnSpPr>
+          <p:spPr>
+            <a:xfrm rot="16200000" flipH="1">
+              <a:off x="10651196" y="5349374"/>
+              <a:ext cx="1155791" cy="0"/>
+            </a:xfrm>
+            <a:prstGeom prst="line">
+              <a:avLst/>
+            </a:prstGeom>
+            <a:ln w="38100">
+              <a:solidFill>
+                <a:srgbClr val="ff0000"/>
+              </a:solidFill>
+            </a:ln>
+          </p:spPr>
+          <p:style>
+            <a:lnRef idx="1">
+              <a:schemeClr val="accent1"/>
+            </a:lnRef>
+            <a:fillRef idx="0">
+              <a:schemeClr val="accent1"/>
+            </a:fillRef>
+            <a:effectRef idx="0">
+              <a:schemeClr val="accent1"/>
+            </a:effectRef>
+            <a:fontRef idx="minor">
+              <a:schemeClr val="tx1"/>
+            </a:fontRef>
+          </p:style>
+        </p:cxnSp>
+        <p:cxnSp>
+          <p:nvCxnSpPr>
+            <p:cNvPr id="45" name=""/>
+            <p:cNvCxnSpPr/>
+            <p:nvPr/>
+          </p:nvCxnSpPr>
+          <p:spPr>
+            <a:xfrm rot="10800000">
+              <a:off x="7393782" y="5927270"/>
+              <a:ext cx="3835310" cy="2"/>
+            </a:xfrm>
+            <a:prstGeom prst="line">
+              <a:avLst/>
+            </a:prstGeom>
+            <a:ln w="38100">
+              <a:solidFill>
+                <a:srgbClr val="ff0000"/>
+              </a:solidFill>
+            </a:ln>
+          </p:spPr>
+          <p:style>
+            <a:lnRef idx="1">
+              <a:schemeClr val="accent1"/>
+            </a:lnRef>
+            <a:fillRef idx="0">
+              <a:schemeClr val="accent1"/>
+            </a:fillRef>
+            <a:effectRef idx="0">
+              <a:schemeClr val="accent1"/>
+            </a:effectRef>
+            <a:fontRef idx="minor">
+              <a:schemeClr val="tx1"/>
+            </a:fontRef>
+          </p:style>
+        </p:cxnSp>
+        <p:cxnSp>
+          <p:nvCxnSpPr>
+            <p:cNvPr id="46" name=""/>
+            <p:cNvCxnSpPr/>
+            <p:nvPr/>
+          </p:nvCxnSpPr>
+          <p:spPr>
+            <a:xfrm rot="16200000">
+              <a:off x="6064278" y="4597769"/>
+              <a:ext cx="2659006" cy="0"/>
+            </a:xfrm>
+            <a:prstGeom prst="line">
+              <a:avLst/>
+            </a:prstGeom>
+            <a:ln w="38100">
+              <a:solidFill>
+                <a:srgbClr val="ff0000"/>
+              </a:solidFill>
+            </a:ln>
+          </p:spPr>
+          <p:style>
+            <a:lnRef idx="1">
+              <a:schemeClr val="accent1"/>
+            </a:lnRef>
+            <a:fillRef idx="0">
+              <a:schemeClr val="accent1"/>
+            </a:fillRef>
+            <a:effectRef idx="0">
+              <a:schemeClr val="accent1"/>
+            </a:effectRef>
+            <a:fontRef idx="minor">
+              <a:schemeClr val="tx1"/>
+            </a:fontRef>
+          </p:style>
+        </p:cxnSp>
+        <p:cxnSp>
+          <p:nvCxnSpPr>
+            <p:cNvPr id="47" name=""/>
+            <p:cNvCxnSpPr/>
+            <p:nvPr/>
+          </p:nvCxnSpPr>
+          <p:spPr>
+            <a:xfrm>
+              <a:off x="7393781" y="3268266"/>
+              <a:ext cx="1464469" cy="0"/>
+            </a:xfrm>
+            <a:prstGeom prst="line">
+              <a:avLst/>
+            </a:prstGeom>
+            <a:ln w="38100">
+              <a:solidFill>
+                <a:srgbClr val="ff0000"/>
+              </a:solidFill>
+            </a:ln>
+          </p:spPr>
+          <p:style>
+            <a:lnRef idx="1">
+              <a:schemeClr val="accent1"/>
+            </a:lnRef>
+            <a:fillRef idx="0">
+              <a:schemeClr val="accent1"/>
+            </a:fillRef>
+            <a:effectRef idx="0">
+              <a:schemeClr val="accent1"/>
+            </a:effectRef>
+            <a:fontRef idx="minor">
+              <a:schemeClr val="tx1"/>
+            </a:fontRef>
+          </p:style>
+        </p:cxnSp>
+        <p:cxnSp>
+          <p:nvCxnSpPr>
+            <p:cNvPr id="48" name=""/>
+            <p:cNvCxnSpPr/>
+            <p:nvPr/>
+          </p:nvCxnSpPr>
+          <p:spPr>
+            <a:xfrm rot="16200000">
+              <a:off x="8374661" y="2784677"/>
+              <a:ext cx="967177" cy="0"/>
+            </a:xfrm>
+            <a:prstGeom prst="straightConnector1">
+              <a:avLst/>
+            </a:prstGeom>
+            <a:ln w="38100">
+              <a:solidFill>
+                <a:srgbClr val="ff0000"/>
+              </a:solidFill>
+              <a:tailEnd type="arrow"/>
+            </a:ln>
+          </p:spPr>
+          <p:style>
+            <a:lnRef idx="1">
+              <a:schemeClr val="accent1"/>
+            </a:lnRef>
+            <a:fillRef idx="0">
+              <a:schemeClr val="accent1"/>
+            </a:fillRef>
+            <a:effectRef idx="0">
+              <a:schemeClr val="accent1"/>
+            </a:effectRef>
+            <a:fontRef idx="minor">
+              <a:schemeClr val="tx1"/>
+            </a:fontRef>
+          </p:style>
+        </p:cxnSp>
+      </p:grpSp>
+      <p:sp>
+        <p:nvSpPr>
+          <p:cNvPr id="50" name=""/>
+          <p:cNvSpPr/>
+          <p:nvPr/>
+        </p:nvSpPr>
+        <p:spPr>
+          <a:xfrm>
+            <a:off x="7890580" y="6064704"/>
+            <a:ext cx="1592440" cy="258535"/>
+          </a:xfrm>
+          <a:prstGeom prst="rect">
+            <a:avLst/>
+          </a:prstGeom>
+        </p:spPr>
+        <p:style>
+          <a:lnRef idx="2">
+            <a:schemeClr val="accent1">
+              <a:shade val="20000"/>
+            </a:schemeClr>
+          </a:lnRef>
+          <a:fillRef idx="1">
+            <a:schemeClr val="accent1"/>
+          </a:fillRef>
+          <a:effectRef idx="0">
+            <a:schemeClr val="accent1"/>
+          </a:effectRef>
+          <a:fontRef idx="minor">
+            <a:schemeClr val="lt1"/>
+          </a:fontRef>
+        </p:style>
+        <p:txBody>
+          <a:bodyPr anchor="ctr"/>
+          <a:lstStyle/>
+          <a:p>
+            <a:pPr algn="ctr">
+              <a:defRPr/>
+            </a:pPr>
+            <a:r>
+              <a:rPr lang="ko-KR" altLang="en-US"/>
+              <a:t>키워드 삭제</a:t>
+            </a:r>
+            <a:endParaRPr lang="ko-KR" altLang="en-US"/>
+          </a:p>
+        </p:txBody>
+      </p:sp>
+      <p:sp>
+        <p:nvSpPr>
+          <p:cNvPr id="51" name=""/>
+          <p:cNvSpPr/>
+          <p:nvPr/>
+        </p:nvSpPr>
+        <p:spPr>
+          <a:xfrm>
+            <a:off x="9753306" y="734864"/>
+            <a:ext cx="468923" cy="267897"/>
+          </a:xfrm>
+          <a:prstGeom prst="rect">
+            <a:avLst/>
+          </a:prstGeom>
+          <a:solidFill>
+            <a:schemeClr val="lt1">
+              <a:alpha val="0"/>
+            </a:schemeClr>
+          </a:solidFill>
+          <a:ln w="63500">
+            <a:solidFill>
+              <a:schemeClr val="accent1"/>
+            </a:solidFill>
+          </a:ln>
+        </p:spPr>
+        <p:style>
+          <a:lnRef idx="2">
+            <a:schemeClr val="accent1">
+              <a:shade val="20000"/>
+            </a:schemeClr>
+          </a:lnRef>
+          <a:fillRef idx="1">
+            <a:schemeClr val="accent1"/>
+          </a:fillRef>
+          <a:effectRef idx="0">
+            <a:schemeClr val="accent1"/>
+          </a:effectRef>
+          <a:fontRef idx="minor">
+            <a:schemeClr val="lt1"/>
+          </a:fontRef>
+        </p:style>
+        <p:txBody>
+          <a:bodyPr anchor="ctr"/>
+          <a:lstStyle/>
+          <a:p>
+            <a:pPr algn="ctr">
+              <a:defRPr/>
+            </a:pPr>
+            <a:endParaRPr lang="ko-KR" altLang="en-US"/>
+          </a:p>
+        </p:txBody>
+      </p:sp>
+      <p:sp>
+        <p:nvSpPr>
+          <p:cNvPr id="52" name=""/>
+          <p:cNvSpPr/>
+          <p:nvPr/>
+        </p:nvSpPr>
+        <p:spPr>
+          <a:xfrm>
+            <a:off x="9745687" y="3695700"/>
+            <a:ext cx="468923" cy="267897"/>
+          </a:xfrm>
+          <a:prstGeom prst="rect">
+            <a:avLst/>
+          </a:prstGeom>
+          <a:solidFill>
+            <a:schemeClr val="lt1">
+              <a:alpha val="0"/>
+            </a:schemeClr>
+          </a:solidFill>
+          <a:ln w="63500">
+            <a:solidFill>
+              <a:schemeClr val="accent1"/>
+            </a:solidFill>
+          </a:ln>
+        </p:spPr>
+        <p:style>
+          <a:lnRef idx="2">
+            <a:schemeClr val="accent1">
+              <a:shade val="20000"/>
+            </a:schemeClr>
+          </a:lnRef>
+          <a:fillRef idx="1">
+            <a:schemeClr val="accent1"/>
+          </a:fillRef>
+          <a:effectRef idx="0">
+            <a:schemeClr val="accent1"/>
+          </a:effectRef>
+          <a:fontRef idx="minor">
+            <a:schemeClr val="lt1"/>
+          </a:fontRef>
+        </p:style>
+        <p:txBody>
+          <a:bodyPr anchor="ctr"/>
+          <a:lstStyle/>
+          <a:p>
+            <a:pPr algn="ctr">
+              <a:defRPr/>
+            </a:pPr>
+            <a:endParaRPr lang="ko-KR" altLang="en-US"/>
+          </a:p>
+        </p:txBody>
+      </p:sp>
+      <p:cxnSp>
+        <p:nvCxnSpPr>
+          <p:cNvPr id="53" name=""/>
+          <p:cNvCxnSpPr>
+            <a:stCxn id="52" idx="3"/>
+          </p:cNvCxnSpPr>
+          <p:nvPr/>
+        </p:nvCxnSpPr>
+        <p:spPr>
+          <a:xfrm flipV="1">
+            <a:off x="10214608" y="3829649"/>
+            <a:ext cx="1424942" cy="0"/>
+          </a:xfrm>
+          <a:prstGeom prst="line">
+            <a:avLst/>
+          </a:prstGeom>
+          <a:ln w="38100">
+            <a:solidFill>
+              <a:schemeClr val="accent1"/>
+            </a:solidFill>
+          </a:ln>
+        </p:spPr>
+        <p:style>
+          <a:lnRef idx="1">
+            <a:schemeClr val="accent1"/>
+          </a:lnRef>
+          <a:fillRef idx="0">
+            <a:schemeClr val="accent1"/>
+          </a:fillRef>
+          <a:effectRef idx="0">
+            <a:schemeClr val="accent1"/>
+          </a:effectRef>
+          <a:fontRef idx="minor">
+            <a:schemeClr val="tx1"/>
+          </a:fontRef>
+        </p:style>
+      </p:cxnSp>
+      <p:cxnSp>
+        <p:nvCxnSpPr>
+          <p:cNvPr id="54" name=""/>
+          <p:cNvCxnSpPr/>
+          <p:nvPr/>
+        </p:nvCxnSpPr>
+        <p:spPr>
+          <a:xfrm rot="16200000">
+            <a:off x="10159132" y="2349231"/>
+            <a:ext cx="2960836" cy="0"/>
+          </a:xfrm>
+          <a:prstGeom prst="line">
+            <a:avLst/>
+          </a:prstGeom>
+          <a:ln w="38100">
+            <a:solidFill>
+              <a:schemeClr val="accent1"/>
+            </a:solidFill>
+          </a:ln>
+        </p:spPr>
+        <p:style>
+          <a:lnRef idx="1">
+            <a:schemeClr val="accent1"/>
+          </a:lnRef>
+          <a:fillRef idx="0">
+            <a:schemeClr val="accent1"/>
+          </a:fillRef>
+          <a:effectRef idx="0">
+            <a:schemeClr val="accent1"/>
+          </a:effectRef>
+          <a:fontRef idx="minor">
+            <a:schemeClr val="tx1"/>
+          </a:fontRef>
+        </p:style>
+      </p:cxnSp>
+      <p:cxnSp>
+        <p:nvCxnSpPr>
+          <p:cNvPr id="55" name=""/>
+          <p:cNvCxnSpPr>
+            <a:endCxn id="51" idx="3"/>
+          </p:cNvCxnSpPr>
+          <p:nvPr/>
+        </p:nvCxnSpPr>
+        <p:spPr>
+          <a:xfrm rot="10800000">
+            <a:off x="10222230" y="868812"/>
+            <a:ext cx="1417321" cy="0"/>
+          </a:xfrm>
+          <a:prstGeom prst="line">
+            <a:avLst/>
+          </a:prstGeom>
+          <a:ln w="38100">
+            <a:solidFill>
+              <a:schemeClr val="accent1"/>
+            </a:solidFill>
+          </a:ln>
+        </p:spPr>
+        <p:style>
+          <a:lnRef idx="1">
+            <a:schemeClr val="accent1"/>
+          </a:lnRef>
+          <a:fillRef idx="0">
+            <a:schemeClr val="accent1"/>
+          </a:fillRef>
+          <a:effectRef idx="0">
+            <a:schemeClr val="accent1"/>
+          </a:effectRef>
+          <a:fontRef idx="minor">
+            <a:schemeClr val="tx1"/>
+          </a:fontRef>
+        </p:style>
+      </p:cxnSp>
+      <p:grpSp>
+        <p:nvGrpSpPr>
+          <p:cNvPr id="60" name=""/>
+          <p:cNvGrpSpPr/>
+          <p:nvPr/>
+        </p:nvGrpSpPr>
+        <p:grpSpPr>
+          <a:xfrm rot="0">
+            <a:off x="2418811" y="244077"/>
+            <a:ext cx="9582689" cy="2122594"/>
+            <a:chOff x="2418811" y="244077"/>
+            <a:chExt cx="9582689" cy="2122594"/>
+          </a:xfrm>
+        </p:grpSpPr>
+        <p:cxnSp>
+          <p:nvCxnSpPr>
+            <p:cNvPr id="56" name=""/>
+            <p:cNvCxnSpPr/>
+            <p:nvPr/>
+          </p:nvCxnSpPr>
+          <p:spPr>
+            <a:xfrm>
+              <a:off x="11639550" y="2366671"/>
+              <a:ext cx="361950" cy="0"/>
+            </a:xfrm>
+            <a:prstGeom prst="line">
+              <a:avLst/>
+            </a:prstGeom>
+            <a:ln w="38100">
+              <a:solidFill>
+                <a:schemeClr val="accent1">
+                  <a:satMod val="105000"/>
+                </a:schemeClr>
+              </a:solidFill>
+            </a:ln>
+          </p:spPr>
+          <p:style>
+            <a:lnRef idx="1">
+              <a:schemeClr val="accent1"/>
+            </a:lnRef>
+            <a:fillRef idx="0">
+              <a:schemeClr val="accent1"/>
+            </a:fillRef>
+            <a:effectRef idx="0">
+              <a:schemeClr val="accent1"/>
+            </a:effectRef>
+            <a:fontRef idx="minor">
+              <a:schemeClr val="tx1"/>
+            </a:fontRef>
+          </p:style>
+        </p:cxnSp>
+        <p:cxnSp>
+          <p:nvCxnSpPr>
+            <p:cNvPr id="57" name=""/>
+            <p:cNvCxnSpPr/>
+            <p:nvPr/>
+          </p:nvCxnSpPr>
+          <p:spPr>
+            <a:xfrm rot="16200000">
+              <a:off x="10948924" y="1296654"/>
+              <a:ext cx="2105153" cy="0"/>
+            </a:xfrm>
+            <a:prstGeom prst="line">
+              <a:avLst/>
+            </a:prstGeom>
+            <a:ln w="38100">
+              <a:solidFill>
+                <a:schemeClr val="accent1">
+                  <a:satMod val="105000"/>
+                </a:schemeClr>
+              </a:solidFill>
+            </a:ln>
+          </p:spPr>
+          <p:style>
+            <a:lnRef idx="1">
+              <a:schemeClr val="accent1"/>
+            </a:lnRef>
+            <a:fillRef idx="0">
+              <a:schemeClr val="accent1"/>
+            </a:fillRef>
+            <a:effectRef idx="0">
+              <a:schemeClr val="accent1"/>
+            </a:effectRef>
+            <a:fontRef idx="minor">
+              <a:schemeClr val="tx1"/>
+            </a:fontRef>
+          </p:style>
+        </p:cxnSp>
+        <p:cxnSp>
+          <p:nvCxnSpPr>
+            <p:cNvPr id="58" name=""/>
+            <p:cNvCxnSpPr/>
+            <p:nvPr/>
+          </p:nvCxnSpPr>
+          <p:spPr>
+            <a:xfrm rot="10800000">
+              <a:off x="2418811" y="244077"/>
+              <a:ext cx="9582689" cy="63"/>
+            </a:xfrm>
+            <a:prstGeom prst="line">
+              <a:avLst/>
+            </a:prstGeom>
+            <a:ln w="38100">
+              <a:solidFill>
+                <a:schemeClr val="accent1">
+                  <a:satMod val="105000"/>
+                </a:schemeClr>
+              </a:solidFill>
+            </a:ln>
+          </p:spPr>
+          <p:style>
+            <a:lnRef idx="1">
+              <a:schemeClr val="accent1"/>
+            </a:lnRef>
+            <a:fillRef idx="0">
+              <a:schemeClr val="accent1"/>
+            </a:fillRef>
+            <a:effectRef idx="0">
+              <a:schemeClr val="accent1"/>
+            </a:effectRef>
+            <a:fontRef idx="minor">
+              <a:schemeClr val="tx1"/>
+            </a:fontRef>
+          </p:style>
+        </p:cxnSp>
+        <p:cxnSp>
+          <p:nvCxnSpPr>
+            <p:cNvPr id="59" name=""/>
+            <p:cNvCxnSpPr/>
+            <p:nvPr/>
+          </p:nvCxnSpPr>
+          <p:spPr>
+            <a:xfrm rot="16200000" flipH="1" flipV="1">
+              <a:off x="2173418" y="489469"/>
+              <a:ext cx="490787" cy="1"/>
+            </a:xfrm>
+            <a:prstGeom prst="straightConnector1">
+              <a:avLst/>
+            </a:prstGeom>
+            <a:ln w="38100">
+              <a:solidFill>
+                <a:schemeClr val="accent1">
+                  <a:satMod val="105000"/>
+                </a:schemeClr>
+              </a:solidFill>
+              <a:tailEnd type="arrow"/>
+            </a:ln>
+          </p:spPr>
+          <p:style>
+            <a:lnRef idx="1">
+              <a:schemeClr val="accent1"/>
+            </a:lnRef>
+            <a:fillRef idx="0">
+              <a:schemeClr val="accent1"/>
+            </a:fillRef>
+            <a:effectRef idx="0">
+              <a:schemeClr val="accent1"/>
+            </a:effectRef>
+            <a:fontRef idx="minor">
+              <a:schemeClr val="tx1"/>
+            </a:fontRef>
+          </p:style>
+        </p:cxnSp>
+      </p:grpSp>
+      <p:sp>
+        <p:nvSpPr>
+          <p:cNvPr id="61" name=""/>
+          <p:cNvSpPr/>
+          <p:nvPr/>
+        </p:nvSpPr>
+        <p:spPr>
+          <a:xfrm>
+            <a:off x="6841331" y="114809"/>
+            <a:ext cx="2641689" cy="258535"/>
+          </a:xfrm>
+          <a:prstGeom prst="rect">
+            <a:avLst/>
+          </a:prstGeom>
+        </p:spPr>
+        <p:style>
+          <a:lnRef idx="2">
+            <a:schemeClr val="accent1">
+              <a:shade val="20000"/>
+            </a:schemeClr>
+          </a:lnRef>
+          <a:fillRef idx="1">
+            <a:schemeClr val="accent1"/>
+          </a:fillRef>
+          <a:effectRef idx="0">
+            <a:schemeClr val="accent1"/>
+          </a:effectRef>
+          <a:fontRef idx="minor">
+            <a:schemeClr val="lt1"/>
+          </a:fontRef>
+        </p:style>
+        <p:txBody>
+          <a:bodyPr anchor="ctr"/>
+          <a:lstStyle/>
+          <a:p>
+            <a:pPr algn="ctr">
+              <a:defRPr/>
+            </a:pPr>
+            <a:r>
+              <a:rPr lang="ko-KR" altLang="en-US"/>
+              <a:t>학부 </a:t>
+            </a:r>
+            <a:r>
+              <a:rPr lang="en-US" altLang="ko-KR"/>
+              <a:t>Setting </a:t>
+            </a:r>
+            <a:r>
+              <a:rPr lang="ko-KR" altLang="en-US"/>
+              <a:t>완료</a:t>
+            </a:r>
+            <a:r>
+              <a:rPr lang="en-US" altLang="ko-KR"/>
+              <a:t>(</a:t>
+            </a:r>
+            <a:r>
+              <a:rPr lang="ko-KR" altLang="en-US"/>
+              <a:t>나가기</a:t>
+            </a:r>
+            <a:r>
+              <a:rPr lang="en-US" altLang="ko-KR"/>
+              <a:t>)</a:t>
+            </a:r>
+            <a:endParaRPr lang="en-US" altLang="ko-KR"/>
           </a:p>
         </p:txBody>
       </p:sp>

--- a/결과보고서/5.2 GUI 설계/GUI 설계.pptx
+++ b/결과보고서/5.2 GUI 설계/GUI 설계.pptx
@@ -2,12 +2,12 @@
 <file path=ppt/presentation.xml><?xml version="1.0" encoding="utf-8"?>
 <p:presentation xmlns:r="http://schemas.openxmlformats.org/officeDocument/2006/relationships" xmlns:c="http://schemas.openxmlformats.org/drawingml/2006/chart" xmlns:a="http://schemas.openxmlformats.org/drawingml/2006/main" xmlns:dgm="http://schemas.openxmlformats.org/drawingml/2006/diagram" xmlns:dsp="http://schemas.microsoft.com/office/drawing/2008/diagram" xmlns:p="http://schemas.openxmlformats.org/presentationml/2006/main">
   <p:sldMasterIdLst>
-    <p:sldMasterId id="2147483731" r:id="rId1"/>
+    <p:sldMasterId id="2147483757" r:id="rId1"/>
   </p:sldMasterIdLst>
   <p:sldIdLst>
     <p:sldId id="256" r:id="rId2"/>
   </p:sldIdLst>
-  <p:sldSz cx="12192000" cy="6858000"/>
+  <p:sldSz cx="26535317" cy="13033629"/>
   <p:notesSz cx="6858000" cy="9144000"/>
   <p:defaultTextStyle>
     <a:defPPr>
@@ -104,11 +104,22 @@
       </a:defRPr>
     </a:lvl9pPr>
   </p:defaultTextStyle>
+  <p:extLst>
+    <p:ext uri="{521415D9-36F7-43E2-AB2F-B90AF26B5E84}">
+      <p14:sectionLst xmlns:p14="http://schemas.microsoft.com/office/powerpoint/2010/main">
+        <p14:section id="{92FD0015-9DC9-45FA-881B-DF834D837C79}" name="제목 없는 구역">
+          <p14:sldIdLst>
+            <p14:sldId id="256"/>
+          </p14:sldIdLst>
+        </p14:section>
+      </p14:sectionLst>
+    </p:ext>
+  </p:extLst>
 </p:presentation>
 </file>
 
 <file path=ppt/slideLayouts/slideLayout1.xml><?xml version="1.0" encoding="utf-8"?>
-<p:sldLayout xmlns:r="http://schemas.openxmlformats.org/officeDocument/2006/relationships" xmlns:c="http://schemas.openxmlformats.org/drawingml/2006/chart" xmlns:a="http://schemas.openxmlformats.org/drawingml/2006/main" xmlns:dgm="http://schemas.openxmlformats.org/drawingml/2006/diagram" xmlns:dsp="http://schemas.microsoft.com/office/drawing/2008/diagram" xmlns:p="http://schemas.openxmlformats.org/presentationml/2006/main" showMasterPhAnim="1" type="title" preserve="1">
+<p:sldLayout xmlns:r="http://schemas.openxmlformats.org/officeDocument/2006/relationships" xmlns:c="http://schemas.openxmlformats.org/drawingml/2006/chart" xmlns:a="http://schemas.openxmlformats.org/drawingml/2006/main" xmlns:dgm="http://schemas.openxmlformats.org/drawingml/2006/diagram" xmlns:dsp="http://schemas.microsoft.com/office/drawing/2008/diagram" xmlns:p="http://schemas.openxmlformats.org/presentationml/2006/main" showMasterPhAnim="1" matchingName="제목 슬라이드" type="title" preserve="1">
   <p:cSld name="제목 슬라이드">
     <p:spTree>
       <p:nvGrpSpPr>
@@ -136,16 +147,19 @@
         </p:nvSpPr>
         <p:spPr>
           <a:xfrm>
-            <a:off x="914399" y="2130425"/>
-            <a:ext cx="10363198" cy="1470025"/>
+            <a:off x="1990146" y="4048872"/>
+            <a:ext cx="22555014" cy="2793782"/>
           </a:xfrm>
         </p:spPr>
         <p:txBody>
           <a:bodyPr/>
           <a:lstStyle/>
           <a:p>
-            <a:r>
-              <a:rPr lang="ko-KR" altLang="en-US" smtClean="0"/>
+            <a:pPr lvl="0">
+              <a:defRPr/>
+            </a:pPr>
+            <a:r>
+              <a:rPr lang="ko-KR" altLang="en-US"/>
               <a:t>마스터 제목 스타일 편집</a:t>
             </a:r>
             <a:endParaRPr lang="ko-KR" altLang="en-US"/>
@@ -164,8 +178,8 @@
         </p:nvSpPr>
         <p:spPr>
           <a:xfrm>
-            <a:off x="1828799" y="3886200"/>
-            <a:ext cx="8534399" cy="1752600"/>
+            <a:off x="3980295" y="7385723"/>
+            <a:ext cx="18574718" cy="3330816"/>
           </a:xfrm>
         </p:spPr>
         <p:txBody>
@@ -263,8 +277,11 @@
             </a:lvl9pPr>
           </a:lstStyle>
           <a:p>
-            <a:r>
-              <a:rPr lang="ko-KR" altLang="en-US" smtClean="0"/>
+            <a:pPr lvl="0">
+              <a:defRPr/>
+            </a:pPr>
+            <a:r>
+              <a:rPr lang="ko-KR" altLang="en-US"/>
               <a:t>마스터 부제목 스타일 편집</a:t>
             </a:r>
             <a:endParaRPr lang="ko-KR" altLang="en-US"/>
@@ -286,10 +303,15 @@
           <a:bodyPr/>
           <a:lstStyle/>
           <a:p>
+            <a:pPr lvl="0">
+              <a:defRPr/>
+            </a:pPr>
             <a:fld id="{940A130E-E3B8-4EBE-931F-81B26B8448AA}" type="datetime1">
-              <a:rPr lang="ko-KR" altLang="en-US" smtClean="0"/>
-              <a:pPr/>
-              <a:t>2009-12-07</a:t>
+              <a:rPr lang="ko-KR" altLang="en-US"/>
+              <a:pPr lvl="0">
+                <a:defRPr/>
+              </a:pPr>
+              <a:t>2020-12-17</a:t>
             </a:fld>
             <a:endParaRPr lang="ko-KR" altLang="en-US"/>
           </a:p>
@@ -310,6 +332,13 @@
           <a:bodyPr/>
           <a:lstStyle/>
           <a:p>
+            <a:pPr lvl="0">
+              <a:defRPr/>
+            </a:pPr>
+            <a:r>
+              <a:rPr lang="ko-KR" altLang="en-US"/>
+              <a:t/>
+            </a:r>
             <a:endParaRPr lang="ko-KR" altLang="en-US"/>
           </a:p>
         </p:txBody>
@@ -329,9 +358,14 @@
           <a:bodyPr/>
           <a:lstStyle/>
           <a:p>
+            <a:pPr lvl="0">
+              <a:defRPr/>
+            </a:pPr>
             <a:fld id="{800C6A38-4290-41DD-B95C-4155372FD4AF}" type="slidenum">
-              <a:rPr lang="ko-KR" altLang="en-US" smtClean="0"/>
-              <a:pPr/>
+              <a:rPr lang="ko-KR" altLang="en-US"/>
+              <a:pPr lvl="0">
+                <a:defRPr/>
+              </a:pPr>
               <a:t>‹#›</a:t>
             </a:fld>
             <a:endParaRPr lang="ko-KR" altLang="en-US"/>
@@ -343,11 +377,12 @@
   <p:clrMapOvr>
     <a:masterClrMapping/>
   </p:clrMapOvr>
+  <p:transition xmlns:mc="http://schemas.openxmlformats.org/markup-compatibility/2006" xmlns:hp="http://schemas.haansoft.com/office/presentation/8.0" mc:Ignorable="hp" hp:hslDur="500"/>
 </p:sldLayout>
 </file>
 
 <file path=ppt/slideLayouts/slideLayout10.xml><?xml version="1.0" encoding="utf-8"?>
-<p:sldLayout xmlns:r="http://schemas.openxmlformats.org/officeDocument/2006/relationships" xmlns:c="http://schemas.openxmlformats.org/drawingml/2006/chart" xmlns:a="http://schemas.openxmlformats.org/drawingml/2006/main" xmlns:dgm="http://schemas.openxmlformats.org/drawingml/2006/diagram" xmlns:dsp="http://schemas.microsoft.com/office/drawing/2008/diagram" xmlns:p="http://schemas.openxmlformats.org/presentationml/2006/main" showMasterPhAnim="1" type="objOnly" preserve="1">
+<p:sldLayout xmlns:r="http://schemas.openxmlformats.org/officeDocument/2006/relationships" xmlns:c="http://schemas.openxmlformats.org/drawingml/2006/chart" xmlns:a="http://schemas.openxmlformats.org/drawingml/2006/main" xmlns:dgm="http://schemas.openxmlformats.org/drawingml/2006/diagram" xmlns:dsp="http://schemas.microsoft.com/office/drawing/2008/diagram" xmlns:p="http://schemas.openxmlformats.org/presentationml/2006/main" showMasterPhAnim="1" matchingName="간지" type="objOnly" preserve="1">
   <p:cSld name="간지">
     <p:spTree>
       <p:nvGrpSpPr>
@@ -375,8 +410,8 @@
         </p:nvSpPr>
         <p:spPr>
           <a:xfrm>
-            <a:off x="0" y="2130425"/>
-            <a:ext cx="12192000" cy="1470025"/>
+            <a:off x="0" y="4048872"/>
+            <a:ext cx="26535316" cy="2793782"/>
           </a:xfrm>
         </p:spPr>
         <p:txBody>
@@ -389,8 +424,11 @@
             </a:lvl1pPr>
           </a:lstStyle>
           <a:p>
-            <a:r>
-              <a:rPr lang="ko-KR" altLang="en-US" smtClean="0"/>
+            <a:pPr lvl="0">
+              <a:defRPr/>
+            </a:pPr>
+            <a:r>
+              <a:rPr lang="ko-KR" altLang="en-US"/>
               <a:t>마스터 제목 스타일 편집</a:t>
             </a:r>
             <a:endParaRPr lang="ko-KR" altLang="en-US"/>
@@ -412,10 +450,15 @@
           <a:bodyPr/>
           <a:lstStyle/>
           <a:p>
+            <a:pPr lvl="0">
+              <a:defRPr/>
+            </a:pPr>
             <a:fld id="{CA348888-F454-4AD2-BA62-3AF29D9807C0}" type="datetime1">
-              <a:rPr lang="ko-KR" altLang="en-US" smtClean="0"/>
-              <a:pPr/>
-              <a:t>2009-12-07</a:t>
+              <a:rPr lang="ko-KR" altLang="en-US"/>
+              <a:pPr lvl="0">
+                <a:defRPr/>
+              </a:pPr>
+              <a:t>2020-12-17</a:t>
             </a:fld>
             <a:endParaRPr lang="ko-KR" altLang="en-US"/>
           </a:p>
@@ -436,6 +479,13 @@
           <a:bodyPr/>
           <a:lstStyle/>
           <a:p>
+            <a:pPr lvl="0">
+              <a:defRPr/>
+            </a:pPr>
+            <a:r>
+              <a:rPr lang="ko-KR" altLang="en-US"/>
+              <a:t/>
+            </a:r>
             <a:endParaRPr lang="ko-KR" altLang="en-US"/>
           </a:p>
         </p:txBody>
@@ -455,9 +505,14 @@
           <a:bodyPr/>
           <a:lstStyle/>
           <a:p>
+            <a:pPr lvl="0">
+              <a:defRPr/>
+            </a:pPr>
             <a:fld id="{AD22CD3B-FDDF-4998-970C-76E6E0BEC65F}" type="slidenum">
-              <a:rPr lang="ko-KR" altLang="en-US" smtClean="0"/>
-              <a:pPr/>
+              <a:rPr lang="ko-KR" altLang="en-US"/>
+              <a:pPr lvl="0">
+                <a:defRPr/>
+              </a:pPr>
               <a:t>‹#›</a:t>
             </a:fld>
             <a:endParaRPr lang="ko-KR" altLang="en-US"/>
@@ -469,11 +524,12 @@
   <p:clrMapOvr>
     <a:masterClrMapping/>
   </p:clrMapOvr>
+  <p:transition xmlns:mc="http://schemas.openxmlformats.org/markup-compatibility/2006" xmlns:hp="http://schemas.haansoft.com/office/presentation/8.0" mc:Ignorable="hp" hp:hslDur="500"/>
 </p:sldLayout>
 </file>
 
 <file path=ppt/slideLayouts/slideLayout11.xml><?xml version="1.0" encoding="utf-8"?>
-<p:sldLayout xmlns:r="http://schemas.openxmlformats.org/officeDocument/2006/relationships" xmlns:c="http://schemas.openxmlformats.org/drawingml/2006/chart" xmlns:a="http://schemas.openxmlformats.org/drawingml/2006/main" xmlns:dgm="http://schemas.openxmlformats.org/drawingml/2006/diagram" xmlns:dsp="http://schemas.microsoft.com/office/drawing/2008/diagram" xmlns:p="http://schemas.openxmlformats.org/presentationml/2006/main" showMasterPhAnim="1" type="clipArtAndTx" preserve="1">
+<p:sldLayout xmlns:r="http://schemas.openxmlformats.org/officeDocument/2006/relationships" xmlns:c="http://schemas.openxmlformats.org/drawingml/2006/chart" xmlns:a="http://schemas.openxmlformats.org/drawingml/2006/main" xmlns:dgm="http://schemas.openxmlformats.org/drawingml/2006/diagram" xmlns:dsp="http://schemas.microsoft.com/office/drawing/2008/diagram" xmlns:p="http://schemas.openxmlformats.org/presentationml/2006/main" showMasterPhAnim="1" matchingName="목차" type="clipArtAndTx" preserve="1">
   <p:cSld name="목차">
     <p:spTree>
       <p:nvGrpSpPr>
@@ -501,8 +557,8 @@
         </p:nvSpPr>
         <p:spPr>
           <a:xfrm>
-            <a:off x="609599" y="274638"/>
-            <a:ext cx="10972798" cy="1143000"/>
+            <a:off x="1326763" y="521949"/>
+            <a:ext cx="23881778" cy="2172271"/>
           </a:xfrm>
         </p:spPr>
         <p:txBody>
@@ -513,8 +569,11 @@
             </a:lvl1pPr>
           </a:lstStyle>
           <a:p>
-            <a:r>
-              <a:rPr lang="ko-KR" altLang="en-US" smtClean="0"/>
+            <a:pPr lvl="0">
+              <a:defRPr/>
+            </a:pPr>
+            <a:r>
+              <a:rPr lang="ko-KR" altLang="en-US"/>
               <a:t>마스터 제목 스타일 편집</a:t>
             </a:r>
             <a:endParaRPr lang="ko-KR" altLang="en-US"/>
@@ -533,8 +592,8 @@
         </p:nvSpPr>
         <p:spPr>
           <a:xfrm>
-            <a:off x="2857477" y="2214563"/>
-            <a:ext cx="6477021" cy="3214687"/>
+            <a:off x="6219164" y="4208777"/>
+            <a:ext cx="14096931" cy="6109513"/>
           </a:xfrm>
         </p:spPr>
         <p:txBody>
@@ -550,41 +609,51 @@
             </a:lvl1pPr>
           </a:lstStyle>
           <a:p>
-            <a:pPr lvl="0"/>
-            <a:r>
-              <a:rPr lang="ko-KR" altLang="en-US" smtClean="0"/>
+            <a:pPr lvl="0">
+              <a:defRPr/>
+            </a:pPr>
+            <a:r>
+              <a:rPr lang="ko-KR" altLang="en-US"/>
               <a:t>첫째 목차</a:t>
             </a:r>
             <a:endParaRPr lang="ko-KR" altLang="en-US"/>
           </a:p>
           <a:p>
-            <a:pPr lvl="0"/>
-            <a:r>
-              <a:rPr lang="ko-KR" altLang="en-US" smtClean="0"/>
+            <a:pPr lvl="0">
+              <a:defRPr/>
+            </a:pPr>
+            <a:r>
+              <a:rPr lang="ko-KR" altLang="en-US"/>
               <a:t>둘째 목차</a:t>
             </a:r>
             <a:endParaRPr lang="ko-KR" altLang="en-US"/>
           </a:p>
           <a:p>
-            <a:pPr lvl="0"/>
-            <a:r>
-              <a:rPr lang="ko-KR" altLang="en-US" smtClean="0"/>
+            <a:pPr lvl="0">
+              <a:defRPr/>
+            </a:pPr>
+            <a:r>
+              <a:rPr lang="ko-KR" altLang="en-US"/>
               <a:t>셋째 목차</a:t>
             </a:r>
             <a:endParaRPr lang="ko-KR" altLang="en-US"/>
           </a:p>
           <a:p>
-            <a:pPr lvl="0"/>
-            <a:r>
-              <a:rPr lang="ko-KR" altLang="en-US" smtClean="0"/>
+            <a:pPr lvl="0">
+              <a:defRPr/>
+            </a:pPr>
+            <a:r>
+              <a:rPr lang="ko-KR" altLang="en-US"/>
               <a:t>넷째 목차</a:t>
             </a:r>
             <a:endParaRPr lang="ko-KR" altLang="en-US"/>
           </a:p>
           <a:p>
-            <a:pPr lvl="0"/>
-            <a:r>
-              <a:rPr lang="ko-KR" altLang="en-US" smtClean="0"/>
+            <a:pPr lvl="0">
+              <a:defRPr/>
+            </a:pPr>
+            <a:r>
+              <a:rPr lang="ko-KR" altLang="en-US"/>
               <a:t>다섯째 목차</a:t>
             </a:r>
             <a:endParaRPr lang="ko-KR" altLang="en-US"/>
@@ -606,10 +675,15 @@
           <a:bodyPr/>
           <a:lstStyle/>
           <a:p>
+            <a:pPr lvl="0">
+              <a:defRPr/>
+            </a:pPr>
             <a:fld id="{956FEC12-A4C9-4837-AF94-AD867782C04C}" type="datetime1">
-              <a:rPr lang="ko-KR" altLang="en-US" smtClean="0"/>
-              <a:pPr/>
-              <a:t>2009-12-07</a:t>
+              <a:rPr lang="ko-KR" altLang="en-US"/>
+              <a:pPr lvl="0">
+                <a:defRPr/>
+              </a:pPr>
+              <a:t>2020-12-17</a:t>
             </a:fld>
             <a:endParaRPr lang="ko-KR" altLang="en-US"/>
           </a:p>
@@ -630,6 +704,13 @@
           <a:bodyPr/>
           <a:lstStyle/>
           <a:p>
+            <a:pPr lvl="0">
+              <a:defRPr/>
+            </a:pPr>
+            <a:r>
+              <a:rPr lang="ko-KR" altLang="en-US"/>
+              <a:t/>
+            </a:r>
             <a:endParaRPr lang="ko-KR" altLang="en-US"/>
           </a:p>
         </p:txBody>
@@ -649,9 +730,14 @@
           <a:bodyPr/>
           <a:lstStyle/>
           <a:p>
+            <a:pPr lvl="0">
+              <a:defRPr/>
+            </a:pPr>
             <a:fld id="{AD22CD3B-FDDF-4998-970C-76E6E0BEC65F}" type="slidenum">
-              <a:rPr lang="ko-KR" altLang="en-US" smtClean="0"/>
-              <a:pPr/>
+              <a:rPr lang="ko-KR" altLang="en-US"/>
+              <a:pPr lvl="0">
+                <a:defRPr/>
+              </a:pPr>
               <a:t>‹#›</a:t>
             </a:fld>
             <a:endParaRPr lang="ko-KR" altLang="en-US"/>
@@ -663,11 +749,12 @@
   <p:clrMapOvr>
     <a:masterClrMapping/>
   </p:clrMapOvr>
+  <p:transition xmlns:mc="http://schemas.openxmlformats.org/markup-compatibility/2006" xmlns:hp="http://schemas.haansoft.com/office/presentation/8.0" mc:Ignorable="hp" hp:hslDur="500"/>
 </p:sldLayout>
 </file>
 
 <file path=ppt/slideLayouts/slideLayout12.xml><?xml version="1.0" encoding="utf-8"?>
-<p:sldLayout xmlns:r="http://schemas.openxmlformats.org/officeDocument/2006/relationships" xmlns:c="http://schemas.openxmlformats.org/drawingml/2006/chart" xmlns:a="http://schemas.openxmlformats.org/drawingml/2006/main" xmlns:dgm="http://schemas.openxmlformats.org/drawingml/2006/diagram" xmlns:dsp="http://schemas.microsoft.com/office/drawing/2008/diagram" xmlns:p="http://schemas.openxmlformats.org/presentationml/2006/main" showMasterPhAnim="1" type="vertTitleAndTx" preserve="1">
+<p:sldLayout xmlns:r="http://schemas.openxmlformats.org/officeDocument/2006/relationships" xmlns:c="http://schemas.openxmlformats.org/drawingml/2006/chart" xmlns:a="http://schemas.openxmlformats.org/drawingml/2006/main" xmlns:dgm="http://schemas.openxmlformats.org/drawingml/2006/diagram" xmlns:dsp="http://schemas.microsoft.com/office/drawing/2008/diagram" xmlns:p="http://schemas.openxmlformats.org/presentationml/2006/main" showMasterPhAnim="1" matchingName="세로 제목 및 본문" type="vertTitleAndTx" preserve="1">
   <p:cSld name="세로 제목 및 본문">
     <p:spTree>
       <p:nvGrpSpPr>
@@ -695,16 +782,19 @@
         </p:nvSpPr>
         <p:spPr>
           <a:xfrm>
-            <a:off x="8839199" y="274638"/>
-            <a:ext cx="2743199" cy="5851525"/>
+            <a:off x="19238102" y="521949"/>
+            <a:ext cx="5970443" cy="11120824"/>
           </a:xfrm>
         </p:spPr>
         <p:txBody>
           <a:bodyPr vert="eaVert"/>
           <a:lstStyle/>
           <a:p>
-            <a:r>
-              <a:rPr lang="ko-KR" altLang="en-US" smtClean="0"/>
+            <a:pPr lvl="0">
+              <a:defRPr/>
+            </a:pPr>
+            <a:r>
+              <a:rPr lang="ko-KR" altLang="en-US"/>
               <a:t>마스터 제목 스타일 편집</a:t>
             </a:r>
             <a:endParaRPr lang="ko-KR" altLang="en-US"/>
@@ -723,45 +813,59 @@
         </p:nvSpPr>
         <p:spPr>
           <a:xfrm>
-            <a:off x="609599" y="274638"/>
-            <a:ext cx="8026399" cy="5851525"/>
+            <a:off x="1326763" y="521949"/>
+            <a:ext cx="17469080" cy="11120824"/>
           </a:xfrm>
         </p:spPr>
         <p:txBody>
           <a:bodyPr vert="eaVert"/>
           <a:lstStyle/>
           <a:p>
-            <a:pPr lvl="0"/>
-            <a:r>
-              <a:rPr lang="ko-KR" altLang="en-US" smtClean="0"/>
+            <a:pPr lvl="0">
+              <a:defRPr/>
+            </a:pPr>
+            <a:r>
+              <a:rPr lang="ko-KR" altLang="en-US"/>
               <a:t>마스터 텍스트 스타일을 편집합니다</a:t>
             </a:r>
-          </a:p>
-          <a:p>
-            <a:pPr lvl="1"/>
-            <a:r>
-              <a:rPr lang="ko-KR" altLang="en-US" smtClean="0"/>
+            <a:endParaRPr lang="ko-KR" altLang="en-US"/>
+          </a:p>
+          <a:p>
+            <a:pPr lvl="1">
+              <a:defRPr/>
+            </a:pPr>
+            <a:r>
+              <a:rPr lang="ko-KR" altLang="en-US"/>
               <a:t>둘째 수준</a:t>
             </a:r>
-          </a:p>
-          <a:p>
-            <a:pPr lvl="2"/>
-            <a:r>
-              <a:rPr lang="ko-KR" altLang="en-US" smtClean="0"/>
+            <a:endParaRPr lang="ko-KR" altLang="en-US"/>
+          </a:p>
+          <a:p>
+            <a:pPr lvl="2">
+              <a:defRPr/>
+            </a:pPr>
+            <a:r>
+              <a:rPr lang="ko-KR" altLang="en-US"/>
               <a:t>셋째 수준</a:t>
             </a:r>
-          </a:p>
-          <a:p>
-            <a:pPr lvl="3"/>
-            <a:r>
-              <a:rPr lang="ko-KR" altLang="en-US" smtClean="0"/>
+            <a:endParaRPr lang="ko-KR" altLang="en-US"/>
+          </a:p>
+          <a:p>
+            <a:pPr lvl="3">
+              <a:defRPr/>
+            </a:pPr>
+            <a:r>
+              <a:rPr lang="ko-KR" altLang="en-US"/>
               <a:t>넷째 수준</a:t>
             </a:r>
-          </a:p>
-          <a:p>
-            <a:pPr lvl="4"/>
-            <a:r>
-              <a:rPr lang="ko-KR" altLang="en-US" smtClean="0"/>
+            <a:endParaRPr lang="ko-KR" altLang="en-US"/>
+          </a:p>
+          <a:p>
+            <a:pPr lvl="4">
+              <a:defRPr/>
+            </a:pPr>
+            <a:r>
+              <a:rPr lang="ko-KR" altLang="en-US"/>
               <a:t>다섯째 수준</a:t>
             </a:r>
             <a:endParaRPr lang="ko-KR" altLang="en-US"/>
@@ -783,10 +887,15 @@
           <a:bodyPr/>
           <a:lstStyle/>
           <a:p>
+            <a:pPr lvl="0">
+              <a:defRPr/>
+            </a:pPr>
             <a:fld id="{957F84A3-4F29-4053-ACFD-1BAF2D3F140C}" type="datetime1">
-              <a:rPr lang="ko-KR" altLang="en-US" smtClean="0"/>
-              <a:pPr/>
-              <a:t>2009-12-07</a:t>
+              <a:rPr lang="ko-KR" altLang="en-US"/>
+              <a:pPr lvl="0">
+                <a:defRPr/>
+              </a:pPr>
+              <a:t>2020-12-17</a:t>
             </a:fld>
             <a:endParaRPr lang="ko-KR" altLang="en-US"/>
           </a:p>
@@ -807,6 +916,13 @@
           <a:bodyPr/>
           <a:lstStyle/>
           <a:p>
+            <a:pPr lvl="0">
+              <a:defRPr/>
+            </a:pPr>
+            <a:r>
+              <a:rPr lang="ko-KR" altLang="en-US"/>
+              <a:t/>
+            </a:r>
             <a:endParaRPr lang="ko-KR" altLang="en-US"/>
           </a:p>
         </p:txBody>
@@ -826,9 +942,14 @@
           <a:bodyPr/>
           <a:lstStyle/>
           <a:p>
+            <a:pPr lvl="0">
+              <a:defRPr/>
+            </a:pPr>
             <a:fld id="{AD22CD3B-FDDF-4998-970C-76E6E0BEC65F}" type="slidenum">
-              <a:rPr lang="ko-KR" altLang="en-US" smtClean="0"/>
-              <a:pPr/>
+              <a:rPr lang="ko-KR" altLang="en-US"/>
+              <a:pPr lvl="0">
+                <a:defRPr/>
+              </a:pPr>
               <a:t>‹#›</a:t>
             </a:fld>
             <a:endParaRPr lang="ko-KR" altLang="en-US"/>
@@ -840,11 +961,12 @@
   <p:clrMapOvr>
     <a:masterClrMapping/>
   </p:clrMapOvr>
+  <p:transition xmlns:mc="http://schemas.openxmlformats.org/markup-compatibility/2006" xmlns:hp="http://schemas.haansoft.com/office/presentation/8.0" mc:Ignorable="hp" hp:hslDur="500"/>
 </p:sldLayout>
 </file>
 
 <file path=ppt/slideLayouts/slideLayout2.xml><?xml version="1.0" encoding="utf-8"?>
-<p:sldLayout xmlns:r="http://schemas.openxmlformats.org/officeDocument/2006/relationships" xmlns:c="http://schemas.openxmlformats.org/drawingml/2006/chart" xmlns:a="http://schemas.openxmlformats.org/drawingml/2006/main" xmlns:dgm="http://schemas.openxmlformats.org/drawingml/2006/diagram" xmlns:dsp="http://schemas.microsoft.com/office/drawing/2008/diagram" xmlns:p="http://schemas.openxmlformats.org/presentationml/2006/main" showMasterPhAnim="1" type="obj" preserve="1">
+<p:sldLayout xmlns:r="http://schemas.openxmlformats.org/officeDocument/2006/relationships" xmlns:c="http://schemas.openxmlformats.org/drawingml/2006/chart" xmlns:a="http://schemas.openxmlformats.org/drawingml/2006/main" xmlns:dgm="http://schemas.openxmlformats.org/drawingml/2006/diagram" xmlns:dsp="http://schemas.microsoft.com/office/drawing/2008/diagram" xmlns:p="http://schemas.openxmlformats.org/presentationml/2006/main" showMasterPhAnim="1" matchingName="제목 및 내용" type="obj" preserve="1">
   <p:cSld name="제목 및 내용">
     <p:spTree>
       <p:nvGrpSpPr>
@@ -875,8 +997,11 @@
           <a:bodyPr/>
           <a:lstStyle/>
           <a:p>
-            <a:r>
-              <a:rPr lang="ko-KR" altLang="en-US" smtClean="0"/>
+            <a:pPr lvl="0">
+              <a:defRPr/>
+            </a:pPr>
+            <a:r>
+              <a:rPr lang="ko-KR" altLang="en-US"/>
               <a:t>마스터 제목 스타일 편집</a:t>
             </a:r>
             <a:endParaRPr lang="ko-KR" altLang="en-US"/>
@@ -898,37 +1023,51 @@
           <a:bodyPr/>
           <a:lstStyle/>
           <a:p>
-            <a:pPr lvl="0"/>
-            <a:r>
-              <a:rPr lang="ko-KR" altLang="en-US" smtClean="0"/>
+            <a:pPr lvl="0">
+              <a:defRPr/>
+            </a:pPr>
+            <a:r>
+              <a:rPr lang="ko-KR" altLang="en-US"/>
               <a:t>마스터 텍스트 스타일을 편집합니다</a:t>
             </a:r>
-          </a:p>
-          <a:p>
-            <a:pPr lvl="1"/>
-            <a:r>
-              <a:rPr lang="ko-KR" altLang="en-US" smtClean="0"/>
+            <a:endParaRPr lang="ko-KR" altLang="en-US"/>
+          </a:p>
+          <a:p>
+            <a:pPr lvl="1">
+              <a:defRPr/>
+            </a:pPr>
+            <a:r>
+              <a:rPr lang="ko-KR" altLang="en-US"/>
               <a:t>둘째 수준</a:t>
             </a:r>
-          </a:p>
-          <a:p>
-            <a:pPr lvl="2"/>
-            <a:r>
-              <a:rPr lang="ko-KR" altLang="en-US" smtClean="0"/>
+            <a:endParaRPr lang="ko-KR" altLang="en-US"/>
+          </a:p>
+          <a:p>
+            <a:pPr lvl="2">
+              <a:defRPr/>
+            </a:pPr>
+            <a:r>
+              <a:rPr lang="ko-KR" altLang="en-US"/>
               <a:t>셋째 수준</a:t>
             </a:r>
-          </a:p>
-          <a:p>
-            <a:pPr lvl="3"/>
-            <a:r>
-              <a:rPr lang="ko-KR" altLang="en-US" smtClean="0"/>
+            <a:endParaRPr lang="ko-KR" altLang="en-US"/>
+          </a:p>
+          <a:p>
+            <a:pPr lvl="3">
+              <a:defRPr/>
+            </a:pPr>
+            <a:r>
+              <a:rPr lang="ko-KR" altLang="en-US"/>
               <a:t>넷째 수준</a:t>
             </a:r>
-          </a:p>
-          <a:p>
-            <a:pPr lvl="4"/>
-            <a:r>
-              <a:rPr lang="ko-KR" altLang="en-US" smtClean="0"/>
+            <a:endParaRPr lang="ko-KR" altLang="en-US"/>
+          </a:p>
+          <a:p>
+            <a:pPr lvl="4">
+              <a:defRPr/>
+            </a:pPr>
+            <a:r>
+              <a:rPr lang="ko-KR" altLang="en-US"/>
               <a:t>다섯째 수준</a:t>
             </a:r>
             <a:endParaRPr lang="ko-KR" altLang="en-US"/>
@@ -950,10 +1089,15 @@
           <a:bodyPr/>
           <a:lstStyle/>
           <a:p>
+            <a:pPr lvl="0">
+              <a:defRPr/>
+            </a:pPr>
             <a:fld id="{4953836A-82A3-4C8B-9D31-CD724F3673ED}" type="datetime1">
-              <a:rPr lang="ko-KR" altLang="en-US" smtClean="0"/>
-              <a:pPr/>
-              <a:t>2009-12-07</a:t>
+              <a:rPr lang="ko-KR" altLang="en-US"/>
+              <a:pPr lvl="0">
+                <a:defRPr/>
+              </a:pPr>
+              <a:t>2020-12-17</a:t>
             </a:fld>
             <a:endParaRPr lang="ko-KR" altLang="en-US"/>
           </a:p>
@@ -974,6 +1118,13 @@
           <a:bodyPr/>
           <a:lstStyle/>
           <a:p>
+            <a:pPr lvl="0">
+              <a:defRPr/>
+            </a:pPr>
+            <a:r>
+              <a:rPr lang="ko-KR" altLang="en-US"/>
+              <a:t/>
+            </a:r>
             <a:endParaRPr lang="ko-KR" altLang="en-US"/>
           </a:p>
         </p:txBody>
@@ -993,9 +1144,14 @@
           <a:bodyPr/>
           <a:lstStyle/>
           <a:p>
+            <a:pPr lvl="0">
+              <a:defRPr/>
+            </a:pPr>
             <a:fld id="{AD22CD3B-FDDF-4998-970C-76E6E0BEC65F}" type="slidenum">
-              <a:rPr lang="ko-KR" altLang="en-US" smtClean="0"/>
-              <a:pPr/>
+              <a:rPr lang="ko-KR" altLang="en-US"/>
+              <a:pPr lvl="0">
+                <a:defRPr/>
+              </a:pPr>
               <a:t>‹#›</a:t>
             </a:fld>
             <a:endParaRPr lang="ko-KR" altLang="en-US"/>
@@ -1007,11 +1163,12 @@
   <p:clrMapOvr>
     <a:masterClrMapping/>
   </p:clrMapOvr>
+  <p:transition xmlns:mc="http://schemas.openxmlformats.org/markup-compatibility/2006" xmlns:hp="http://schemas.haansoft.com/office/presentation/8.0" mc:Ignorable="hp" hp:hslDur="500"/>
 </p:sldLayout>
 </file>
 
 <file path=ppt/slideLayouts/slideLayout3.xml><?xml version="1.0" encoding="utf-8"?>
-<p:sldLayout xmlns:r="http://schemas.openxmlformats.org/officeDocument/2006/relationships" xmlns:c="http://schemas.openxmlformats.org/drawingml/2006/chart" xmlns:a="http://schemas.openxmlformats.org/drawingml/2006/main" xmlns:dgm="http://schemas.openxmlformats.org/drawingml/2006/diagram" xmlns:dsp="http://schemas.microsoft.com/office/drawing/2008/diagram" xmlns:p="http://schemas.openxmlformats.org/presentationml/2006/main" showMasterPhAnim="1" type="blank" preserve="1">
+<p:sldLayout xmlns:r="http://schemas.openxmlformats.org/officeDocument/2006/relationships" xmlns:c="http://schemas.openxmlformats.org/drawingml/2006/chart" xmlns:a="http://schemas.openxmlformats.org/drawingml/2006/main" xmlns:dgm="http://schemas.openxmlformats.org/drawingml/2006/diagram" xmlns:dsp="http://schemas.microsoft.com/office/drawing/2008/diagram" xmlns:p="http://schemas.openxmlformats.org/presentationml/2006/main" showMasterPhAnim="1" matchingName="빈 화면" type="blank" preserve="1">
   <p:cSld name="빈 화면">
     <p:spTree>
       <p:nvGrpSpPr>
@@ -1042,10 +1199,15 @@
           <a:bodyPr/>
           <a:lstStyle/>
           <a:p>
+            <a:pPr lvl="0">
+              <a:defRPr/>
+            </a:pPr>
             <a:fld id="{AD2EBAF6-36D0-4DD8-B695-D4C1B37E35D6}" type="datetime1">
-              <a:rPr lang="ko-KR" altLang="en-US" smtClean="0"/>
-              <a:pPr/>
-              <a:t>2009-12-07</a:t>
+              <a:rPr lang="ko-KR" altLang="en-US"/>
+              <a:pPr lvl="0">
+                <a:defRPr/>
+              </a:pPr>
+              <a:t>2020-12-17</a:t>
             </a:fld>
             <a:endParaRPr lang="ko-KR" altLang="en-US"/>
           </a:p>
@@ -1066,6 +1228,13 @@
           <a:bodyPr/>
           <a:lstStyle/>
           <a:p>
+            <a:pPr lvl="0">
+              <a:defRPr/>
+            </a:pPr>
+            <a:r>
+              <a:rPr lang="ko-KR" altLang="en-US"/>
+              <a:t/>
+            </a:r>
             <a:endParaRPr lang="ko-KR" altLang="en-US"/>
           </a:p>
         </p:txBody>
@@ -1085,9 +1254,14 @@
           <a:bodyPr/>
           <a:lstStyle/>
           <a:p>
+            <a:pPr lvl="0">
+              <a:defRPr/>
+            </a:pPr>
             <a:fld id="{AD22CD3B-FDDF-4998-970C-76E6E0BEC65F}" type="slidenum">
-              <a:rPr lang="ko-KR" altLang="en-US" smtClean="0"/>
-              <a:pPr/>
+              <a:rPr lang="ko-KR" altLang="en-US"/>
+              <a:pPr lvl="0">
+                <a:defRPr/>
+              </a:pPr>
               <a:t>‹#›</a:t>
             </a:fld>
             <a:endParaRPr lang="ko-KR" altLang="en-US"/>
@@ -1099,11 +1273,12 @@
   <p:clrMapOvr>
     <a:masterClrMapping/>
   </p:clrMapOvr>
+  <p:transition xmlns:mc="http://schemas.openxmlformats.org/markup-compatibility/2006" xmlns:hp="http://schemas.haansoft.com/office/presentation/8.0" mc:Ignorable="hp" hp:hslDur="500"/>
 </p:sldLayout>
 </file>
 
 <file path=ppt/slideLayouts/slideLayout4.xml><?xml version="1.0" encoding="utf-8"?>
-<p:sldLayout xmlns:r="http://schemas.openxmlformats.org/officeDocument/2006/relationships" xmlns:c="http://schemas.openxmlformats.org/drawingml/2006/chart" xmlns:a="http://schemas.openxmlformats.org/drawingml/2006/main" xmlns:dgm="http://schemas.openxmlformats.org/drawingml/2006/diagram" xmlns:dsp="http://schemas.microsoft.com/office/drawing/2008/diagram" xmlns:p="http://schemas.openxmlformats.org/presentationml/2006/main" showMasterPhAnim="1" type="secHead" preserve="1">
+<p:sldLayout xmlns:r="http://schemas.openxmlformats.org/officeDocument/2006/relationships" xmlns:c="http://schemas.openxmlformats.org/drawingml/2006/chart" xmlns:a="http://schemas.openxmlformats.org/drawingml/2006/main" xmlns:dgm="http://schemas.openxmlformats.org/drawingml/2006/diagram" xmlns:dsp="http://schemas.microsoft.com/office/drawing/2008/diagram" xmlns:p="http://schemas.openxmlformats.org/presentationml/2006/main" showMasterPhAnim="1" matchingName="구역 머리글" type="secHead" preserve="1">
   <p:cSld name="구역 머리글">
     <p:spTree>
       <p:nvGrpSpPr>
@@ -1131,8 +1306,8 @@
         </p:nvSpPr>
         <p:spPr>
           <a:xfrm>
-            <a:off x="963083" y="4406900"/>
-            <a:ext cx="10363198" cy="1362075"/>
+            <a:off x="2096104" y="8375313"/>
+            <a:ext cx="22555014" cy="2588623"/>
           </a:xfrm>
         </p:spPr>
         <p:txBody>
@@ -1143,8 +1318,11 @@
             </a:lvl1pPr>
           </a:lstStyle>
           <a:p>
-            <a:r>
-              <a:rPr lang="ko-KR" altLang="en-US" smtClean="0"/>
+            <a:pPr lvl="0">
+              <a:defRPr/>
+            </a:pPr>
+            <a:r>
+              <a:rPr lang="ko-KR" altLang="en-US"/>
               <a:t>마스터 제목 스타일 편집</a:t>
             </a:r>
             <a:endParaRPr lang="ko-KR" altLang="en-US"/>
@@ -1163,8 +1341,8 @@
         </p:nvSpPr>
         <p:spPr>
           <a:xfrm>
-            <a:off x="963083" y="2906713"/>
-            <a:ext cx="10363198" cy="1500187"/>
+            <a:off x="2096104" y="5524208"/>
+            <a:ext cx="22555014" cy="2851105"/>
           </a:xfrm>
         </p:spPr>
         <p:txBody>
@@ -1262,11 +1440,14 @@
             </a:lvl9pPr>
           </a:lstStyle>
           <a:p>
-            <a:pPr lvl="0"/>
-            <a:r>
-              <a:rPr lang="ko-KR" altLang="en-US" smtClean="0"/>
+            <a:pPr lvl="0">
+              <a:defRPr/>
+            </a:pPr>
+            <a:r>
+              <a:rPr lang="ko-KR" altLang="en-US"/>
               <a:t>마스터 텍스트 스타일을 편집합니다</a:t>
             </a:r>
+            <a:endParaRPr lang="ko-KR" altLang="en-US"/>
           </a:p>
         </p:txBody>
       </p:sp>
@@ -1285,10 +1466,15 @@
           <a:bodyPr/>
           <a:lstStyle/>
           <a:p>
+            <a:pPr lvl="0">
+              <a:defRPr/>
+            </a:pPr>
             <a:fld id="{60728D28-603B-4EFC-80F8-17E5E9107035}" type="datetime1">
-              <a:rPr lang="ko-KR" altLang="en-US" smtClean="0"/>
-              <a:pPr/>
-              <a:t>2009-12-07</a:t>
+              <a:rPr lang="ko-KR" altLang="en-US"/>
+              <a:pPr lvl="0">
+                <a:defRPr/>
+              </a:pPr>
+              <a:t>2020-12-17</a:t>
             </a:fld>
             <a:endParaRPr lang="ko-KR" altLang="en-US"/>
           </a:p>
@@ -1309,6 +1495,13 @@
           <a:bodyPr/>
           <a:lstStyle/>
           <a:p>
+            <a:pPr lvl="0">
+              <a:defRPr/>
+            </a:pPr>
+            <a:r>
+              <a:rPr lang="ko-KR" altLang="en-US"/>
+              <a:t/>
+            </a:r>
             <a:endParaRPr lang="ko-KR" altLang="en-US"/>
           </a:p>
         </p:txBody>
@@ -1328,9 +1521,14 @@
           <a:bodyPr/>
           <a:lstStyle/>
           <a:p>
+            <a:pPr lvl="0">
+              <a:defRPr/>
+            </a:pPr>
             <a:fld id="{AD22CD3B-FDDF-4998-970C-76E6E0BEC65F}" type="slidenum">
-              <a:rPr lang="ko-KR" altLang="en-US" smtClean="0"/>
-              <a:pPr/>
+              <a:rPr lang="ko-KR" altLang="en-US"/>
+              <a:pPr lvl="0">
+                <a:defRPr/>
+              </a:pPr>
               <a:t>‹#›</a:t>
             </a:fld>
             <a:endParaRPr lang="ko-KR" altLang="en-US"/>
@@ -1342,11 +1540,12 @@
   <p:clrMapOvr>
     <a:masterClrMapping/>
   </p:clrMapOvr>
+  <p:transition xmlns:mc="http://schemas.openxmlformats.org/markup-compatibility/2006" xmlns:hp="http://schemas.haansoft.com/office/presentation/8.0" mc:Ignorable="hp" hp:hslDur="500"/>
 </p:sldLayout>
 </file>
 
 <file path=ppt/slideLayouts/slideLayout5.xml><?xml version="1.0" encoding="utf-8"?>
-<p:sldLayout xmlns:r="http://schemas.openxmlformats.org/officeDocument/2006/relationships" xmlns:c="http://schemas.openxmlformats.org/drawingml/2006/chart" xmlns:a="http://schemas.openxmlformats.org/drawingml/2006/main" xmlns:dgm="http://schemas.openxmlformats.org/drawingml/2006/diagram" xmlns:dsp="http://schemas.microsoft.com/office/drawing/2008/diagram" xmlns:p="http://schemas.openxmlformats.org/presentationml/2006/main" showMasterPhAnim="1" type="twoObj" preserve="1">
+<p:sldLayout xmlns:r="http://schemas.openxmlformats.org/officeDocument/2006/relationships" xmlns:c="http://schemas.openxmlformats.org/drawingml/2006/chart" xmlns:a="http://schemas.openxmlformats.org/drawingml/2006/main" xmlns:dgm="http://schemas.openxmlformats.org/drawingml/2006/diagram" xmlns:dsp="http://schemas.microsoft.com/office/drawing/2008/diagram" xmlns:p="http://schemas.openxmlformats.org/presentationml/2006/main" showMasterPhAnim="1" matchingName="내용 2개" type="twoObj" preserve="1">
   <p:cSld name="내용 2개">
     <p:spTree>
       <p:nvGrpSpPr>
@@ -1377,8 +1576,11 @@
           <a:bodyPr/>
           <a:lstStyle/>
           <a:p>
-            <a:r>
-              <a:rPr lang="ko-KR" altLang="en-US" smtClean="0"/>
+            <a:pPr lvl="0">
+              <a:defRPr/>
+            </a:pPr>
+            <a:r>
+              <a:rPr lang="ko-KR" altLang="en-US"/>
               <a:t>마스터 제목 스타일 편집</a:t>
             </a:r>
             <a:endParaRPr lang="ko-KR" altLang="en-US"/>
@@ -1397,8 +1599,8 @@
         </p:nvSpPr>
         <p:spPr>
           <a:xfrm>
-            <a:off x="609599" y="1600200"/>
-            <a:ext cx="5384799" cy="4525963"/>
+            <a:off x="1326763" y="3041180"/>
+            <a:ext cx="11719762" cy="8601593"/>
           </a:xfrm>
         </p:spPr>
         <p:txBody>
@@ -1433,37 +1635,51 @@
             </a:lvl9pPr>
           </a:lstStyle>
           <a:p>
-            <a:pPr lvl="0"/>
-            <a:r>
-              <a:rPr lang="ko-KR" altLang="en-US" smtClean="0"/>
+            <a:pPr lvl="0">
+              <a:defRPr/>
+            </a:pPr>
+            <a:r>
+              <a:rPr lang="ko-KR" altLang="en-US"/>
               <a:t>마스터 텍스트 스타일을 편집합니다</a:t>
             </a:r>
-          </a:p>
-          <a:p>
-            <a:pPr lvl="1"/>
-            <a:r>
-              <a:rPr lang="ko-KR" altLang="en-US" smtClean="0"/>
+            <a:endParaRPr lang="ko-KR" altLang="en-US"/>
+          </a:p>
+          <a:p>
+            <a:pPr lvl="1">
+              <a:defRPr/>
+            </a:pPr>
+            <a:r>
+              <a:rPr lang="ko-KR" altLang="en-US"/>
               <a:t>둘째 수준</a:t>
             </a:r>
-          </a:p>
-          <a:p>
-            <a:pPr lvl="2"/>
-            <a:r>
-              <a:rPr lang="ko-KR" altLang="en-US" smtClean="0"/>
+            <a:endParaRPr lang="ko-KR" altLang="en-US"/>
+          </a:p>
+          <a:p>
+            <a:pPr lvl="2">
+              <a:defRPr/>
+            </a:pPr>
+            <a:r>
+              <a:rPr lang="ko-KR" altLang="en-US"/>
               <a:t>셋째 수준</a:t>
             </a:r>
-          </a:p>
-          <a:p>
-            <a:pPr lvl="3"/>
-            <a:r>
-              <a:rPr lang="ko-KR" altLang="en-US" smtClean="0"/>
+            <a:endParaRPr lang="ko-KR" altLang="en-US"/>
+          </a:p>
+          <a:p>
+            <a:pPr lvl="3">
+              <a:defRPr/>
+            </a:pPr>
+            <a:r>
+              <a:rPr lang="ko-KR" altLang="en-US"/>
               <a:t>넷째 수준</a:t>
             </a:r>
-          </a:p>
-          <a:p>
-            <a:pPr lvl="4"/>
-            <a:r>
-              <a:rPr lang="ko-KR" altLang="en-US" smtClean="0"/>
+            <a:endParaRPr lang="ko-KR" altLang="en-US"/>
+          </a:p>
+          <a:p>
+            <a:pPr lvl="4">
+              <a:defRPr/>
+            </a:pPr>
+            <a:r>
+              <a:rPr lang="ko-KR" altLang="en-US"/>
               <a:t>다섯째 수준</a:t>
             </a:r>
             <a:endParaRPr lang="ko-KR" altLang="en-US"/>
@@ -1482,8 +1698,8 @@
         </p:nvSpPr>
         <p:spPr>
           <a:xfrm>
-            <a:off x="6197599" y="1600200"/>
-            <a:ext cx="5384799" cy="4525963"/>
+            <a:off x="13488783" y="3041180"/>
+            <a:ext cx="11719762" cy="8601593"/>
           </a:xfrm>
         </p:spPr>
         <p:txBody>
@@ -1518,37 +1734,51 @@
             </a:lvl9pPr>
           </a:lstStyle>
           <a:p>
-            <a:pPr lvl="0"/>
-            <a:r>
-              <a:rPr lang="ko-KR" altLang="en-US" smtClean="0"/>
+            <a:pPr lvl="0">
+              <a:defRPr/>
+            </a:pPr>
+            <a:r>
+              <a:rPr lang="ko-KR" altLang="en-US"/>
               <a:t>마스터 텍스트 스타일을 편집합니다</a:t>
             </a:r>
-          </a:p>
-          <a:p>
-            <a:pPr lvl="1"/>
-            <a:r>
-              <a:rPr lang="ko-KR" altLang="en-US" smtClean="0"/>
+            <a:endParaRPr lang="ko-KR" altLang="en-US"/>
+          </a:p>
+          <a:p>
+            <a:pPr lvl="1">
+              <a:defRPr/>
+            </a:pPr>
+            <a:r>
+              <a:rPr lang="ko-KR" altLang="en-US"/>
               <a:t>둘째 수준</a:t>
             </a:r>
-          </a:p>
-          <a:p>
-            <a:pPr lvl="2"/>
-            <a:r>
-              <a:rPr lang="ko-KR" altLang="en-US" smtClean="0"/>
+            <a:endParaRPr lang="ko-KR" altLang="en-US"/>
+          </a:p>
+          <a:p>
+            <a:pPr lvl="2">
+              <a:defRPr/>
+            </a:pPr>
+            <a:r>
+              <a:rPr lang="ko-KR" altLang="en-US"/>
               <a:t>셋째 수준</a:t>
             </a:r>
-          </a:p>
-          <a:p>
-            <a:pPr lvl="3"/>
-            <a:r>
-              <a:rPr lang="ko-KR" altLang="en-US" smtClean="0"/>
+            <a:endParaRPr lang="ko-KR" altLang="en-US"/>
+          </a:p>
+          <a:p>
+            <a:pPr lvl="3">
+              <a:defRPr/>
+            </a:pPr>
+            <a:r>
+              <a:rPr lang="ko-KR" altLang="en-US"/>
               <a:t>넷째 수준</a:t>
             </a:r>
-          </a:p>
-          <a:p>
-            <a:pPr lvl="4"/>
-            <a:r>
-              <a:rPr lang="ko-KR" altLang="en-US" smtClean="0"/>
+            <a:endParaRPr lang="ko-KR" altLang="en-US"/>
+          </a:p>
+          <a:p>
+            <a:pPr lvl="4">
+              <a:defRPr/>
+            </a:pPr>
+            <a:r>
+              <a:rPr lang="ko-KR" altLang="en-US"/>
               <a:t>다섯째 수준</a:t>
             </a:r>
             <a:endParaRPr lang="ko-KR" altLang="en-US"/>
@@ -1570,10 +1800,15 @@
           <a:bodyPr/>
           <a:lstStyle/>
           <a:p>
+            <a:pPr lvl="0">
+              <a:defRPr/>
+            </a:pPr>
             <a:fld id="{A27A1F4E-0809-4239-8034-C38E431DAF92}" type="datetime1">
-              <a:rPr lang="ko-KR" altLang="en-US" smtClean="0"/>
-              <a:pPr/>
-              <a:t>2009-12-07</a:t>
+              <a:rPr lang="ko-KR" altLang="en-US"/>
+              <a:pPr lvl="0">
+                <a:defRPr/>
+              </a:pPr>
+              <a:t>2020-12-17</a:t>
             </a:fld>
             <a:endParaRPr lang="ko-KR" altLang="en-US"/>
           </a:p>
@@ -1594,6 +1829,13 @@
           <a:bodyPr/>
           <a:lstStyle/>
           <a:p>
+            <a:pPr lvl="0">
+              <a:defRPr/>
+            </a:pPr>
+            <a:r>
+              <a:rPr lang="ko-KR" altLang="en-US"/>
+              <a:t/>
+            </a:r>
             <a:endParaRPr lang="ko-KR" altLang="en-US"/>
           </a:p>
         </p:txBody>
@@ -1613,9 +1855,14 @@
           <a:bodyPr/>
           <a:lstStyle/>
           <a:p>
+            <a:pPr lvl="0">
+              <a:defRPr/>
+            </a:pPr>
             <a:fld id="{AD22CD3B-FDDF-4998-970C-76E6E0BEC65F}" type="slidenum">
-              <a:rPr lang="ko-KR" altLang="en-US" smtClean="0"/>
-              <a:pPr/>
+              <a:rPr lang="ko-KR" altLang="en-US"/>
+              <a:pPr lvl="0">
+                <a:defRPr/>
+              </a:pPr>
               <a:t>‹#›</a:t>
             </a:fld>
             <a:endParaRPr lang="ko-KR" altLang="en-US"/>
@@ -1627,11 +1874,12 @@
   <p:clrMapOvr>
     <a:masterClrMapping/>
   </p:clrMapOvr>
+  <p:transition xmlns:mc="http://schemas.openxmlformats.org/markup-compatibility/2006" xmlns:hp="http://schemas.haansoft.com/office/presentation/8.0" mc:Ignorable="hp" hp:hslDur="500"/>
 </p:sldLayout>
 </file>
 
 <file path=ppt/slideLayouts/slideLayout6.xml><?xml version="1.0" encoding="utf-8"?>
-<p:sldLayout xmlns:r="http://schemas.openxmlformats.org/officeDocument/2006/relationships" xmlns:c="http://schemas.openxmlformats.org/drawingml/2006/chart" xmlns:a="http://schemas.openxmlformats.org/drawingml/2006/main" xmlns:dgm="http://schemas.openxmlformats.org/drawingml/2006/diagram" xmlns:dsp="http://schemas.microsoft.com/office/drawing/2008/diagram" xmlns:p="http://schemas.openxmlformats.org/presentationml/2006/main" showMasterPhAnim="1" type="titleOnly" preserve="1">
+<p:sldLayout xmlns:r="http://schemas.openxmlformats.org/officeDocument/2006/relationships" xmlns:c="http://schemas.openxmlformats.org/drawingml/2006/chart" xmlns:a="http://schemas.openxmlformats.org/drawingml/2006/main" xmlns:dgm="http://schemas.openxmlformats.org/drawingml/2006/diagram" xmlns:dsp="http://schemas.microsoft.com/office/drawing/2008/diagram" xmlns:p="http://schemas.openxmlformats.org/presentationml/2006/main" showMasterPhAnim="1" matchingName="제목만" type="titleOnly" preserve="1">
   <p:cSld name="제목만">
     <p:spTree>
       <p:nvGrpSpPr>
@@ -1662,8 +1910,11 @@
           <a:bodyPr/>
           <a:lstStyle/>
           <a:p>
-            <a:r>
-              <a:rPr lang="ko-KR" altLang="en-US" smtClean="0"/>
+            <a:pPr lvl="0">
+              <a:defRPr/>
+            </a:pPr>
+            <a:r>
+              <a:rPr lang="ko-KR" altLang="en-US"/>
               <a:t>마스터 제목 스타일 편집</a:t>
             </a:r>
             <a:endParaRPr lang="ko-KR" altLang="en-US"/>
@@ -1685,10 +1936,15 @@
           <a:bodyPr/>
           <a:lstStyle/>
           <a:p>
+            <a:pPr lvl="0">
+              <a:defRPr/>
+            </a:pPr>
             <a:fld id="{5E0DA496-7307-4E8B-88DE-CB97B48BAB6F}" type="datetime1">
-              <a:rPr lang="ko-KR" altLang="en-US" smtClean="0"/>
-              <a:pPr/>
-              <a:t>2009-12-07</a:t>
+              <a:rPr lang="ko-KR" altLang="en-US"/>
+              <a:pPr lvl="0">
+                <a:defRPr/>
+              </a:pPr>
+              <a:t>2020-12-17</a:t>
             </a:fld>
             <a:endParaRPr lang="ko-KR" altLang="en-US"/>
           </a:p>
@@ -1709,6 +1965,13 @@
           <a:bodyPr/>
           <a:lstStyle/>
           <a:p>
+            <a:pPr lvl="0">
+              <a:defRPr/>
+            </a:pPr>
+            <a:r>
+              <a:rPr lang="ko-KR" altLang="en-US"/>
+              <a:t/>
+            </a:r>
             <a:endParaRPr lang="ko-KR" altLang="en-US"/>
           </a:p>
         </p:txBody>
@@ -1728,9 +1991,14 @@
           <a:bodyPr/>
           <a:lstStyle/>
           <a:p>
+            <a:pPr lvl="0">
+              <a:defRPr/>
+            </a:pPr>
             <a:fld id="{AD22CD3B-FDDF-4998-970C-76E6E0BEC65F}" type="slidenum">
-              <a:rPr lang="ko-KR" altLang="en-US" smtClean="0"/>
-              <a:pPr/>
+              <a:rPr lang="ko-KR" altLang="en-US"/>
+              <a:pPr lvl="0">
+                <a:defRPr/>
+              </a:pPr>
               <a:t>‹#›</a:t>
             </a:fld>
             <a:endParaRPr lang="ko-KR" altLang="en-US"/>
@@ -1742,11 +2010,12 @@
   <p:clrMapOvr>
     <a:masterClrMapping/>
   </p:clrMapOvr>
+  <p:transition xmlns:mc="http://schemas.openxmlformats.org/markup-compatibility/2006" xmlns:hp="http://schemas.haansoft.com/office/presentation/8.0" mc:Ignorable="hp" hp:hslDur="500"/>
 </p:sldLayout>
 </file>
 
 <file path=ppt/slideLayouts/slideLayout7.xml><?xml version="1.0" encoding="utf-8"?>
-<p:sldLayout xmlns:r="http://schemas.openxmlformats.org/officeDocument/2006/relationships" xmlns:c="http://schemas.openxmlformats.org/drawingml/2006/chart" xmlns:a="http://schemas.openxmlformats.org/drawingml/2006/main" xmlns:dgm="http://schemas.openxmlformats.org/drawingml/2006/diagram" xmlns:dsp="http://schemas.microsoft.com/office/drawing/2008/diagram" xmlns:p="http://schemas.openxmlformats.org/presentationml/2006/main" showMasterPhAnim="1" type="tbl" preserve="1">
+<p:sldLayout xmlns:r="http://schemas.openxmlformats.org/officeDocument/2006/relationships" xmlns:c="http://schemas.openxmlformats.org/drawingml/2006/chart" xmlns:a="http://schemas.openxmlformats.org/drawingml/2006/main" xmlns:dgm="http://schemas.openxmlformats.org/drawingml/2006/diagram" xmlns:dsp="http://schemas.microsoft.com/office/drawing/2008/diagram" xmlns:p="http://schemas.openxmlformats.org/presentationml/2006/main" showMasterPhAnim="1" matchingName="표" type="tbl" preserve="1">
   <p:cSld name="표">
     <p:spTree>
       <p:nvGrpSpPr>
@@ -1777,8 +2046,11 @@
           <a:bodyPr/>
           <a:lstStyle/>
           <a:p>
-            <a:r>
-              <a:rPr lang="ko-KR" altLang="en-US" smtClean="0"/>
+            <a:pPr lvl="0">
+              <a:defRPr/>
+            </a:pPr>
+            <a:r>
+              <a:rPr lang="ko-KR" altLang="en-US"/>
               <a:t>마스터 제목 스타일 편집</a:t>
             </a:r>
             <a:endParaRPr lang="ko-KR" altLang="en-US"/>
@@ -1797,8 +2069,8 @@
         </p:nvSpPr>
         <p:spPr>
           <a:xfrm>
-            <a:off x="608037" y="1643063"/>
-            <a:ext cx="10972798" cy="4525200"/>
+            <a:off x="1323363" y="3122641"/>
+            <a:ext cx="23881778" cy="8600143"/>
           </a:xfrm>
         </p:spPr>
         <p:txBody>
@@ -1811,8 +2083,11 @@
             </a:lvl1pPr>
           </a:lstStyle>
           <a:p>
-            <a:r>
-              <a:rPr lang="ko-KR" altLang="en-US" smtClean="0"/>
+            <a:pPr lvl="0">
+              <a:defRPr/>
+            </a:pPr>
+            <a:r>
+              <a:rPr lang="ko-KR" altLang="en-US"/>
               <a:t>표를 추가하려면 아이콘을 클릭하십시오</a:t>
             </a:r>
             <a:endParaRPr lang="ko-KR" altLang="en-US"/>
@@ -1834,10 +2109,15 @@
           <a:bodyPr/>
           <a:lstStyle/>
           <a:p>
+            <a:pPr lvl="0">
+              <a:defRPr/>
+            </a:pPr>
             <a:fld id="{58721E90-850C-410B-8B89-8394F580CFDA}" type="datetime1">
-              <a:rPr lang="ko-KR" altLang="en-US" smtClean="0"/>
-              <a:pPr/>
-              <a:t>2009-12-07</a:t>
+              <a:rPr lang="ko-KR" altLang="en-US"/>
+              <a:pPr lvl="0">
+                <a:defRPr/>
+              </a:pPr>
+              <a:t>2020-12-17</a:t>
             </a:fld>
             <a:endParaRPr lang="ko-KR" altLang="en-US"/>
           </a:p>
@@ -1858,6 +2138,13 @@
           <a:bodyPr/>
           <a:lstStyle/>
           <a:p>
+            <a:pPr lvl="0">
+              <a:defRPr/>
+            </a:pPr>
+            <a:r>
+              <a:rPr lang="ko-KR" altLang="en-US"/>
+              <a:t/>
+            </a:r>
             <a:endParaRPr lang="ko-KR" altLang="en-US"/>
           </a:p>
         </p:txBody>
@@ -1877,9 +2164,14 @@
           <a:bodyPr/>
           <a:lstStyle/>
           <a:p>
+            <a:pPr lvl="0">
+              <a:defRPr/>
+            </a:pPr>
             <a:fld id="{AD22CD3B-FDDF-4998-970C-76E6E0BEC65F}" type="slidenum">
-              <a:rPr lang="ko-KR" altLang="en-US" smtClean="0"/>
-              <a:pPr/>
+              <a:rPr lang="ko-KR" altLang="en-US"/>
+              <a:pPr lvl="0">
+                <a:defRPr/>
+              </a:pPr>
               <a:t>‹#›</a:t>
             </a:fld>
             <a:endParaRPr lang="ko-KR" altLang="en-US"/>
@@ -1891,11 +2183,12 @@
   <p:clrMapOvr>
     <a:masterClrMapping/>
   </p:clrMapOvr>
+  <p:transition xmlns:mc="http://schemas.openxmlformats.org/markup-compatibility/2006" xmlns:hp="http://schemas.haansoft.com/office/presentation/8.0" mc:Ignorable="hp" hp:hslDur="500"/>
 </p:sldLayout>
 </file>
 
 <file path=ppt/slideLayouts/slideLayout8.xml><?xml version="1.0" encoding="utf-8"?>
-<p:sldLayout xmlns:r="http://schemas.openxmlformats.org/officeDocument/2006/relationships" xmlns:c="http://schemas.openxmlformats.org/drawingml/2006/chart" xmlns:a="http://schemas.openxmlformats.org/drawingml/2006/main" xmlns:dgm="http://schemas.openxmlformats.org/drawingml/2006/diagram" xmlns:dsp="http://schemas.microsoft.com/office/drawing/2008/diagram" xmlns:p="http://schemas.openxmlformats.org/presentationml/2006/main" showMasterPhAnim="1" type="fourObj" preserve="1">
+<p:sldLayout xmlns:r="http://schemas.openxmlformats.org/officeDocument/2006/relationships" xmlns:c="http://schemas.openxmlformats.org/drawingml/2006/chart" xmlns:a="http://schemas.openxmlformats.org/drawingml/2006/main" xmlns:dgm="http://schemas.openxmlformats.org/drawingml/2006/diagram" xmlns:dsp="http://schemas.microsoft.com/office/drawing/2008/diagram" xmlns:p="http://schemas.openxmlformats.org/presentationml/2006/main" showMasterPhAnim="1" matchingName="내용 4개" type="fourObj" preserve="1">
   <p:cSld name="내용 4개">
     <p:spTree>
       <p:nvGrpSpPr>
@@ -1926,8 +2219,11 @@
           <a:bodyPr/>
           <a:lstStyle/>
           <a:p>
-            <a:r>
-              <a:rPr lang="ko-KR" altLang="en-US" smtClean="0"/>
+            <a:pPr lvl="0">
+              <a:defRPr/>
+            </a:pPr>
+            <a:r>
+              <a:rPr lang="ko-KR" altLang="en-US"/>
               <a:t>마스터 제목 스타일 편집</a:t>
             </a:r>
             <a:endParaRPr lang="ko-KR" altLang="en-US"/>
@@ -1946,8 +2242,8 @@
         </p:nvSpPr>
         <p:spPr>
           <a:xfrm>
-            <a:off x="609599" y="1600200"/>
-            <a:ext cx="5384799" cy="2196000"/>
+            <a:off x="1326763" y="3041180"/>
+            <a:ext cx="11719762" cy="4173498"/>
           </a:xfrm>
         </p:spPr>
         <p:txBody>
@@ -1982,37 +2278,51 @@
             </a:lvl9pPr>
           </a:lstStyle>
           <a:p>
-            <a:pPr lvl="0"/>
-            <a:r>
-              <a:rPr lang="ko-KR" altLang="en-US" smtClean="0"/>
+            <a:pPr lvl="0">
+              <a:defRPr/>
+            </a:pPr>
+            <a:r>
+              <a:rPr lang="ko-KR" altLang="en-US"/>
               <a:t>마스터 텍스트 스타일을 편집합니다</a:t>
             </a:r>
-          </a:p>
-          <a:p>
-            <a:pPr lvl="1"/>
-            <a:r>
-              <a:rPr lang="ko-KR" altLang="en-US" smtClean="0"/>
+            <a:endParaRPr lang="ko-KR" altLang="en-US"/>
+          </a:p>
+          <a:p>
+            <a:pPr lvl="1">
+              <a:defRPr/>
+            </a:pPr>
+            <a:r>
+              <a:rPr lang="ko-KR" altLang="en-US"/>
               <a:t>둘째 수준</a:t>
             </a:r>
-          </a:p>
-          <a:p>
-            <a:pPr lvl="2"/>
-            <a:r>
-              <a:rPr lang="ko-KR" altLang="en-US" smtClean="0"/>
+            <a:endParaRPr lang="ko-KR" altLang="en-US"/>
+          </a:p>
+          <a:p>
+            <a:pPr lvl="2">
+              <a:defRPr/>
+            </a:pPr>
+            <a:r>
+              <a:rPr lang="ko-KR" altLang="en-US"/>
               <a:t>셋째 수준</a:t>
             </a:r>
-          </a:p>
-          <a:p>
-            <a:pPr lvl="3"/>
-            <a:r>
-              <a:rPr lang="ko-KR" altLang="en-US" smtClean="0"/>
+            <a:endParaRPr lang="ko-KR" altLang="en-US"/>
+          </a:p>
+          <a:p>
+            <a:pPr lvl="3">
+              <a:defRPr/>
+            </a:pPr>
+            <a:r>
+              <a:rPr lang="ko-KR" altLang="en-US"/>
               <a:t>넷째 수준</a:t>
             </a:r>
-          </a:p>
-          <a:p>
-            <a:pPr lvl="4"/>
-            <a:r>
-              <a:rPr lang="ko-KR" altLang="en-US" smtClean="0"/>
+            <a:endParaRPr lang="ko-KR" altLang="en-US"/>
+          </a:p>
+          <a:p>
+            <a:pPr lvl="4">
+              <a:defRPr/>
+            </a:pPr>
+            <a:r>
+              <a:rPr lang="ko-KR" altLang="en-US"/>
               <a:t>다섯째 수준</a:t>
             </a:r>
             <a:endParaRPr lang="ko-KR" altLang="en-US"/>
@@ -2031,8 +2341,8 @@
         </p:nvSpPr>
         <p:spPr>
           <a:xfrm>
-            <a:off x="6197599" y="1600200"/>
-            <a:ext cx="5384799" cy="2196000"/>
+            <a:off x="13488783" y="3041180"/>
+            <a:ext cx="11719762" cy="4173498"/>
           </a:xfrm>
         </p:spPr>
         <p:txBody>
@@ -2067,37 +2377,51 @@
             </a:lvl9pPr>
           </a:lstStyle>
           <a:p>
-            <a:pPr lvl="0"/>
-            <a:r>
-              <a:rPr lang="ko-KR" altLang="en-US" smtClean="0"/>
+            <a:pPr lvl="0">
+              <a:defRPr/>
+            </a:pPr>
+            <a:r>
+              <a:rPr lang="ko-KR" altLang="en-US"/>
               <a:t>마스터 텍스트 스타일을 편집합니다</a:t>
             </a:r>
-          </a:p>
-          <a:p>
-            <a:pPr lvl="1"/>
-            <a:r>
-              <a:rPr lang="ko-KR" altLang="en-US" smtClean="0"/>
+            <a:endParaRPr lang="ko-KR" altLang="en-US"/>
+          </a:p>
+          <a:p>
+            <a:pPr lvl="1">
+              <a:defRPr/>
+            </a:pPr>
+            <a:r>
+              <a:rPr lang="ko-KR" altLang="en-US"/>
               <a:t>둘째 수준</a:t>
             </a:r>
-          </a:p>
-          <a:p>
-            <a:pPr lvl="2"/>
-            <a:r>
-              <a:rPr lang="ko-KR" altLang="en-US" smtClean="0"/>
+            <a:endParaRPr lang="ko-KR" altLang="en-US"/>
+          </a:p>
+          <a:p>
+            <a:pPr lvl="2">
+              <a:defRPr/>
+            </a:pPr>
+            <a:r>
+              <a:rPr lang="ko-KR" altLang="en-US"/>
               <a:t>셋째 수준</a:t>
             </a:r>
-          </a:p>
-          <a:p>
-            <a:pPr lvl="3"/>
-            <a:r>
-              <a:rPr lang="ko-KR" altLang="en-US" smtClean="0"/>
+            <a:endParaRPr lang="ko-KR" altLang="en-US"/>
+          </a:p>
+          <a:p>
+            <a:pPr lvl="3">
+              <a:defRPr/>
+            </a:pPr>
+            <a:r>
+              <a:rPr lang="ko-KR" altLang="en-US"/>
               <a:t>넷째 수준</a:t>
             </a:r>
-          </a:p>
-          <a:p>
-            <a:pPr lvl="4"/>
-            <a:r>
-              <a:rPr lang="ko-KR" altLang="en-US" smtClean="0"/>
+            <a:endParaRPr lang="ko-KR" altLang="en-US"/>
+          </a:p>
+          <a:p>
+            <a:pPr lvl="4">
+              <a:defRPr/>
+            </a:pPr>
+            <a:r>
+              <a:rPr lang="ko-KR" altLang="en-US"/>
               <a:t>다섯째 수준</a:t>
             </a:r>
             <a:endParaRPr lang="ko-KR" altLang="en-US"/>
@@ -2116,8 +2440,8 @@
         </p:nvSpPr>
         <p:spPr>
           <a:xfrm>
-            <a:off x="608037" y="3984220"/>
-            <a:ext cx="5384799" cy="2196000"/>
+            <a:off x="1323363" y="7572010"/>
+            <a:ext cx="11719762" cy="4173498"/>
           </a:xfrm>
         </p:spPr>
         <p:txBody>
@@ -2152,37 +2476,51 @@
             </a:lvl9pPr>
           </a:lstStyle>
           <a:p>
-            <a:pPr lvl="0"/>
-            <a:r>
-              <a:rPr lang="ko-KR" altLang="en-US" smtClean="0"/>
+            <a:pPr lvl="0">
+              <a:defRPr/>
+            </a:pPr>
+            <a:r>
+              <a:rPr lang="ko-KR" altLang="en-US"/>
               <a:t>마스터 텍스트 스타일을 편집합니다</a:t>
             </a:r>
-          </a:p>
-          <a:p>
-            <a:pPr lvl="1"/>
-            <a:r>
-              <a:rPr lang="ko-KR" altLang="en-US" smtClean="0"/>
+            <a:endParaRPr lang="ko-KR" altLang="en-US"/>
+          </a:p>
+          <a:p>
+            <a:pPr lvl="1">
+              <a:defRPr/>
+            </a:pPr>
+            <a:r>
+              <a:rPr lang="ko-KR" altLang="en-US"/>
               <a:t>둘째 수준</a:t>
             </a:r>
-          </a:p>
-          <a:p>
-            <a:pPr lvl="2"/>
-            <a:r>
-              <a:rPr lang="ko-KR" altLang="en-US" smtClean="0"/>
+            <a:endParaRPr lang="ko-KR" altLang="en-US"/>
+          </a:p>
+          <a:p>
+            <a:pPr lvl="2">
+              <a:defRPr/>
+            </a:pPr>
+            <a:r>
+              <a:rPr lang="ko-KR" altLang="en-US"/>
               <a:t>셋째 수준</a:t>
             </a:r>
-          </a:p>
-          <a:p>
-            <a:pPr lvl="3"/>
-            <a:r>
-              <a:rPr lang="ko-KR" altLang="en-US" smtClean="0"/>
+            <a:endParaRPr lang="ko-KR" altLang="en-US"/>
+          </a:p>
+          <a:p>
+            <a:pPr lvl="3">
+              <a:defRPr/>
+            </a:pPr>
+            <a:r>
+              <a:rPr lang="ko-KR" altLang="en-US"/>
               <a:t>넷째 수준</a:t>
             </a:r>
-          </a:p>
-          <a:p>
-            <a:pPr lvl="4"/>
-            <a:r>
-              <a:rPr lang="ko-KR" altLang="en-US" smtClean="0"/>
+            <a:endParaRPr lang="ko-KR" altLang="en-US"/>
+          </a:p>
+          <a:p>
+            <a:pPr lvl="4">
+              <a:defRPr/>
+            </a:pPr>
+            <a:r>
+              <a:rPr lang="ko-KR" altLang="en-US"/>
               <a:t>다섯째 수준</a:t>
             </a:r>
             <a:endParaRPr lang="ko-KR" altLang="en-US"/>
@@ -2201,8 +2539,8 @@
         </p:nvSpPr>
         <p:spPr>
           <a:xfrm>
-            <a:off x="6196036" y="3984220"/>
-            <a:ext cx="5384799" cy="2196000"/>
+            <a:off x="13485381" y="7572010"/>
+            <a:ext cx="11719762" cy="4173498"/>
           </a:xfrm>
         </p:spPr>
         <p:txBody>
@@ -2237,37 +2575,51 @@
             </a:lvl9pPr>
           </a:lstStyle>
           <a:p>
-            <a:pPr lvl="0"/>
-            <a:r>
-              <a:rPr lang="ko-KR" altLang="en-US" smtClean="0"/>
+            <a:pPr lvl="0">
+              <a:defRPr/>
+            </a:pPr>
+            <a:r>
+              <a:rPr lang="ko-KR" altLang="en-US"/>
               <a:t>마스터 텍스트 스타일을 편집합니다</a:t>
             </a:r>
-          </a:p>
-          <a:p>
-            <a:pPr lvl="1"/>
-            <a:r>
-              <a:rPr lang="ko-KR" altLang="en-US" smtClean="0"/>
+            <a:endParaRPr lang="ko-KR" altLang="en-US"/>
+          </a:p>
+          <a:p>
+            <a:pPr lvl="1">
+              <a:defRPr/>
+            </a:pPr>
+            <a:r>
+              <a:rPr lang="ko-KR" altLang="en-US"/>
               <a:t>둘째 수준</a:t>
             </a:r>
-          </a:p>
-          <a:p>
-            <a:pPr lvl="2"/>
-            <a:r>
-              <a:rPr lang="ko-KR" altLang="en-US" smtClean="0"/>
+            <a:endParaRPr lang="ko-KR" altLang="en-US"/>
+          </a:p>
+          <a:p>
+            <a:pPr lvl="2">
+              <a:defRPr/>
+            </a:pPr>
+            <a:r>
+              <a:rPr lang="ko-KR" altLang="en-US"/>
               <a:t>셋째 수준</a:t>
             </a:r>
-          </a:p>
-          <a:p>
-            <a:pPr lvl="3"/>
-            <a:r>
-              <a:rPr lang="ko-KR" altLang="en-US" smtClean="0"/>
+            <a:endParaRPr lang="ko-KR" altLang="en-US"/>
+          </a:p>
+          <a:p>
+            <a:pPr lvl="3">
+              <a:defRPr/>
+            </a:pPr>
+            <a:r>
+              <a:rPr lang="ko-KR" altLang="en-US"/>
               <a:t>넷째 수준</a:t>
             </a:r>
-          </a:p>
-          <a:p>
-            <a:pPr lvl="4"/>
-            <a:r>
-              <a:rPr lang="ko-KR" altLang="en-US" smtClean="0"/>
+            <a:endParaRPr lang="ko-KR" altLang="en-US"/>
+          </a:p>
+          <a:p>
+            <a:pPr lvl="4">
+              <a:defRPr/>
+            </a:pPr>
+            <a:r>
+              <a:rPr lang="ko-KR" altLang="en-US"/>
               <a:t>다섯째 수준</a:t>
             </a:r>
             <a:endParaRPr lang="ko-KR" altLang="en-US"/>
@@ -2289,10 +2641,15 @@
           <a:bodyPr/>
           <a:lstStyle/>
           <a:p>
+            <a:pPr lvl="0">
+              <a:defRPr/>
+            </a:pPr>
             <a:fld id="{5ACE7E28-9336-4363-8674-B91477D8F243}" type="datetime1">
-              <a:rPr lang="ko-KR" altLang="en-US" smtClean="0"/>
-              <a:pPr/>
-              <a:t>2009-12-07</a:t>
+              <a:rPr lang="ko-KR" altLang="en-US"/>
+              <a:pPr lvl="0">
+                <a:defRPr/>
+              </a:pPr>
+              <a:t>2020-12-17</a:t>
             </a:fld>
             <a:endParaRPr lang="ko-KR" altLang="en-US"/>
           </a:p>
@@ -2313,6 +2670,13 @@
           <a:bodyPr/>
           <a:lstStyle/>
           <a:p>
+            <a:pPr lvl="0">
+              <a:defRPr/>
+            </a:pPr>
+            <a:r>
+              <a:rPr lang="ko-KR" altLang="en-US"/>
+              <a:t/>
+            </a:r>
             <a:endParaRPr lang="ko-KR" altLang="en-US"/>
           </a:p>
         </p:txBody>
@@ -2332,9 +2696,14 @@
           <a:bodyPr/>
           <a:lstStyle/>
           <a:p>
+            <a:pPr lvl="0">
+              <a:defRPr/>
+            </a:pPr>
             <a:fld id="{AD22CD3B-FDDF-4998-970C-76E6E0BEC65F}" type="slidenum">
-              <a:rPr lang="ko-KR" altLang="en-US" smtClean="0"/>
-              <a:pPr/>
+              <a:rPr lang="ko-KR" altLang="en-US"/>
+              <a:pPr lvl="0">
+                <a:defRPr/>
+              </a:pPr>
               <a:t>‹#›</a:t>
             </a:fld>
             <a:endParaRPr lang="ko-KR" altLang="en-US"/>
@@ -2346,11 +2715,12 @@
   <p:clrMapOvr>
     <a:masterClrMapping/>
   </p:clrMapOvr>
+  <p:transition xmlns:mc="http://schemas.openxmlformats.org/markup-compatibility/2006" xmlns:hp="http://schemas.haansoft.com/office/presentation/8.0" mc:Ignorable="hp" hp:hslDur="500"/>
 </p:sldLayout>
 </file>
 
 <file path=ppt/slideLayouts/slideLayout9.xml><?xml version="1.0" encoding="utf-8"?>
-<p:sldLayout xmlns:r="http://schemas.openxmlformats.org/officeDocument/2006/relationships" xmlns:c="http://schemas.openxmlformats.org/drawingml/2006/chart" xmlns:a="http://schemas.openxmlformats.org/drawingml/2006/main" xmlns:dgm="http://schemas.openxmlformats.org/drawingml/2006/diagram" xmlns:dsp="http://schemas.microsoft.com/office/drawing/2008/diagram" xmlns:p="http://schemas.openxmlformats.org/presentationml/2006/main" showMasterPhAnim="1" type="picTx" preserve="1">
+<p:sldLayout xmlns:r="http://schemas.openxmlformats.org/officeDocument/2006/relationships" xmlns:c="http://schemas.openxmlformats.org/drawingml/2006/chart" xmlns:a="http://schemas.openxmlformats.org/drawingml/2006/main" xmlns:dgm="http://schemas.openxmlformats.org/drawingml/2006/diagram" xmlns:dsp="http://schemas.microsoft.com/office/drawing/2008/diagram" xmlns:p="http://schemas.openxmlformats.org/presentationml/2006/main" showMasterPhAnim="1" matchingName="그림 및 설명" type="picTx" preserve="1">
   <p:cSld name="그림 및 설명">
     <p:spTree>
       <p:nvGrpSpPr>
@@ -2378,8 +2748,8 @@
         </p:nvSpPr>
         <p:spPr>
           <a:xfrm>
-            <a:off x="2389716" y="4800600"/>
-            <a:ext cx="7315199" cy="566738"/>
+            <a:off x="5201104" y="9123541"/>
+            <a:ext cx="15921186" cy="1077085"/>
           </a:xfrm>
         </p:spPr>
         <p:txBody>
@@ -2390,8 +2760,11 @@
             </a:lvl1pPr>
           </a:lstStyle>
           <a:p>
-            <a:r>
-              <a:rPr lang="ko-KR" altLang="en-US" smtClean="0"/>
+            <a:pPr lvl="0">
+              <a:defRPr/>
+            </a:pPr>
+            <a:r>
+              <a:rPr lang="ko-KR" altLang="en-US"/>
               <a:t>마스터 제목 스타일 편집</a:t>
             </a:r>
             <a:endParaRPr lang="ko-KR" altLang="en-US"/>
@@ -2410,8 +2783,8 @@
         </p:nvSpPr>
         <p:spPr>
           <a:xfrm>
-            <a:off x="2389716" y="612775"/>
-            <a:ext cx="7315199" cy="4114800"/>
+            <a:off x="5201104" y="1164578"/>
+            <a:ext cx="15921186" cy="7820177"/>
           </a:xfrm>
         </p:spPr>
         <p:txBody>
@@ -2455,8 +2828,11 @@
             </a:lvl9pPr>
           </a:lstStyle>
           <a:p>
-            <a:r>
-              <a:rPr lang="ko-KR" altLang="en-US" smtClean="0"/>
+            <a:pPr lvl="0">
+              <a:defRPr/>
+            </a:pPr>
+            <a:r>
+              <a:rPr lang="ko-KR" altLang="en-US"/>
               <a:t>그림을 추가하려면 아이콘을 클릭하십시오</a:t>
             </a:r>
             <a:endParaRPr lang="ko-KR" altLang="en-US"/>
@@ -2475,8 +2851,8 @@
         </p:nvSpPr>
         <p:spPr>
           <a:xfrm>
-            <a:off x="2389716" y="5367338"/>
-            <a:ext cx="7315199" cy="804862"/>
+            <a:off x="5201104" y="10200626"/>
+            <a:ext cx="15921186" cy="1529640"/>
           </a:xfrm>
         </p:spPr>
         <p:txBody>
@@ -2520,8 +2896,11 @@
             </a:lvl9pPr>
           </a:lstStyle>
           <a:p>
-            <a:r>
-              <a:rPr lang="ko-KR" altLang="en-US" smtClean="0"/>
+            <a:pPr lvl="0">
+              <a:defRPr/>
+            </a:pPr>
+            <a:r>
+              <a:rPr lang="ko-KR" altLang="en-US"/>
               <a:t>마스터 텍스트 스타일을 편집합니다</a:t>
             </a:r>
             <a:endParaRPr lang="ko-KR" altLang="en-US"/>
@@ -2543,10 +2922,15 @@
           <a:bodyPr/>
           <a:lstStyle/>
           <a:p>
+            <a:pPr lvl="0">
+              <a:defRPr/>
+            </a:pPr>
             <a:fld id="{5ACE7E28-9336-4363-8674-B91477D8F243}" type="datetime1">
-              <a:rPr lang="ko-KR" altLang="en-US" smtClean="0"/>
-              <a:pPr/>
-              <a:t>2009-12-07</a:t>
+              <a:rPr lang="ko-KR" altLang="en-US"/>
+              <a:pPr lvl="0">
+                <a:defRPr/>
+              </a:pPr>
+              <a:t>2020-12-17</a:t>
             </a:fld>
             <a:endParaRPr lang="ko-KR" altLang="en-US"/>
           </a:p>
@@ -2567,6 +2951,13 @@
           <a:bodyPr/>
           <a:lstStyle/>
           <a:p>
+            <a:pPr lvl="0">
+              <a:defRPr/>
+            </a:pPr>
+            <a:r>
+              <a:rPr lang="ko-KR" altLang="en-US"/>
+              <a:t/>
+            </a:r>
             <a:endParaRPr lang="ko-KR" altLang="en-US"/>
           </a:p>
         </p:txBody>
@@ -2586,9 +2977,14 @@
           <a:bodyPr/>
           <a:lstStyle/>
           <a:p>
+            <a:pPr lvl="0">
+              <a:defRPr/>
+            </a:pPr>
             <a:fld id="{AD22CD3B-FDDF-4998-970C-76E6E0BEC65F}" type="slidenum">
-              <a:rPr lang="ko-KR" altLang="en-US" smtClean="0"/>
-              <a:pPr/>
+              <a:rPr lang="ko-KR" altLang="en-US"/>
+              <a:pPr lvl="0">
+                <a:defRPr/>
+              </a:pPr>
               <a:t>‹#›</a:t>
             </a:fld>
             <a:endParaRPr lang="ko-KR" altLang="en-US"/>
@@ -2600,12 +2996,13 @@
   <p:clrMapOvr>
     <a:masterClrMapping/>
   </p:clrMapOvr>
+  <p:transition xmlns:mc="http://schemas.openxmlformats.org/markup-compatibility/2006" xmlns:hp="http://schemas.haansoft.com/office/presentation/8.0" mc:Ignorable="hp" hp:hslDur="500"/>
 </p:sldLayout>
 </file>
 
 <file path=ppt/slideMasters/slideMaster1.xml><?xml version="1.0" encoding="utf-8"?>
 <p:sldMaster xmlns:r="http://schemas.openxmlformats.org/officeDocument/2006/relationships" xmlns:c="http://schemas.openxmlformats.org/drawingml/2006/chart" xmlns:a="http://schemas.openxmlformats.org/drawingml/2006/main" xmlns:dgm="http://schemas.openxmlformats.org/drawingml/2006/diagram" xmlns:dsp="http://schemas.microsoft.com/office/drawing/2008/diagram" xmlns:p="http://schemas.openxmlformats.org/presentationml/2006/main">
-  <p:cSld>
+  <p:cSld name="한컴오피스">
     <p:bg>
       <p:bgRef idx="1001">
         <a:schemeClr val="bg1"/>
@@ -2637,21 +3034,24 @@
         </p:nvSpPr>
         <p:spPr>
           <a:xfrm>
-            <a:off x="609599" y="274638"/>
-            <a:ext cx="10972798" cy="1143000"/>
+            <a:off x="1326763" y="521949"/>
+            <a:ext cx="23881778" cy="2172271"/>
           </a:xfrm>
           <a:prstGeom prst="rect">
             <a:avLst/>
           </a:prstGeom>
         </p:spPr>
         <p:txBody>
-          <a:bodyPr vert="horz" lIns="91440" tIns="45720" rIns="91440" bIns="45720" rtlCol="0" anchor="ctr">
+          <a:bodyPr vert="horz" lIns="91440" tIns="45720" rIns="91440" bIns="45720" anchor="ctr">
             <a:normAutofit/>
           </a:bodyPr>
           <a:lstStyle/>
           <a:p>
-            <a:r>
-              <a:rPr lang="ko-KR" altLang="en-US" smtClean="0"/>
+            <a:pPr lvl="0">
+              <a:defRPr/>
+            </a:pPr>
+            <a:r>
+              <a:rPr lang="ko-KR" altLang="en-US"/>
               <a:t>마스터 제목 스타일 편집</a:t>
             </a:r>
             <a:endParaRPr lang="ko-KR" altLang="en-US"/>
@@ -2670,50 +3070,64 @@
         </p:nvSpPr>
         <p:spPr>
           <a:xfrm>
-            <a:off x="609599" y="1600200"/>
-            <a:ext cx="10972798" cy="4525963"/>
+            <a:off x="1326763" y="3041180"/>
+            <a:ext cx="23881778" cy="8601593"/>
           </a:xfrm>
           <a:prstGeom prst="rect">
             <a:avLst/>
           </a:prstGeom>
         </p:spPr>
         <p:txBody>
-          <a:bodyPr vert="horz" lIns="91440" tIns="45720" rIns="91440" bIns="45720" rtlCol="0">
+          <a:bodyPr vert="horz" lIns="91440" tIns="45720" rIns="91440" bIns="45720">
             <a:normAutofit/>
           </a:bodyPr>
           <a:lstStyle/>
           <a:p>
-            <a:pPr lvl="0"/>
-            <a:r>
-              <a:rPr lang="ko-KR" altLang="en-US" dirty="0" smtClean="0"/>
+            <a:pPr lvl="0">
+              <a:defRPr/>
+            </a:pPr>
+            <a:r>
+              <a:rPr lang="ko-KR" altLang="en-US"/>
               <a:t>마스터 텍스트 스타일을 편집합니다</a:t>
             </a:r>
-          </a:p>
-          <a:p>
-            <a:pPr lvl="1"/>
-            <a:r>
-              <a:rPr lang="ko-KR" altLang="en-US" dirty="0" smtClean="0"/>
+            <a:endParaRPr lang="ko-KR" altLang="en-US"/>
+          </a:p>
+          <a:p>
+            <a:pPr lvl="1">
+              <a:defRPr/>
+            </a:pPr>
+            <a:r>
+              <a:rPr lang="ko-KR" altLang="en-US"/>
               <a:t>둘째 수준</a:t>
             </a:r>
-          </a:p>
-          <a:p>
-            <a:pPr lvl="2"/>
-            <a:r>
-              <a:rPr lang="ko-KR" altLang="en-US" dirty="0" smtClean="0"/>
+            <a:endParaRPr lang="ko-KR" altLang="en-US"/>
+          </a:p>
+          <a:p>
+            <a:pPr lvl="2">
+              <a:defRPr/>
+            </a:pPr>
+            <a:r>
+              <a:rPr lang="ko-KR" altLang="en-US"/>
               <a:t>셋째 수준</a:t>
             </a:r>
-          </a:p>
-          <a:p>
-            <a:pPr lvl="3"/>
-            <a:r>
-              <a:rPr lang="ko-KR" altLang="en-US" dirty="0" smtClean="0"/>
+            <a:endParaRPr lang="ko-KR" altLang="en-US"/>
+          </a:p>
+          <a:p>
+            <a:pPr lvl="3">
+              <a:defRPr/>
+            </a:pPr>
+            <a:r>
+              <a:rPr lang="ko-KR" altLang="en-US"/>
               <a:t>넷째 수준</a:t>
             </a:r>
-          </a:p>
-          <a:p>
-            <a:pPr lvl="4"/>
-            <a:r>
-              <a:rPr lang="ko-KR" altLang="en-US" dirty="0" smtClean="0"/>
+            <a:endParaRPr lang="ko-KR" altLang="en-US"/>
+          </a:p>
+          <a:p>
+            <a:pPr lvl="4">
+              <a:defRPr/>
+            </a:pPr>
+            <a:r>
+              <a:rPr lang="ko-KR" altLang="en-US"/>
               <a:t>다섯째 수준</a:t>
             </a:r>
             <a:endParaRPr lang="ko-KR" altLang="en-US"/>
@@ -2732,15 +3146,15 @@
         </p:nvSpPr>
         <p:spPr>
           <a:xfrm>
-            <a:off x="609599" y="6356350"/>
-            <a:ext cx="2844799" cy="365125"/>
+            <a:off x="1326763" y="12080244"/>
+            <a:ext cx="6191571" cy="693920"/>
           </a:xfrm>
           <a:prstGeom prst="rect">
             <a:avLst/>
           </a:prstGeom>
         </p:spPr>
         <p:txBody>
-          <a:bodyPr vert="horz" lIns="91440" tIns="45720" rIns="91440" bIns="45720" rtlCol="0" anchor="ctr"/>
+          <a:bodyPr vert="horz" lIns="91440" tIns="45720" rIns="91440" bIns="45720" anchor="ctr"/>
           <a:lstStyle>
             <a:lvl1pPr algn="l">
               <a:defRPr sz="1200">
@@ -2753,10 +3167,15 @@
             </a:lvl1pPr>
           </a:lstStyle>
           <a:p>
+            <a:pPr lvl="0">
+              <a:defRPr/>
+            </a:pPr>
             <a:fld id="{D422D86A-5F52-4165-8473-F1B836277586}" type="datetime1">
-              <a:rPr lang="ko-KR" altLang="en-US" smtClean="0"/>
-              <a:pPr/>
-              <a:t>2009-12-07</a:t>
+              <a:rPr lang="ko-KR" altLang="en-US"/>
+              <a:pPr lvl="0">
+                <a:defRPr/>
+              </a:pPr>
+              <a:t>2020-12-17</a:t>
             </a:fld>
             <a:endParaRPr lang="ko-KR" altLang="en-US"/>
           </a:p>
@@ -2774,15 +3193,15 @@
         </p:nvSpPr>
         <p:spPr>
           <a:xfrm>
-            <a:off x="4165599" y="6356350"/>
-            <a:ext cx="3860799" cy="365125"/>
+            <a:off x="9066230" y="12080244"/>
+            <a:ext cx="8402847" cy="693920"/>
           </a:xfrm>
           <a:prstGeom prst="rect">
             <a:avLst/>
           </a:prstGeom>
         </p:spPr>
         <p:txBody>
-          <a:bodyPr vert="horz" lIns="91440" tIns="45720" rIns="91440" bIns="45720" rtlCol="0" anchor="ctr"/>
+          <a:bodyPr vert="horz" lIns="91440" tIns="45720" rIns="91440" bIns="45720" anchor="ctr"/>
           <a:lstStyle>
             <a:lvl1pPr algn="ctr">
               <a:defRPr sz="1200">
@@ -2795,6 +3214,13 @@
             </a:lvl1pPr>
           </a:lstStyle>
           <a:p>
+            <a:pPr lvl="0">
+              <a:defRPr/>
+            </a:pPr>
+            <a:r>
+              <a:rPr lang="ko-KR" altLang="en-US"/>
+              <a:t/>
+            </a:r>
             <a:endParaRPr lang="ko-KR" altLang="en-US"/>
           </a:p>
         </p:txBody>
@@ -2811,15 +3237,15 @@
         </p:nvSpPr>
         <p:spPr>
           <a:xfrm>
-            <a:off x="8737599" y="6356350"/>
-            <a:ext cx="2844799" cy="365125"/>
+            <a:off x="19016974" y="12080244"/>
+            <a:ext cx="6191571" cy="693920"/>
           </a:xfrm>
           <a:prstGeom prst="rect">
             <a:avLst/>
           </a:prstGeom>
         </p:spPr>
         <p:txBody>
-          <a:bodyPr vert="horz" lIns="91440" tIns="45720" rIns="91440" bIns="45720" rtlCol="0" anchor="ctr"/>
+          <a:bodyPr vert="horz" lIns="91440" tIns="45720" rIns="91440" bIns="45720" anchor="ctr"/>
           <a:lstStyle>
             <a:lvl1pPr algn="r">
               <a:defRPr sz="1200">
@@ -2832,9 +3258,14 @@
             </a:lvl1pPr>
           </a:lstStyle>
           <a:p>
+            <a:pPr lvl="0">
+              <a:defRPr/>
+            </a:pPr>
             <a:fld id="{AD22CD3B-FDDF-4998-970C-76E6E0BEC65F}" type="slidenum">
-              <a:rPr lang="ko-KR" altLang="en-US" smtClean="0"/>
-              <a:pPr/>
+              <a:rPr lang="ko-KR" altLang="en-US"/>
+              <a:pPr lvl="0">
+                <a:defRPr/>
+              </a:pPr>
               <a:t>‹#›</a:t>
             </a:fld>
             <a:endParaRPr lang="ko-KR" altLang="en-US"/>
@@ -2845,19 +3276,20 @@
   </p:cSld>
   <p:clrMap bg1="lt1" tx1="dk1" bg2="lt2" tx2="dk2" accent1="accent1" accent2="accent2" accent3="accent3" accent4="accent4" accent5="accent5" accent6="accent6" hlink="hlink" folHlink="folHlink"/>
   <p:sldLayoutIdLst>
-    <p:sldLayoutId id="2147483706" r:id="rId1"/>
-    <p:sldLayoutId id="2147483707" r:id="rId2"/>
-    <p:sldLayoutId id="2147483708" r:id="rId3"/>
-    <p:sldLayoutId id="2147483709" r:id="rId4"/>
-    <p:sldLayoutId id="2147483710" r:id="rId5"/>
-    <p:sldLayoutId id="2147483711" r:id="rId6"/>
-    <p:sldLayoutId id="2147483712" r:id="rId7"/>
-    <p:sldLayoutId id="2147483713" r:id="rId8"/>
-    <p:sldLayoutId id="2147483714" r:id="rId9"/>
-    <p:sldLayoutId id="2147483715" r:id="rId10"/>
-    <p:sldLayoutId id="2147483716" r:id="rId11"/>
-    <p:sldLayoutId id="2147483717" r:id="rId12"/>
+    <p:sldLayoutId id="2147483744" r:id="rId1"/>
+    <p:sldLayoutId id="2147483745" r:id="rId2"/>
+    <p:sldLayoutId id="2147483746" r:id="rId3"/>
+    <p:sldLayoutId id="2147483747" r:id="rId4"/>
+    <p:sldLayoutId id="2147483748" r:id="rId5"/>
+    <p:sldLayoutId id="2147483749" r:id="rId6"/>
+    <p:sldLayoutId id="2147483750" r:id="rId7"/>
+    <p:sldLayoutId id="2147483751" r:id="rId8"/>
+    <p:sldLayoutId id="2147483752" r:id="rId9"/>
+    <p:sldLayoutId id="2147483753" r:id="rId10"/>
+    <p:sldLayoutId id="2147483754" r:id="rId11"/>
+    <p:sldLayoutId id="2147483755" r:id="rId12"/>
   </p:sldLayoutIdLst>
+  <p:transition xmlns:mc="http://schemas.openxmlformats.org/markup-compatibility/2006" xmlns:hp="http://schemas.haansoft.com/office/presentation/8.0" mc:Ignorable="hp" hp:hslDur="500"/>
   <p:hf sldNum="0" hdr="0" ftr="0" dt="0"/>
   <p:txStyles>
     <p:titleStyle>
@@ -2937,7 +3369,7 @@
         <a:spcBef>
           <a:spcPct val="20000"/>
         </a:spcBef>
-        <a:buFont typeface="Arial" pitchFamily="34" charset="0"/>
+        <a:buFont typeface="Arial"/>
         <a:buChar char="•"/>
         <a:defRPr sz="3200" kern="1200">
           <a:solidFill>
@@ -2952,7 +3384,7 @@
         <a:spcBef>
           <a:spcPct val="20000"/>
         </a:spcBef>
-        <a:buFont typeface="Arial" pitchFamily="34" charset="0"/>
+        <a:buFont typeface="Arial"/>
         <a:buChar char="–"/>
         <a:defRPr sz="2800" kern="1200">
           <a:solidFill>
@@ -2967,7 +3399,7 @@
         <a:spcBef>
           <a:spcPct val="20000"/>
         </a:spcBef>
-        <a:buFont typeface="Arial" pitchFamily="34" charset="0"/>
+        <a:buFont typeface="Arial"/>
         <a:buChar char="•"/>
         <a:defRPr sz="2400" kern="1200">
           <a:solidFill>
@@ -2982,7 +3414,7 @@
         <a:spcBef>
           <a:spcPct val="20000"/>
         </a:spcBef>
-        <a:buFont typeface="Arial" pitchFamily="34" charset="0"/>
+        <a:buFont typeface="Arial"/>
         <a:buChar char="–"/>
         <a:defRPr sz="2000" kern="1200">
           <a:solidFill>
@@ -2997,7 +3429,7 @@
         <a:spcBef>
           <a:spcPct val="20000"/>
         </a:spcBef>
-        <a:buFont typeface="Arial" pitchFamily="34" charset="0"/>
+        <a:buFont typeface="Arial"/>
         <a:buChar char="»"/>
         <a:defRPr sz="2000" kern="1200">
           <a:solidFill>
@@ -3012,7 +3444,7 @@
         <a:spcBef>
           <a:spcPct val="20000"/>
         </a:spcBef>
-        <a:buFont typeface="Arial" pitchFamily="34" charset="0"/>
+        <a:buFont typeface="Arial"/>
         <a:buChar char="•"/>
         <a:defRPr sz="2000" kern="1200">
           <a:solidFill>
@@ -3027,7 +3459,7 @@
         <a:spcBef>
           <a:spcPct val="20000"/>
         </a:spcBef>
-        <a:buFont typeface="Arial" pitchFamily="34" charset="0"/>
+        <a:buFont typeface="Arial"/>
         <a:buChar char="•"/>
         <a:defRPr sz="2000" kern="1200">
           <a:solidFill>
@@ -3042,7 +3474,7 @@
         <a:spcBef>
           <a:spcPct val="20000"/>
         </a:spcBef>
-        <a:buFont typeface="Arial" pitchFamily="34" charset="0"/>
+        <a:buFont typeface="Arial"/>
         <a:buChar char="•"/>
         <a:defRPr sz="2000" kern="1200">
           <a:solidFill>
@@ -3057,7 +3489,7 @@
         <a:spcBef>
           <a:spcPct val="20000"/>
         </a:spcBef>
-        <a:buFont typeface="Arial" pitchFamily="34" charset="0"/>
+        <a:buFont typeface="Arial"/>
         <a:buChar char="•"/>
         <a:defRPr sz="2000" kern="1200">
           <a:solidFill>
@@ -3202,8 +3634,8 @@
         </p:nvSpPr>
         <p:spPr>
           <a:xfrm>
-            <a:off x="427238" y="6193970"/>
-            <a:ext cx="1592440" cy="258535"/>
+            <a:off x="4972908" y="11073884"/>
+            <a:ext cx="2111500" cy="342805"/>
           </a:xfrm>
           <a:prstGeom prst="rect">
             <a:avLst/>
@@ -3247,8 +3679,8 @@
         </p:nvSpPr>
         <p:spPr>
           <a:xfrm>
-            <a:off x="3922535" y="5172075"/>
-            <a:ext cx="1592440" cy="258535"/>
+            <a:off x="12466842" y="10120527"/>
+            <a:ext cx="2111500" cy="342805"/>
           </a:xfrm>
           <a:prstGeom prst="rect">
             <a:avLst/>
@@ -3285,493 +3717,343 @@
           </a:p>
         </p:txBody>
       </p:sp>
-      <p:grpSp>
-        <p:nvGrpSpPr>
-          <p:cNvPr id="24" name=""/>
-          <p:cNvGrpSpPr/>
+      <p:pic>
+        <p:nvPicPr>
+          <p:cNvPr id="4" name=""/>
+          <p:cNvPicPr/>
           <p:nvPr/>
-        </p:nvGrpSpPr>
-        <p:grpSpPr>
-          <a:xfrm rot="0">
-            <a:off x="427238" y="734864"/>
-            <a:ext cx="4464529" cy="5245632"/>
-            <a:chOff x="2379863" y="468164"/>
-            <a:chExt cx="4464529" cy="5245632"/>
-          </a:xfrm>
-        </p:grpSpPr>
-        <p:pic>
-          <p:nvPicPr>
-            <p:cNvPr id="4" name=""/>
-            <p:cNvPicPr/>
-            <p:nvPr/>
-          </p:nvPicPr>
-          <p:blipFill rotWithShape="1">
-            <a:blip r:embed="rId2"/>
-            <a:srcRect/>
-            <a:stretch>
-              <a:fillRect/>
-            </a:stretch>
-          </p:blipFill>
-          <p:spPr>
-            <a:xfrm>
-              <a:off x="2740549" y="468164"/>
-              <a:ext cx="3355451" cy="1951934"/>
-            </a:xfrm>
-            <a:prstGeom prst="rect">
-              <a:avLst/>
-            </a:prstGeom>
+        </p:nvPicPr>
+        <p:blipFill rotWithShape="1">
+          <a:blip r:embed="rId2"/>
+          <a:srcRect/>
+          <a:stretch>
+            <a:fillRect/>
+          </a:stretch>
+        </p:blipFill>
+        <p:spPr>
+          <a:xfrm>
+            <a:off x="8017671" y="3663960"/>
+            <a:ext cx="4449170" cy="2588173"/>
+          </a:xfrm>
+          <a:prstGeom prst="rect">
+            <a:avLst/>
+          </a:prstGeom>
+          <a:noFill/>
+          <a:ln>
             <a:noFill/>
-            <a:ln>
-              <a:noFill/>
-            </a:ln>
-          </p:spPr>
-        </p:pic>
-        <p:sp>
-          <p:nvSpPr>
-            <p:cNvPr id="5" name=""/>
-            <p:cNvSpPr/>
-            <p:nvPr/>
-          </p:nvSpPr>
-          <p:spPr>
-            <a:xfrm>
-              <a:off x="2883154" y="2147596"/>
-              <a:ext cx="1497438" cy="153493"/>
-            </a:xfrm>
-            <a:prstGeom prst="rect">
-              <a:avLst/>
-            </a:prstGeom>
+          </a:ln>
+        </p:spPr>
+      </p:pic>
+      <p:sp>
+        <p:nvSpPr>
+          <p:cNvPr id="5" name=""/>
+          <p:cNvSpPr/>
+          <p:nvPr/>
+        </p:nvSpPr>
+        <p:spPr>
+          <a:xfrm>
+            <a:off x="8206757" y="5890807"/>
+            <a:ext cx="1985532" cy="203524"/>
+          </a:xfrm>
+          <a:prstGeom prst="rect">
+            <a:avLst/>
+          </a:prstGeom>
+          <a:solidFill>
+            <a:schemeClr val="lt1">
+              <a:alpha val="0"/>
+            </a:schemeClr>
+          </a:solidFill>
+          <a:ln w="63500">
             <a:solidFill>
-              <a:schemeClr val="lt1">
-                <a:alpha val="0"/>
-              </a:schemeClr>
+              <a:srgbClr val="ff6600"/>
             </a:solidFill>
-            <a:ln w="63500">
-              <a:solidFill>
-                <a:srgbClr val="ff6600"/>
-              </a:solidFill>
-            </a:ln>
-          </p:spPr>
-          <p:style>
-            <a:lnRef idx="2">
-              <a:schemeClr val="accent1">
-                <a:shade val="20000"/>
-              </a:schemeClr>
-            </a:lnRef>
-            <a:fillRef idx="1">
-              <a:schemeClr val="accent1"/>
-            </a:fillRef>
-            <a:effectRef idx="0">
-              <a:schemeClr val="accent1"/>
-            </a:effectRef>
-            <a:fontRef idx="minor">
-              <a:schemeClr val="lt1"/>
-            </a:fontRef>
-          </p:style>
-          <p:txBody>
-            <a:bodyPr anchor="ctr"/>
-            <a:p>
-              <a:pPr algn="ctr">
-                <a:defRPr/>
-              </a:pPr>
-              <a:endParaRPr lang="ko-KR" altLang="en-US"/>
-            </a:p>
-          </p:txBody>
-        </p:sp>
-        <p:pic>
-          <p:nvPicPr>
-            <p:cNvPr id="6" name=""/>
-            <p:cNvPicPr/>
-            <p:nvPr/>
-          </p:nvPicPr>
-          <p:blipFill rotWithShape="1">
-            <a:blip r:embed="rId3"/>
-            <a:srcRect/>
-            <a:stretch>
-              <a:fillRect/>
-            </a:stretch>
-          </p:blipFill>
-          <p:spPr>
-            <a:xfrm>
-              <a:off x="2740549" y="3129643"/>
-              <a:ext cx="2994660" cy="2019300"/>
-            </a:xfrm>
-            <a:prstGeom prst="rect">
-              <a:avLst/>
-            </a:prstGeom>
+          </a:ln>
+        </p:spPr>
+        <p:style>
+          <a:lnRef idx="2">
+            <a:schemeClr val="accent1">
+              <a:shade val="20000"/>
+            </a:schemeClr>
+          </a:lnRef>
+          <a:fillRef idx="1">
+            <a:schemeClr val="accent1"/>
+          </a:fillRef>
+          <a:effectRef idx="0">
+            <a:schemeClr val="accent1"/>
+          </a:effectRef>
+          <a:fontRef idx="minor">
+            <a:schemeClr val="lt1"/>
+          </a:fontRef>
+        </p:style>
+        <p:txBody>
+          <a:bodyPr anchor="ctr"/>
+          <a:p>
+            <a:pPr algn="ctr">
+              <a:defRPr/>
+            </a:pPr>
+            <a:endParaRPr lang="ko-KR" altLang="en-US"/>
+          </a:p>
+        </p:txBody>
+      </p:sp>
+      <p:pic>
+        <p:nvPicPr>
+          <p:cNvPr id="6" name=""/>
+          <p:cNvPicPr/>
+          <p:nvPr/>
+        </p:nvPicPr>
+        <p:blipFill rotWithShape="1">
+          <a:blip r:embed="rId3"/>
+          <a:srcRect/>
+          <a:stretch>
+            <a:fillRect/>
+          </a:stretch>
+        </p:blipFill>
+        <p:spPr>
+          <a:xfrm>
+            <a:off x="8017670" y="7192956"/>
+            <a:ext cx="3970778" cy="2677497"/>
+          </a:xfrm>
+          <a:prstGeom prst="rect">
+            <a:avLst/>
+          </a:prstGeom>
+          <a:noFill/>
+          <a:ln>
             <a:noFill/>
-            <a:ln>
-              <a:noFill/>
-            </a:ln>
-          </p:spPr>
-        </p:pic>
-        <p:cxnSp>
-          <p:nvCxnSpPr>
-            <p:cNvPr id="7" name=""/>
-            <p:cNvCxnSpPr/>
-            <p:nvPr/>
-          </p:nvCxnSpPr>
-          <p:spPr>
-            <a:xfrm rot="16200000" flipH="1" flipV="1">
-              <a:off x="3174674" y="2758289"/>
-              <a:ext cx="914400" cy="1"/>
-            </a:xfrm>
-            <a:prstGeom prst="straightConnector1">
-              <a:avLst/>
-            </a:prstGeom>
-            <a:ln w="38100">
-              <a:solidFill>
-                <a:srgbClr val="ff0000"/>
-              </a:solidFill>
-              <a:tailEnd type="arrow"/>
-            </a:ln>
-          </p:spPr>
-          <p:style>
-            <a:lnRef idx="1">
-              <a:schemeClr val="accent1"/>
-            </a:lnRef>
-            <a:fillRef idx="0">
-              <a:schemeClr val="accent1"/>
-            </a:fillRef>
-            <a:effectRef idx="0">
-              <a:schemeClr val="accent1"/>
-            </a:effectRef>
-            <a:fontRef idx="minor">
-              <a:schemeClr val="tx1"/>
-            </a:fontRef>
-          </p:style>
-        </p:cxnSp>
-        <p:sp>
-          <p:nvSpPr>
-            <p:cNvPr id="10" name=""/>
-            <p:cNvSpPr/>
-            <p:nvPr/>
-          </p:nvSpPr>
-          <p:spPr>
-            <a:xfrm>
-              <a:off x="2959354" y="4671721"/>
-              <a:ext cx="2572403" cy="289565"/>
-            </a:xfrm>
-            <a:prstGeom prst="rect">
-              <a:avLst/>
-            </a:prstGeom>
+          </a:ln>
+        </p:spPr>
+      </p:pic>
+      <p:cxnSp>
+        <p:nvCxnSpPr>
+          <p:cNvPr id="7" name=""/>
+          <p:cNvCxnSpPr/>
+          <p:nvPr/>
+        </p:nvCxnSpPr>
+        <p:spPr>
+          <a:xfrm rot="16200000" flipH="1" flipV="1">
+            <a:off x="8593300" y="6700558"/>
+            <a:ext cx="1212451" cy="1"/>
+          </a:xfrm>
+          <a:prstGeom prst="straightConnector1">
+            <a:avLst/>
+          </a:prstGeom>
+          <a:ln w="38100">
             <a:solidFill>
-              <a:schemeClr val="lt1">
-                <a:alpha val="0"/>
-              </a:schemeClr>
+              <a:srgbClr val="ff0000"/>
             </a:solidFill>
-            <a:ln w="63500">
-              <a:solidFill>
-                <a:srgbClr val="ff6600"/>
-              </a:solidFill>
-            </a:ln>
-          </p:spPr>
-          <p:style>
-            <a:lnRef idx="2">
-              <a:schemeClr val="accent1">
-                <a:shade val="20000"/>
-              </a:schemeClr>
-            </a:lnRef>
-            <a:fillRef idx="1">
-              <a:schemeClr val="accent1"/>
-            </a:fillRef>
-            <a:effectRef idx="0">
-              <a:schemeClr val="accent1"/>
-            </a:effectRef>
-            <a:fontRef idx="minor">
-              <a:schemeClr val="lt1"/>
-            </a:fontRef>
-          </p:style>
-          <p:txBody>
-            <a:bodyPr anchor="ctr"/>
-            <a:lstStyle/>
-            <a:p>
-              <a:pPr algn="ctr">
-                <a:defRPr/>
-              </a:pPr>
-              <a:endParaRPr lang="ko-KR" altLang="en-US"/>
-            </a:p>
-          </p:txBody>
-        </p:sp>
-        <p:grpSp>
-          <p:nvGrpSpPr>
-            <p:cNvPr id="16" name=""/>
-            <p:cNvGrpSpPr/>
-            <p:nvPr/>
-          </p:nvGrpSpPr>
-          <p:grpSpPr>
-            <a:xfrm rot="0">
-              <a:off x="2379863" y="4816504"/>
-              <a:ext cx="1023777" cy="897293"/>
-              <a:chOff x="2379863" y="4816504"/>
-              <a:chExt cx="1023777" cy="897293"/>
-            </a:xfrm>
-          </p:grpSpPr>
-          <p:cxnSp>
-            <p:nvCxnSpPr>
-              <p:cNvPr id="11" name=""/>
-              <p:cNvCxnSpPr/>
-              <p:nvPr/>
-            </p:nvCxnSpPr>
-            <p:spPr>
-              <a:xfrm rot="16200000" flipH="1">
-                <a:off x="3027386" y="5337542"/>
-                <a:ext cx="752509" cy="0"/>
-              </a:xfrm>
-              <a:prstGeom prst="line">
-                <a:avLst/>
-              </a:prstGeom>
-              <a:ln w="38100">
-                <a:solidFill>
-                  <a:srgbClr val="ff0000"/>
-                </a:solidFill>
-              </a:ln>
-            </p:spPr>
-            <p:style>
-              <a:lnRef idx="1">
-                <a:schemeClr val="accent1"/>
-              </a:lnRef>
-              <a:fillRef idx="0">
-                <a:schemeClr val="accent1"/>
-              </a:fillRef>
-              <a:effectRef idx="0">
-                <a:schemeClr val="accent1"/>
-              </a:effectRef>
-              <a:fontRef idx="minor">
-                <a:schemeClr val="tx1"/>
-              </a:fontRef>
-            </p:style>
-          </p:cxnSp>
-          <p:cxnSp>
-            <p:nvCxnSpPr>
-              <p:cNvPr id="12" name=""/>
-              <p:cNvCxnSpPr/>
-              <p:nvPr/>
-            </p:nvCxnSpPr>
-            <p:spPr>
-              <a:xfrm rot="10800000">
-                <a:off x="2381718" y="5713797"/>
-                <a:ext cx="1021922" cy="0"/>
-              </a:xfrm>
-              <a:prstGeom prst="line">
-                <a:avLst/>
-              </a:prstGeom>
-              <a:ln w="38100">
-                <a:solidFill>
-                  <a:srgbClr val="ff0000"/>
-                </a:solidFill>
-              </a:ln>
-            </p:spPr>
-            <p:style>
-              <a:lnRef idx="1">
-                <a:schemeClr val="accent1"/>
-              </a:lnRef>
-              <a:fillRef idx="0">
-                <a:schemeClr val="accent1"/>
-              </a:fillRef>
-              <a:effectRef idx="0">
-                <a:schemeClr val="accent1"/>
-              </a:effectRef>
-              <a:fontRef idx="minor">
-                <a:schemeClr val="tx1"/>
-              </a:fontRef>
-            </p:style>
-          </p:cxnSp>
-          <p:cxnSp>
-            <p:nvCxnSpPr>
-              <p:cNvPr id="13" name=""/>
-              <p:cNvCxnSpPr/>
-              <p:nvPr/>
-            </p:nvCxnSpPr>
-            <p:spPr>
-              <a:xfrm rot="16200000">
-                <a:off x="1933243" y="5265321"/>
-                <a:ext cx="896950" cy="0"/>
-              </a:xfrm>
-              <a:prstGeom prst="line">
-                <a:avLst/>
-              </a:prstGeom>
-              <a:ln w="38100">
-                <a:solidFill>
-                  <a:srgbClr val="ff0000"/>
-                </a:solidFill>
-              </a:ln>
-            </p:spPr>
-            <p:style>
-              <a:lnRef idx="1">
-                <a:schemeClr val="accent1"/>
-              </a:lnRef>
-              <a:fillRef idx="0">
-                <a:schemeClr val="accent1"/>
-              </a:fillRef>
-              <a:effectRef idx="0">
-                <a:schemeClr val="accent1"/>
-              </a:effectRef>
-              <a:fontRef idx="minor">
-                <a:schemeClr val="tx1"/>
-              </a:fontRef>
-            </p:style>
-          </p:cxnSp>
-          <p:cxnSp>
-            <p:nvCxnSpPr>
-              <p:cNvPr id="14" name=""/>
-              <p:cNvCxnSpPr/>
-              <p:nvPr/>
-            </p:nvCxnSpPr>
-            <p:spPr>
-              <a:xfrm>
-                <a:off x="2379863" y="4816504"/>
-                <a:ext cx="305705" cy="0"/>
-              </a:xfrm>
-              <a:prstGeom prst="straightConnector1">
-                <a:avLst/>
-              </a:prstGeom>
-              <a:ln w="38100">
-                <a:solidFill>
-                  <a:srgbClr val="ff0000"/>
-                </a:solidFill>
-                <a:tailEnd type="arrow"/>
-              </a:ln>
-            </p:spPr>
-            <p:style>
-              <a:lnRef idx="1">
-                <a:schemeClr val="accent1"/>
-              </a:lnRef>
-              <a:fillRef idx="0">
-                <a:schemeClr val="accent1"/>
-              </a:fillRef>
-              <a:effectRef idx="0">
-                <a:schemeClr val="accent1"/>
-              </a:effectRef>
-              <a:fontRef idx="minor">
-                <a:schemeClr val="tx1"/>
-              </a:fontRef>
-            </p:style>
-          </p:cxnSp>
-        </p:grpSp>
-        <p:grpSp>
-          <p:nvGrpSpPr>
-            <p:cNvPr id="22" name=""/>
-            <p:cNvGrpSpPr/>
-            <p:nvPr/>
-          </p:nvGrpSpPr>
-          <p:grpSpPr>
-            <a:xfrm rot="0">
-              <a:off x="5531758" y="1959428"/>
-              <a:ext cx="1312634" cy="2857076"/>
-              <a:chOff x="5531758" y="1959428"/>
-              <a:chExt cx="1312634" cy="2857076"/>
-            </a:xfrm>
-          </p:grpSpPr>
-          <p:cxnSp>
-            <p:nvCxnSpPr>
-              <p:cNvPr id="19" name=""/>
-              <p:cNvCxnSpPr>
-                <a:stCxn id="10" idx="3"/>
-              </p:cNvCxnSpPr>
-              <p:nvPr/>
-            </p:nvCxnSpPr>
-            <p:spPr>
-              <a:xfrm>
-                <a:off x="5531758" y="4816504"/>
-                <a:ext cx="1312634" cy="0"/>
-              </a:xfrm>
-              <a:prstGeom prst="line">
-                <a:avLst/>
-              </a:prstGeom>
-              <a:ln w="38100">
-                <a:solidFill>
-                  <a:srgbClr val="ff0000"/>
-                </a:solidFill>
-              </a:ln>
-            </p:spPr>
-            <p:style>
-              <a:lnRef idx="1">
-                <a:schemeClr val="accent1"/>
-              </a:lnRef>
-              <a:fillRef idx="0">
-                <a:schemeClr val="accent1"/>
-              </a:fillRef>
-              <a:effectRef idx="0">
-                <a:schemeClr val="accent1"/>
-              </a:effectRef>
-              <a:fontRef idx="minor">
-                <a:schemeClr val="tx1"/>
-              </a:fontRef>
-            </p:style>
-          </p:cxnSp>
-          <p:cxnSp>
-            <p:nvCxnSpPr>
-              <p:cNvPr id="20" name=""/>
-              <p:cNvCxnSpPr/>
-              <p:nvPr/>
-            </p:nvCxnSpPr>
-            <p:spPr>
-              <a:xfrm rot="16200000">
-                <a:off x="5415854" y="3387966"/>
-                <a:ext cx="2857076" cy="0"/>
-              </a:xfrm>
-              <a:prstGeom prst="line">
-                <a:avLst/>
-              </a:prstGeom>
-              <a:ln w="38100">
-                <a:solidFill>
-                  <a:srgbClr val="ff0000"/>
-                </a:solidFill>
-              </a:ln>
-            </p:spPr>
-            <p:style>
-              <a:lnRef idx="1">
-                <a:schemeClr val="accent1"/>
-              </a:lnRef>
-              <a:fillRef idx="0">
-                <a:schemeClr val="accent1"/>
-              </a:fillRef>
-              <a:effectRef idx="0">
-                <a:schemeClr val="accent1"/>
-              </a:effectRef>
-              <a:fontRef idx="minor">
-                <a:schemeClr val="tx1"/>
-              </a:fontRef>
-            </p:style>
-          </p:cxnSp>
-          <p:cxnSp>
-            <p:nvCxnSpPr>
-              <p:cNvPr id="21" name=""/>
-              <p:cNvCxnSpPr/>
-              <p:nvPr/>
-            </p:nvCxnSpPr>
-            <p:spPr>
-              <a:xfrm rot="10800000">
-                <a:off x="6096000" y="1959428"/>
-                <a:ext cx="748392" cy="0"/>
-              </a:xfrm>
-              <a:prstGeom prst="straightConnector1">
-                <a:avLst/>
-              </a:prstGeom>
-              <a:ln w="38100">
-                <a:solidFill>
-                  <a:srgbClr val="ff0000"/>
-                </a:solidFill>
-                <a:tailEnd type="arrow"/>
-              </a:ln>
-            </p:spPr>
-            <p:style>
-              <a:lnRef idx="1">
-                <a:schemeClr val="accent1"/>
-              </a:lnRef>
-              <a:fillRef idx="0">
-                <a:schemeClr val="accent1"/>
-              </a:fillRef>
-              <a:effectRef idx="0">
-                <a:schemeClr val="accent1"/>
-              </a:effectRef>
-              <a:fontRef idx="minor">
-                <a:schemeClr val="tx1"/>
-              </a:fontRef>
-            </p:style>
-          </p:cxnSp>
-        </p:grpSp>
-      </p:grpSp>
+            <a:tailEnd type="arrow"/>
+          </a:ln>
+        </p:spPr>
+        <p:style>
+          <a:lnRef idx="1">
+            <a:schemeClr val="accent1"/>
+          </a:lnRef>
+          <a:fillRef idx="0">
+            <a:schemeClr val="accent1"/>
+          </a:fillRef>
+          <a:effectRef idx="0">
+            <a:schemeClr val="accent1"/>
+          </a:effectRef>
+          <a:fontRef idx="minor">
+            <a:schemeClr val="tx1"/>
+          </a:fontRef>
+        </p:style>
+      </p:cxnSp>
+      <p:sp>
+        <p:nvSpPr>
+          <p:cNvPr id="10" name=""/>
+          <p:cNvSpPr/>
+          <p:nvPr/>
+        </p:nvSpPr>
+        <p:spPr>
+          <a:xfrm>
+            <a:off x="8307796" y="9237679"/>
+            <a:ext cx="3410885" cy="383949"/>
+          </a:xfrm>
+          <a:prstGeom prst="rect">
+            <a:avLst/>
+          </a:prstGeom>
+          <a:solidFill>
+            <a:schemeClr val="lt1">
+              <a:alpha val="0"/>
+            </a:schemeClr>
+          </a:solidFill>
+          <a:ln w="63500">
+            <a:solidFill>
+              <a:srgbClr val="ff6600"/>
+            </a:solidFill>
+          </a:ln>
+        </p:spPr>
+        <p:style>
+          <a:lnRef idx="2">
+            <a:schemeClr val="accent1">
+              <a:shade val="20000"/>
+            </a:schemeClr>
+          </a:lnRef>
+          <a:fillRef idx="1">
+            <a:schemeClr val="accent1"/>
+          </a:fillRef>
+          <a:effectRef idx="0">
+            <a:schemeClr val="accent1"/>
+          </a:effectRef>
+          <a:fontRef idx="minor">
+            <a:schemeClr val="lt1"/>
+          </a:fontRef>
+        </p:style>
+        <p:txBody>
+          <a:bodyPr anchor="ctr"/>
+          <a:lstStyle/>
+          <a:p>
+            <a:pPr algn="ctr">
+              <a:defRPr/>
+            </a:pPr>
+            <a:endParaRPr lang="ko-KR" altLang="en-US"/>
+          </a:p>
+        </p:txBody>
+      </p:sp>
+      <p:cxnSp>
+        <p:nvCxnSpPr>
+          <p:cNvPr id="11" name=""/>
+          <p:cNvCxnSpPr/>
+          <p:nvPr/>
+        </p:nvCxnSpPr>
+        <p:spPr>
+          <a:xfrm rot="16200000" flipH="1">
+            <a:off x="8398003" y="10120527"/>
+            <a:ext cx="997791" cy="0"/>
+          </a:xfrm>
+          <a:prstGeom prst="line">
+            <a:avLst/>
+          </a:prstGeom>
+          <a:ln w="38100">
+            <a:solidFill>
+              <a:srgbClr val="ff0000"/>
+            </a:solidFill>
+          </a:ln>
+        </p:spPr>
+        <p:style>
+          <a:lnRef idx="1">
+            <a:schemeClr val="accent1"/>
+          </a:lnRef>
+          <a:fillRef idx="0">
+            <a:schemeClr val="accent1"/>
+          </a:fillRef>
+          <a:effectRef idx="0">
+            <a:schemeClr val="accent1"/>
+          </a:effectRef>
+          <a:fontRef idx="minor">
+            <a:schemeClr val="tx1"/>
+          </a:fontRef>
+        </p:style>
+      </p:cxnSp>
+      <p:cxnSp>
+        <p:nvCxnSpPr>
+          <p:cNvPr id="14" name=""/>
+          <p:cNvCxnSpPr/>
+          <p:nvPr/>
+        </p:nvCxnSpPr>
+        <p:spPr>
+          <a:xfrm>
+            <a:off x="6028658" y="8802342"/>
+            <a:ext cx="1944046" cy="0"/>
+          </a:xfrm>
+          <a:prstGeom prst="straightConnector1">
+            <a:avLst/>
+          </a:prstGeom>
+          <a:ln w="38100">
+            <a:solidFill>
+              <a:srgbClr val="ff0000"/>
+            </a:solidFill>
+            <a:tailEnd type="arrow"/>
+          </a:ln>
+        </p:spPr>
+        <p:style>
+          <a:lnRef idx="1">
+            <a:schemeClr val="accent1"/>
+          </a:lnRef>
+          <a:fillRef idx="0">
+            <a:schemeClr val="accent1"/>
+          </a:fillRef>
+          <a:effectRef idx="0">
+            <a:schemeClr val="accent1"/>
+          </a:effectRef>
+          <a:fontRef idx="minor">
+            <a:schemeClr val="tx1"/>
+          </a:fontRef>
+        </p:style>
+      </p:cxnSp>
+      <p:cxnSp>
+        <p:nvCxnSpPr>
+          <p:cNvPr id="20" name=""/>
+          <p:cNvCxnSpPr>
+            <a:stCxn id="74" idx="0"/>
+          </p:cNvCxnSpPr>
+          <p:nvPr/>
+        </p:nvCxnSpPr>
+        <p:spPr>
+          <a:xfrm rot="16200000" flipV="1">
+            <a:off x="11852501" y="7247976"/>
+            <a:ext cx="3213341" cy="2"/>
+          </a:xfrm>
+          <a:prstGeom prst="line">
+            <a:avLst/>
+          </a:prstGeom>
+          <a:ln w="38100">
+            <a:solidFill>
+              <a:srgbClr val="ff0000"/>
+            </a:solidFill>
+          </a:ln>
+        </p:spPr>
+        <p:style>
+          <a:lnRef idx="1">
+            <a:schemeClr val="accent1"/>
+          </a:lnRef>
+          <a:fillRef idx="0">
+            <a:schemeClr val="accent1"/>
+          </a:fillRef>
+          <a:effectRef idx="0">
+            <a:schemeClr val="accent1"/>
+          </a:effectRef>
+          <a:fontRef idx="minor">
+            <a:schemeClr val="tx1"/>
+          </a:fontRef>
+        </p:style>
+      </p:cxnSp>
+      <p:cxnSp>
+        <p:nvCxnSpPr>
+          <p:cNvPr id="21" name=""/>
+          <p:cNvCxnSpPr/>
+          <p:nvPr/>
+        </p:nvCxnSpPr>
+        <p:spPr>
+          <a:xfrm rot="10800000">
+            <a:off x="12466841" y="5641306"/>
+            <a:ext cx="992332" cy="0"/>
+          </a:xfrm>
+          <a:prstGeom prst="straightConnector1">
+            <a:avLst/>
+          </a:prstGeom>
+          <a:ln w="38100">
+            <a:solidFill>
+              <a:srgbClr val="ff0000"/>
+            </a:solidFill>
+            <a:tailEnd type="arrow"/>
+          </a:ln>
+        </p:spPr>
+        <p:style>
+          <a:lnRef idx="1">
+            <a:schemeClr val="accent1"/>
+          </a:lnRef>
+          <a:fillRef idx="0">
+            <a:schemeClr val="accent1"/>
+          </a:fillRef>
+          <a:effectRef idx="0">
+            <a:schemeClr val="accent1"/>
+          </a:effectRef>
+          <a:fontRef idx="minor">
+            <a:schemeClr val="tx1"/>
+          </a:fontRef>
+        </p:style>
+      </p:cxnSp>
       <p:sp>
         <p:nvSpPr>
           <p:cNvPr id="23" name=""/>
@@ -3780,8 +4062,8 @@
         </p:nvSpPr>
         <p:spPr>
           <a:xfrm>
-            <a:off x="2549780" y="2414296"/>
-            <a:ext cx="1497438" cy="153493"/>
+            <a:off x="10242256" y="5890808"/>
+            <a:ext cx="2024726" cy="203524"/>
           </a:xfrm>
           <a:prstGeom prst="rect">
             <a:avLst/>
@@ -3840,8 +4122,8 @@
         </p:blipFill>
         <p:spPr>
           <a:xfrm>
-            <a:off x="7151369" y="723748"/>
-            <a:ext cx="3070860" cy="1844040"/>
+            <a:off x="16455302" y="3649220"/>
+            <a:ext cx="4071816" cy="2445110"/>
           </a:xfrm>
           <a:prstGeom prst="rect">
             <a:avLst/>
@@ -3856,8 +4138,8 @@
         </p:nvSpPr>
         <p:spPr>
           <a:xfrm>
-            <a:off x="826371" y="2886414"/>
-            <a:ext cx="1592440" cy="258535"/>
+            <a:off x="8068650" y="6516814"/>
+            <a:ext cx="2111500" cy="342805"/>
           </a:xfrm>
           <a:prstGeom prst="rect">
             <a:avLst/>
@@ -3894,133 +4176,123 @@
           </a:p>
         </p:txBody>
       </p:sp>
-      <p:grpSp>
-        <p:nvGrpSpPr>
-          <p:cNvPr id="33" name=""/>
-          <p:cNvGrpSpPr/>
+      <p:cxnSp>
+        <p:nvCxnSpPr>
+          <p:cNvPr id="27" name=""/>
+          <p:cNvCxnSpPr/>
           <p:nvPr/>
-        </p:nvGrpSpPr>
-        <p:grpSpPr>
-          <a:xfrm rot="0">
-            <a:off x="4047218" y="1002761"/>
-            <a:ext cx="3104151" cy="1488281"/>
-            <a:chOff x="4599668" y="736061"/>
-            <a:chExt cx="3104151" cy="1488281"/>
-          </a:xfrm>
+        </p:nvCxnSpPr>
+        <p:spPr>
+          <a:xfrm>
+            <a:off x="14265371" y="4019178"/>
+            <a:ext cx="2189928" cy="0"/>
+          </a:xfrm>
+          <a:prstGeom prst="straightConnector1">
+            <a:avLst/>
+          </a:prstGeom>
           <a:solidFill>
             <a:schemeClr val="accent1"/>
           </a:solidFill>
-        </p:grpSpPr>
-        <p:cxnSp>
-          <p:nvCxnSpPr>
-            <p:cNvPr id="27" name=""/>
-            <p:cNvCxnSpPr/>
-            <p:nvPr/>
-          </p:nvCxnSpPr>
-          <p:spPr>
-            <a:xfrm>
-              <a:off x="6052230" y="736061"/>
-              <a:ext cx="1651588" cy="0"/>
-            </a:xfrm>
-            <a:prstGeom prst="straightConnector1">
-              <a:avLst/>
-            </a:prstGeom>
-            <a:grpFill/>
-            <a:ln w="38100">
-              <a:solidFill>
-                <a:schemeClr val="accent1"/>
-              </a:solidFill>
-              <a:tailEnd type="arrow"/>
-            </a:ln>
-          </p:spPr>
-          <p:style>
-            <a:lnRef idx="1">
+          <a:ln w="38100">
+            <a:solidFill>
               <a:schemeClr val="accent1"/>
-            </a:lnRef>
-            <a:fillRef idx="0">
+            </a:solidFill>
+            <a:tailEnd type="arrow"/>
+          </a:ln>
+        </p:spPr>
+        <p:style>
+          <a:lnRef idx="1">
+            <a:schemeClr val="accent1"/>
+          </a:lnRef>
+          <a:fillRef idx="0">
+            <a:schemeClr val="accent1"/>
+          </a:fillRef>
+          <a:effectRef idx="0">
+            <a:schemeClr val="accent1"/>
+          </a:effectRef>
+          <a:fontRef idx="minor">
+            <a:schemeClr val="tx1"/>
+          </a:fontRef>
+        </p:style>
+      </p:cxnSp>
+      <p:cxnSp>
+        <p:nvCxnSpPr>
+          <p:cNvPr id="31" name=""/>
+          <p:cNvCxnSpPr>
+            <a:stCxn id="23" idx="3"/>
+          </p:cNvCxnSpPr>
+          <p:nvPr/>
+        </p:nvCxnSpPr>
+        <p:spPr>
+          <a:xfrm>
+            <a:off x="12266982" y="5992570"/>
+            <a:ext cx="1998388" cy="0"/>
+          </a:xfrm>
+          <a:prstGeom prst="line">
+            <a:avLst/>
+          </a:prstGeom>
+          <a:solidFill>
+            <a:schemeClr val="accent1"/>
+          </a:solidFill>
+          <a:ln w="38100">
+            <a:solidFill>
               <a:schemeClr val="accent1"/>
-            </a:fillRef>
-            <a:effectRef idx="0">
+            </a:solidFill>
+          </a:ln>
+        </p:spPr>
+        <p:style>
+          <a:lnRef idx="1">
+            <a:schemeClr val="accent1"/>
+          </a:lnRef>
+          <a:fillRef idx="0">
+            <a:schemeClr val="accent1"/>
+          </a:fillRef>
+          <a:effectRef idx="0">
+            <a:schemeClr val="accent1"/>
+          </a:effectRef>
+          <a:fontRef idx="minor">
+            <a:schemeClr val="tx1"/>
+          </a:fontRef>
+        </p:style>
+      </p:cxnSp>
+      <p:cxnSp>
+        <p:nvCxnSpPr>
+          <p:cNvPr id="32" name=""/>
+          <p:cNvCxnSpPr/>
+          <p:nvPr/>
+        </p:nvCxnSpPr>
+        <p:spPr>
+          <a:xfrm rot="16200000">
+            <a:off x="13278675" y="5005873"/>
+            <a:ext cx="1973390" cy="0"/>
+          </a:xfrm>
+          <a:prstGeom prst="line">
+            <a:avLst/>
+          </a:prstGeom>
+          <a:solidFill>
+            <a:schemeClr val="accent1"/>
+          </a:solidFill>
+          <a:ln w="38100">
+            <a:solidFill>
               <a:schemeClr val="accent1"/>
-            </a:effectRef>
-            <a:fontRef idx="minor">
-              <a:schemeClr val="tx1"/>
-            </a:fontRef>
-          </p:style>
-        </p:cxnSp>
-        <p:cxnSp>
-          <p:nvCxnSpPr>
-            <p:cNvPr id="31" name=""/>
-            <p:cNvCxnSpPr/>
-            <p:nvPr/>
-          </p:nvCxnSpPr>
-          <p:spPr>
-            <a:xfrm>
-              <a:off x="4599668" y="2224342"/>
-              <a:ext cx="1452562" cy="0"/>
-            </a:xfrm>
-            <a:prstGeom prst="line">
-              <a:avLst/>
-            </a:prstGeom>
-            <a:grpFill/>
-            <a:ln w="38100">
-              <a:solidFill>
-                <a:schemeClr val="accent1"/>
-              </a:solidFill>
-            </a:ln>
-          </p:spPr>
-          <p:style>
-            <a:lnRef idx="1">
-              <a:schemeClr val="accent1"/>
-            </a:lnRef>
-            <a:fillRef idx="0">
-              <a:schemeClr val="accent1"/>
-            </a:fillRef>
-            <a:effectRef idx="0">
-              <a:schemeClr val="accent1"/>
-            </a:effectRef>
-            <a:fontRef idx="minor">
-              <a:schemeClr val="tx1"/>
-            </a:fontRef>
-          </p:style>
-        </p:cxnSp>
-        <p:cxnSp>
-          <p:nvCxnSpPr>
-            <p:cNvPr id="32" name=""/>
-            <p:cNvCxnSpPr/>
-            <p:nvPr/>
-          </p:nvCxnSpPr>
-          <p:spPr>
-            <a:xfrm rot="16200000" flipV="1">
-              <a:off x="5308089" y="1480201"/>
-              <a:ext cx="1488281" cy="0"/>
-            </a:xfrm>
-            <a:prstGeom prst="line">
-              <a:avLst/>
-            </a:prstGeom>
-            <a:grpFill/>
-            <a:ln w="38100">
-              <a:solidFill>
-                <a:schemeClr val="accent1"/>
-              </a:solidFill>
-            </a:ln>
-          </p:spPr>
-          <p:style>
-            <a:lnRef idx="1">
-              <a:schemeClr val="accent1"/>
-            </a:lnRef>
-            <a:fillRef idx="0">
-              <a:schemeClr val="accent1"/>
-            </a:fillRef>
-            <a:effectRef idx="0">
-              <a:schemeClr val="accent1"/>
-            </a:effectRef>
-            <a:fontRef idx="minor">
-              <a:schemeClr val="tx1"/>
-            </a:fontRef>
-          </p:style>
-        </p:cxnSp>
-      </p:grpSp>
+            </a:solidFill>
+          </a:ln>
+        </p:spPr>
+        <p:style>
+          <a:lnRef idx="1">
+            <a:schemeClr val="accent1"/>
+          </a:lnRef>
+          <a:fillRef idx="0">
+            <a:schemeClr val="accent1"/>
+          </a:fillRef>
+          <a:effectRef idx="0">
+            <a:schemeClr val="accent1"/>
+          </a:effectRef>
+          <a:fontRef idx="minor">
+            <a:schemeClr val="tx1"/>
+          </a:fontRef>
+        </p:style>
+      </p:cxnSp>
       <p:sp>
         <p:nvSpPr>
           <p:cNvPr id="30" name=""/>
@@ -4029,8 +4301,8 @@
         </p:nvSpPr>
         <p:spPr>
           <a:xfrm>
-            <a:off x="4747330" y="1217074"/>
-            <a:ext cx="1592440" cy="258535"/>
+            <a:off x="13267658" y="4303348"/>
+            <a:ext cx="2111500" cy="342805"/>
           </a:xfrm>
           <a:prstGeom prst="rect">
             <a:avLst/>
@@ -4079,8 +4351,8 @@
         </p:nvSpPr>
         <p:spPr>
           <a:xfrm>
-            <a:off x="9122459" y="1718327"/>
-            <a:ext cx="937845" cy="153493"/>
+            <a:off x="19068874" y="4967986"/>
+            <a:ext cx="1243538" cy="203524"/>
           </a:xfrm>
           <a:prstGeom prst="rect">
             <a:avLst/>
@@ -4139,8 +4411,8 @@
         </p:blipFill>
         <p:spPr>
           <a:xfrm>
-            <a:off x="7158989" y="3695700"/>
-            <a:ext cx="3055620" cy="1828800"/>
+            <a:off x="16465406" y="7589890"/>
+            <a:ext cx="4051609" cy="2424903"/>
           </a:xfrm>
           <a:prstGeom prst="rect">
             <a:avLst/>
@@ -4155,8 +4427,8 @@
         </p:nvSpPr>
         <p:spPr>
           <a:xfrm>
-            <a:off x="9160559" y="4951907"/>
-            <a:ext cx="937845" cy="153493"/>
+            <a:off x="19119394" y="9255561"/>
+            <a:ext cx="1243538" cy="203524"/>
           </a:xfrm>
           <a:prstGeom prst="rect">
             <a:avLst/>
@@ -4207,8 +4479,8 @@
         </p:nvGrpSpPr>
         <p:grpSpPr>
           <a:xfrm rot="0">
-            <a:off x="10060304" y="1795073"/>
-            <a:ext cx="781535" cy="2561424"/>
+            <a:off x="20312414" y="5069747"/>
+            <a:ext cx="1036278" cy="3396328"/>
             <a:chOff x="10612754" y="1528373"/>
             <a:chExt cx="781535" cy="2561424"/>
           </a:xfrm>
@@ -4330,8 +4602,8 @@
         </p:nvSpPr>
         <p:spPr>
           <a:xfrm>
-            <a:off x="9880422" y="2886414"/>
-            <a:ext cx="1592440" cy="258535"/>
+            <a:off x="20073898" y="6516814"/>
+            <a:ext cx="2111500" cy="342805"/>
           </a:xfrm>
           <a:prstGeom prst="rect">
             <a:avLst/>
@@ -4376,8 +4648,8 @@
         </p:nvGrpSpPr>
         <p:grpSpPr>
           <a:xfrm rot="0">
-            <a:off x="6841330" y="2567789"/>
-            <a:ext cx="3835311" cy="3626183"/>
+            <a:off x="16044204" y="6094332"/>
+            <a:ext cx="5085442" cy="4808148"/>
             <a:chOff x="7393781" y="2301089"/>
             <a:chExt cx="3835311" cy="3626183"/>
           </a:xfrm>
@@ -4604,8 +4876,8 @@
         </p:nvSpPr>
         <p:spPr>
           <a:xfrm>
-            <a:off x="7890580" y="6064704"/>
-            <a:ext cx="1592440" cy="258535"/>
+            <a:off x="17435460" y="10731079"/>
+            <a:ext cx="2111500" cy="342805"/>
           </a:xfrm>
           <a:prstGeom prst="rect">
             <a:avLst/>
@@ -4650,8 +4922,8 @@
         </p:nvSpPr>
         <p:spPr>
           <a:xfrm>
-            <a:off x="9753306" y="734864"/>
-            <a:ext cx="468923" cy="267897"/>
+            <a:off x="19905348" y="3663960"/>
+            <a:ext cx="621769" cy="355218"/>
           </a:xfrm>
           <a:prstGeom prst="rect">
             <a:avLst/>
@@ -4702,8 +4974,8 @@
         </p:nvSpPr>
         <p:spPr>
           <a:xfrm>
-            <a:off x="9745687" y="3695700"/>
-            <a:ext cx="468923" cy="267897"/>
+            <a:off x="19895246" y="7589890"/>
+            <a:ext cx="621769" cy="355218"/>
           </a:xfrm>
           <a:prstGeom prst="rect">
             <a:avLst/>
@@ -4755,9 +5027,9 @@
           <p:nvPr/>
         </p:nvCxnSpPr>
         <p:spPr>
-          <a:xfrm flipV="1">
-            <a:off x="10214608" y="3829649"/>
-            <a:ext cx="1424942" cy="0"/>
+          <a:xfrm>
+            <a:off x="20517012" y="7767500"/>
+            <a:ext cx="1889406" cy="0"/>
           </a:xfrm>
           <a:prstGeom prst="line">
             <a:avLst/>
@@ -4791,8 +5063,8 @@
         </p:nvCxnSpPr>
         <p:spPr>
           <a:xfrm rot="16200000">
-            <a:off x="10159132" y="2349231"/>
-            <a:ext cx="2960836" cy="0"/>
+            <a:off x="20443454" y="5804535"/>
+            <a:ext cx="3925929" cy="0"/>
           </a:xfrm>
           <a:prstGeom prst="line">
             <a:avLst/>
@@ -4828,8 +5100,8 @@
         </p:nvCxnSpPr>
         <p:spPr>
           <a:xfrm rot="10800000">
-            <a:off x="10222230" y="868812"/>
-            <a:ext cx="1417321" cy="0"/>
+            <a:off x="20527120" y="3841568"/>
+            <a:ext cx="1879301" cy="0"/>
           </a:xfrm>
           <a:prstGeom prst="line">
             <a:avLst/>
@@ -4863,8 +5135,8 @@
         </p:nvGrpSpPr>
         <p:grpSpPr>
           <a:xfrm rot="0">
-            <a:off x="2418811" y="244077"/>
-            <a:ext cx="9582689" cy="2122594"/>
+            <a:off x="10180150" y="3013199"/>
+            <a:ext cx="12706196" cy="2814460"/>
             <a:chOff x="2418811" y="244077"/>
             <a:chExt cx="9582689" cy="2122594"/>
           </a:xfrm>
@@ -5027,8 +5299,8 @@
         </p:nvSpPr>
         <p:spPr>
           <a:xfrm>
-            <a:off x="6841331" y="114809"/>
-            <a:ext cx="2641689" cy="258535"/>
+            <a:off x="16044206" y="2841796"/>
+            <a:ext cx="3502755" cy="342805"/>
           </a:xfrm>
           <a:prstGeom prst="rect">
             <a:avLst/>
@@ -5082,6 +5354,1046 @@
               <a:t>)</a:t>
             </a:r>
             <a:endParaRPr lang="en-US" altLang="ko-KR"/>
+          </a:p>
+        </p:txBody>
+      </p:sp>
+      <p:sp>
+        <p:nvSpPr>
+          <p:cNvPr id="62" name=""/>
+          <p:cNvSpPr/>
+          <p:nvPr/>
+        </p:nvSpPr>
+        <p:spPr>
+          <a:xfrm>
+            <a:off x="1996408" y="873252"/>
+            <a:ext cx="4206875" cy="1508146"/>
+          </a:xfrm>
+          <a:prstGeom prst="rect">
+            <a:avLst/>
+          </a:prstGeom>
+        </p:spPr>
+        <p:style>
+          <a:lnRef idx="2">
+            <a:schemeClr val="accent1">
+              <a:shade val="20000"/>
+            </a:schemeClr>
+          </a:lnRef>
+          <a:fillRef idx="1">
+            <a:schemeClr val="accent1"/>
+          </a:fillRef>
+          <a:effectRef idx="0">
+            <a:schemeClr val="accent1"/>
+          </a:effectRef>
+          <a:fontRef idx="minor">
+            <a:schemeClr val="lt1"/>
+          </a:fontRef>
+        </p:style>
+        <p:txBody>
+          <a:bodyPr anchor="ctr"/>
+          <a:p>
+            <a:pPr algn="ctr">
+              <a:defRPr/>
+            </a:pPr>
+            <a:r>
+              <a:rPr lang="ko-KR" altLang="en-US" sz="4400" b="1"/>
+              <a:t>프로그램 실행</a:t>
+            </a:r>
+            <a:endParaRPr lang="ko-KR" altLang="en-US" sz="4400" b="1"/>
+          </a:p>
+        </p:txBody>
+      </p:sp>
+      <p:sp>
+        <p:nvSpPr>
+          <p:cNvPr id="63" name=""/>
+          <p:cNvSpPr/>
+          <p:nvPr/>
+        </p:nvSpPr>
+        <p:spPr>
+          <a:xfrm>
+            <a:off x="3583908" y="5171510"/>
+            <a:ext cx="2619375" cy="444521"/>
+          </a:xfrm>
+          <a:prstGeom prst="rect">
+            <a:avLst/>
+          </a:prstGeom>
+        </p:spPr>
+        <p:style>
+          <a:lnRef idx="2">
+            <a:schemeClr val="accent1">
+              <a:shade val="20000"/>
+            </a:schemeClr>
+          </a:lnRef>
+          <a:fillRef idx="1">
+            <a:schemeClr val="accent1"/>
+          </a:fillRef>
+          <a:effectRef idx="0">
+            <a:schemeClr val="accent1"/>
+          </a:effectRef>
+          <a:fontRef idx="minor">
+            <a:schemeClr val="lt1"/>
+          </a:fontRef>
+        </p:style>
+        <p:txBody>
+          <a:bodyPr anchor="ctr"/>
+          <a:lstStyle/>
+          <a:p>
+            <a:pPr algn="ctr">
+              <a:defRPr/>
+            </a:pPr>
+            <a:r>
+              <a:rPr lang="ko-KR" altLang="en-US"/>
+              <a:t>자동 로그인 했을 시</a:t>
+            </a:r>
+            <a:endParaRPr lang="ko-KR" altLang="en-US"/>
+          </a:p>
+        </p:txBody>
+      </p:sp>
+      <p:pic>
+        <p:nvPicPr>
+          <p:cNvPr id="64" name=""/>
+          <p:cNvPicPr>
+            <a:picLocks noChangeAspect="1"/>
+          </p:cNvPicPr>
+          <p:nvPr/>
+        </p:nvPicPr>
+        <p:blipFill rotWithShape="1">
+          <a:blip r:embed="rId6"/>
+          <a:stretch>
+            <a:fillRect/>
+          </a:stretch>
+        </p:blipFill>
+        <p:spPr>
+          <a:xfrm>
+            <a:off x="4097305" y="3841569"/>
+            <a:ext cx="1592580" cy="1173480"/>
+          </a:xfrm>
+          <a:prstGeom prst="rect">
+            <a:avLst/>
+          </a:prstGeom>
+        </p:spPr>
+      </p:pic>
+      <p:cxnSp>
+        <p:nvCxnSpPr>
+          <p:cNvPr id="66" name=""/>
+          <p:cNvCxnSpPr>
+            <a:endCxn id="64" idx="0"/>
+          </p:cNvCxnSpPr>
+          <p:nvPr/>
+        </p:nvCxnSpPr>
+        <p:spPr>
+          <a:xfrm rot="16200000" flipH="1">
+            <a:off x="4163511" y="3111483"/>
+            <a:ext cx="1460170" cy="2"/>
+          </a:xfrm>
+          <a:prstGeom prst="straightConnector1">
+            <a:avLst/>
+          </a:prstGeom>
+          <a:ln w="38100">
+            <a:solidFill>
+              <a:srgbClr val="ff0000"/>
+            </a:solidFill>
+            <a:tailEnd type="arrow"/>
+          </a:ln>
+        </p:spPr>
+        <p:style>
+          <a:lnRef idx="1">
+            <a:schemeClr val="accent1"/>
+          </a:lnRef>
+          <a:fillRef idx="0">
+            <a:schemeClr val="accent1"/>
+          </a:fillRef>
+          <a:effectRef idx="0">
+            <a:schemeClr val="accent1"/>
+          </a:effectRef>
+          <a:fontRef idx="minor">
+            <a:schemeClr val="tx1"/>
+          </a:fontRef>
+        </p:style>
+      </p:cxnSp>
+      <p:cxnSp>
+        <p:nvCxnSpPr>
+          <p:cNvPr id="67" name=""/>
+          <p:cNvCxnSpPr>
+            <a:stCxn id="64" idx="3"/>
+          </p:cNvCxnSpPr>
+          <p:nvPr/>
+        </p:nvCxnSpPr>
+        <p:spPr>
+          <a:xfrm>
+            <a:off x="5689886" y="4428309"/>
+            <a:ext cx="2376145" cy="0"/>
+          </a:xfrm>
+          <a:prstGeom prst="straightConnector1">
+            <a:avLst/>
+          </a:prstGeom>
+          <a:ln w="38100">
+            <a:solidFill>
+              <a:srgbClr val="ff0000"/>
+            </a:solidFill>
+            <a:tailEnd type="arrow"/>
+          </a:ln>
+        </p:spPr>
+        <p:style>
+          <a:lnRef idx="1">
+            <a:schemeClr val="accent1"/>
+          </a:lnRef>
+          <a:fillRef idx="0">
+            <a:schemeClr val="accent1"/>
+          </a:fillRef>
+          <a:effectRef idx="0">
+            <a:schemeClr val="accent1"/>
+          </a:effectRef>
+          <a:fontRef idx="minor">
+            <a:schemeClr val="tx1"/>
+          </a:fontRef>
+        </p:style>
+      </p:cxnSp>
+      <p:cxnSp>
+        <p:nvCxnSpPr>
+          <p:cNvPr id="68" name=""/>
+          <p:cNvCxnSpPr/>
+          <p:nvPr/>
+        </p:nvCxnSpPr>
+        <p:spPr>
+          <a:xfrm>
+            <a:off x="6203283" y="2159138"/>
+            <a:ext cx="2412998" cy="0"/>
+          </a:xfrm>
+          <a:prstGeom prst="line">
+            <a:avLst/>
+          </a:prstGeom>
+          <a:ln w="38100">
+            <a:solidFill>
+              <a:srgbClr val="ff0000"/>
+            </a:solidFill>
+          </a:ln>
+        </p:spPr>
+        <p:style>
+          <a:lnRef idx="1">
+            <a:schemeClr val="accent1"/>
+          </a:lnRef>
+          <a:fillRef idx="0">
+            <a:schemeClr val="accent1"/>
+          </a:fillRef>
+          <a:effectRef idx="0">
+            <a:schemeClr val="accent1"/>
+          </a:effectRef>
+          <a:fontRef idx="minor">
+            <a:schemeClr val="tx1"/>
+          </a:fontRef>
+        </p:style>
+      </p:cxnSp>
+      <p:cxnSp>
+        <p:nvCxnSpPr>
+          <p:cNvPr id="69" name=""/>
+          <p:cNvCxnSpPr/>
+          <p:nvPr/>
+        </p:nvCxnSpPr>
+        <p:spPr>
+          <a:xfrm rot="16200000" flipH="1">
+            <a:off x="7843044" y="2932377"/>
+            <a:ext cx="1546478" cy="0"/>
+          </a:xfrm>
+          <a:prstGeom prst="straightConnector1">
+            <a:avLst/>
+          </a:prstGeom>
+          <a:ln w="38100">
+            <a:solidFill>
+              <a:srgbClr val="ff0000"/>
+            </a:solidFill>
+            <a:tailEnd type="arrow"/>
+          </a:ln>
+        </p:spPr>
+        <p:style>
+          <a:lnRef idx="1">
+            <a:schemeClr val="accent1"/>
+          </a:lnRef>
+          <a:fillRef idx="0">
+            <a:schemeClr val="accent1"/>
+          </a:fillRef>
+          <a:effectRef idx="0">
+            <a:schemeClr val="accent1"/>
+          </a:effectRef>
+          <a:fontRef idx="minor">
+            <a:schemeClr val="tx1"/>
+          </a:fontRef>
+        </p:style>
+      </p:cxnSp>
+      <p:sp>
+        <p:nvSpPr>
+          <p:cNvPr id="70" name=""/>
+          <p:cNvSpPr/>
+          <p:nvPr/>
+        </p:nvSpPr>
+        <p:spPr>
+          <a:xfrm>
+            <a:off x="7084409" y="1936877"/>
+            <a:ext cx="1226821" cy="444521"/>
+          </a:xfrm>
+          <a:prstGeom prst="rect">
+            <a:avLst/>
+          </a:prstGeom>
+        </p:spPr>
+        <p:style>
+          <a:lnRef idx="2">
+            <a:schemeClr val="accent1">
+              <a:shade val="20000"/>
+            </a:schemeClr>
+          </a:lnRef>
+          <a:fillRef idx="1">
+            <a:schemeClr val="accent1"/>
+          </a:fillRef>
+          <a:effectRef idx="0">
+            <a:schemeClr val="accent1"/>
+          </a:effectRef>
+          <a:fontRef idx="minor">
+            <a:schemeClr val="lt1"/>
+          </a:fontRef>
+        </p:style>
+        <p:txBody>
+          <a:bodyPr anchor="ctr"/>
+          <a:lstStyle/>
+          <a:p>
+            <a:pPr algn="ctr">
+              <a:defRPr/>
+            </a:pPr>
+            <a:r>
+              <a:rPr lang="ko-KR" altLang="en-US"/>
+              <a:t>일반 실행</a:t>
+            </a:r>
+            <a:endParaRPr lang="ko-KR" altLang="en-US"/>
+          </a:p>
+        </p:txBody>
+      </p:sp>
+      <p:pic>
+        <p:nvPicPr>
+          <p:cNvPr id="71" name=""/>
+          <p:cNvPicPr>
+            <a:picLocks noChangeAspect="1"/>
+          </p:cNvPicPr>
+          <p:nvPr/>
+        </p:nvPicPr>
+        <p:blipFill rotWithShape="1">
+          <a:blip r:embed="rId7"/>
+          <a:stretch>
+            <a:fillRect/>
+          </a:stretch>
+        </p:blipFill>
+        <p:spPr>
+          <a:xfrm>
+            <a:off x="5083778" y="9621629"/>
+            <a:ext cx="1889760" cy="1181100"/>
+          </a:xfrm>
+          <a:prstGeom prst="rect">
+            <a:avLst/>
+          </a:prstGeom>
+        </p:spPr>
+      </p:pic>
+      <p:cxnSp>
+        <p:nvCxnSpPr>
+          <p:cNvPr id="72" name=""/>
+          <p:cNvCxnSpPr/>
+          <p:nvPr/>
+        </p:nvCxnSpPr>
+        <p:spPr>
+          <a:xfrm rot="10800000">
+            <a:off x="6917658" y="10619425"/>
+            <a:ext cx="1979242" cy="0"/>
+          </a:xfrm>
+          <a:prstGeom prst="straightConnector1">
+            <a:avLst/>
+          </a:prstGeom>
+          <a:ln w="38100">
+            <a:solidFill>
+              <a:srgbClr val="ff0000"/>
+            </a:solidFill>
+            <a:tailEnd type="arrow"/>
+          </a:ln>
+        </p:spPr>
+        <p:style>
+          <a:lnRef idx="1">
+            <a:schemeClr val="accent1"/>
+          </a:lnRef>
+          <a:fillRef idx="0">
+            <a:schemeClr val="accent1"/>
+          </a:fillRef>
+          <a:effectRef idx="0">
+            <a:schemeClr val="accent1"/>
+          </a:effectRef>
+          <a:fontRef idx="minor">
+            <a:schemeClr val="tx1"/>
+          </a:fontRef>
+        </p:style>
+      </p:cxnSp>
+      <p:cxnSp>
+        <p:nvCxnSpPr>
+          <p:cNvPr id="73" name=""/>
+          <p:cNvCxnSpPr>
+            <a:endCxn id="71" idx="0"/>
+          </p:cNvCxnSpPr>
+          <p:nvPr/>
+        </p:nvCxnSpPr>
+        <p:spPr>
+          <a:xfrm rot="16200000" flipH="1">
+            <a:off x="5619015" y="9211986"/>
+            <a:ext cx="819287" cy="0"/>
+          </a:xfrm>
+          <a:prstGeom prst="line">
+            <a:avLst/>
+          </a:prstGeom>
+          <a:ln w="38100">
+            <a:solidFill>
+              <a:srgbClr val="ff0000"/>
+            </a:solidFill>
+          </a:ln>
+        </p:spPr>
+        <p:style>
+          <a:lnRef idx="1">
+            <a:schemeClr val="accent1"/>
+          </a:lnRef>
+          <a:fillRef idx="0">
+            <a:schemeClr val="accent1"/>
+          </a:fillRef>
+          <a:effectRef idx="0">
+            <a:schemeClr val="accent1"/>
+          </a:effectRef>
+          <a:fontRef idx="minor">
+            <a:schemeClr val="tx1"/>
+          </a:fontRef>
+        </p:style>
+      </p:cxnSp>
+      <p:pic>
+        <p:nvPicPr>
+          <p:cNvPr id="74" name=""/>
+          <p:cNvPicPr>
+            <a:picLocks noChangeAspect="1"/>
+          </p:cNvPicPr>
+          <p:nvPr/>
+        </p:nvPicPr>
+        <p:blipFill rotWithShape="1">
+          <a:blip r:embed="rId8"/>
+          <a:stretch>
+            <a:fillRect/>
+          </a:stretch>
+        </p:blipFill>
+        <p:spPr>
+          <a:xfrm>
+            <a:off x="12815283" y="8854648"/>
+            <a:ext cx="1287780" cy="1150620"/>
+          </a:xfrm>
+          <a:prstGeom prst="rect">
+            <a:avLst/>
+          </a:prstGeom>
+        </p:spPr>
+      </p:pic>
+      <p:cxnSp>
+        <p:nvCxnSpPr>
+          <p:cNvPr id="75" name=""/>
+          <p:cNvCxnSpPr>
+            <a:stCxn id="10" idx="3"/>
+            <a:endCxn id="74" idx="1"/>
+          </p:cNvCxnSpPr>
+          <p:nvPr/>
+        </p:nvCxnSpPr>
+        <p:spPr>
+          <a:xfrm>
+            <a:off x="11718682" y="9429654"/>
+            <a:ext cx="1096601" cy="304"/>
+          </a:xfrm>
+          <a:prstGeom prst="straightConnector1">
+            <a:avLst/>
+          </a:prstGeom>
+          <a:ln w="38100">
+            <a:solidFill>
+              <a:srgbClr val="ff0000"/>
+            </a:solidFill>
+            <a:tailEnd type="arrow"/>
+          </a:ln>
+        </p:spPr>
+        <p:style>
+          <a:lnRef idx="1">
+            <a:schemeClr val="accent1"/>
+          </a:lnRef>
+          <a:fillRef idx="0">
+            <a:schemeClr val="accent1"/>
+          </a:fillRef>
+          <a:effectRef idx="0">
+            <a:schemeClr val="accent1"/>
+          </a:effectRef>
+          <a:fontRef idx="minor">
+            <a:schemeClr val="tx1"/>
+          </a:fontRef>
+        </p:style>
+      </p:cxnSp>
+      <p:pic>
+        <p:nvPicPr>
+          <p:cNvPr id="77" name=""/>
+          <p:cNvPicPr>
+            <a:picLocks noChangeAspect="1"/>
+          </p:cNvPicPr>
+          <p:nvPr/>
+        </p:nvPicPr>
+        <p:blipFill rotWithShape="1">
+          <a:blip r:embed="rId9"/>
+          <a:stretch>
+            <a:fillRect/>
+          </a:stretch>
+        </p:blipFill>
+        <p:spPr>
+          <a:xfrm>
+            <a:off x="5149021" y="6516814"/>
+            <a:ext cx="1851660" cy="1158240"/>
+          </a:xfrm>
+          <a:prstGeom prst="rect">
+            <a:avLst/>
+          </a:prstGeom>
+        </p:spPr>
+      </p:pic>
+      <p:sp>
+        <p:nvSpPr>
+          <p:cNvPr id="78" name=""/>
+          <p:cNvSpPr/>
+          <p:nvPr/>
+        </p:nvSpPr>
+        <p:spPr>
+          <a:xfrm>
+            <a:off x="8206758" y="5616033"/>
+            <a:ext cx="1985532" cy="203524"/>
+          </a:xfrm>
+          <a:prstGeom prst="rect">
+            <a:avLst/>
+          </a:prstGeom>
+          <a:solidFill>
+            <a:schemeClr val="accent1">
+              <a:alpha val="0"/>
+            </a:schemeClr>
+          </a:solidFill>
+          <a:ln w="63500">
+            <a:solidFill>
+              <a:srgbClr val="42c7f1"/>
+            </a:solidFill>
+          </a:ln>
+        </p:spPr>
+        <p:style>
+          <a:lnRef idx="2">
+            <a:schemeClr val="accent1">
+              <a:shade val="20000"/>
+            </a:schemeClr>
+          </a:lnRef>
+          <a:fillRef idx="1">
+            <a:schemeClr val="accent1"/>
+          </a:fillRef>
+          <a:effectRef idx="0">
+            <a:schemeClr val="accent1"/>
+          </a:effectRef>
+          <a:fontRef idx="minor">
+            <a:schemeClr val="lt1"/>
+          </a:fontRef>
+        </p:style>
+        <p:txBody>
+          <a:bodyPr anchor="ctr"/>
+          <a:lstStyle/>
+          <a:p>
+            <a:pPr algn="ctr">
+              <a:defRPr/>
+            </a:pPr>
+            <a:endParaRPr lang="ko-KR" altLang="en-US"/>
+          </a:p>
+        </p:txBody>
+      </p:sp>
+      <p:cxnSp>
+        <p:nvCxnSpPr>
+          <p:cNvPr id="80" name=""/>
+          <p:cNvCxnSpPr>
+            <a:stCxn id="78" idx="1"/>
+          </p:cNvCxnSpPr>
+          <p:nvPr/>
+        </p:nvCxnSpPr>
+        <p:spPr>
+          <a:xfrm rot="10800000">
+            <a:off x="6457284" y="5717795"/>
+            <a:ext cx="1749474" cy="0"/>
+          </a:xfrm>
+          <a:prstGeom prst="line">
+            <a:avLst/>
+          </a:prstGeom>
+          <a:ln w="38100">
+            <a:solidFill>
+              <a:srgbClr val="42c7f1"/>
+            </a:solidFill>
+          </a:ln>
+        </p:spPr>
+        <p:style>
+          <a:lnRef idx="1">
+            <a:schemeClr val="accent1"/>
+          </a:lnRef>
+          <a:fillRef idx="0">
+            <a:schemeClr val="accent1"/>
+          </a:fillRef>
+          <a:effectRef idx="0">
+            <a:schemeClr val="accent1"/>
+          </a:effectRef>
+          <a:fontRef idx="minor">
+            <a:schemeClr val="tx1"/>
+          </a:fontRef>
+        </p:style>
+      </p:cxnSp>
+      <p:cxnSp>
+        <p:nvCxnSpPr>
+          <p:cNvPr id="81" name=""/>
+          <p:cNvCxnSpPr/>
+          <p:nvPr/>
+        </p:nvCxnSpPr>
+        <p:spPr>
+          <a:xfrm rot="16200000" flipH="1">
+            <a:off x="6057774" y="6117305"/>
+            <a:ext cx="799019" cy="0"/>
+          </a:xfrm>
+          <a:prstGeom prst="straightConnector1">
+            <a:avLst/>
+          </a:prstGeom>
+          <a:ln w="38100">
+            <a:solidFill>
+              <a:srgbClr val="42c7f1"/>
+            </a:solidFill>
+            <a:tailEnd type="arrow"/>
+          </a:ln>
+        </p:spPr>
+        <p:style>
+          <a:lnRef idx="1">
+            <a:schemeClr val="accent1"/>
+          </a:lnRef>
+          <a:fillRef idx="0">
+            <a:schemeClr val="accent1"/>
+          </a:fillRef>
+          <a:effectRef idx="0">
+            <a:schemeClr val="accent1"/>
+          </a:effectRef>
+          <a:fontRef idx="minor">
+            <a:schemeClr val="tx1"/>
+          </a:fontRef>
+        </p:style>
+      </p:cxnSp>
+      <p:cxnSp>
+        <p:nvCxnSpPr>
+          <p:cNvPr id="82" name=""/>
+          <p:cNvCxnSpPr>
+            <a:stCxn id="77" idx="3"/>
+          </p:cNvCxnSpPr>
+          <p:nvPr/>
+        </p:nvCxnSpPr>
+        <p:spPr>
+          <a:xfrm>
+            <a:off x="7000681" y="7095934"/>
+            <a:ext cx="662080" cy="0"/>
+          </a:xfrm>
+          <a:prstGeom prst="line">
+            <a:avLst/>
+          </a:prstGeom>
+          <a:ln w="38100">
+            <a:solidFill>
+              <a:srgbClr val="42c7f1"/>
+            </a:solidFill>
+          </a:ln>
+        </p:spPr>
+        <p:style>
+          <a:lnRef idx="1">
+            <a:schemeClr val="accent1"/>
+          </a:lnRef>
+          <a:fillRef idx="0">
+            <a:schemeClr val="accent1"/>
+          </a:fillRef>
+          <a:effectRef idx="0">
+            <a:schemeClr val="accent1"/>
+          </a:effectRef>
+          <a:fontRef idx="minor">
+            <a:schemeClr val="tx1"/>
+          </a:fontRef>
+        </p:style>
+      </p:cxnSp>
+      <p:cxnSp>
+        <p:nvCxnSpPr>
+          <p:cNvPr id="83" name=""/>
+          <p:cNvCxnSpPr/>
+          <p:nvPr/>
+        </p:nvCxnSpPr>
+        <p:spPr>
+          <a:xfrm rot="16200000">
+            <a:off x="6687374" y="6130073"/>
+            <a:ext cx="1950773" cy="0"/>
+          </a:xfrm>
+          <a:prstGeom prst="line">
+            <a:avLst/>
+          </a:prstGeom>
+          <a:ln w="38100">
+            <a:solidFill>
+              <a:srgbClr val="42c7f1"/>
+            </a:solidFill>
+          </a:ln>
+        </p:spPr>
+        <p:style>
+          <a:lnRef idx="1">
+            <a:schemeClr val="accent1"/>
+          </a:lnRef>
+          <a:fillRef idx="0">
+            <a:schemeClr val="accent1"/>
+          </a:fillRef>
+          <a:effectRef idx="0">
+            <a:schemeClr val="accent1"/>
+          </a:effectRef>
+          <a:fontRef idx="minor">
+            <a:schemeClr val="tx1"/>
+          </a:fontRef>
+        </p:style>
+      </p:cxnSp>
+      <p:cxnSp>
+        <p:nvCxnSpPr>
+          <p:cNvPr id="84" name=""/>
+          <p:cNvCxnSpPr/>
+          <p:nvPr/>
+        </p:nvCxnSpPr>
+        <p:spPr>
+          <a:xfrm>
+            <a:off x="7662761" y="5171510"/>
+            <a:ext cx="375742" cy="0"/>
+          </a:xfrm>
+          <a:prstGeom prst="straightConnector1">
+            <a:avLst/>
+          </a:prstGeom>
+          <a:ln w="38100">
+            <a:solidFill>
+              <a:srgbClr val="42c7f1"/>
+            </a:solidFill>
+            <a:tailEnd type="arrow"/>
+          </a:ln>
+        </p:spPr>
+        <p:style>
+          <a:lnRef idx="1">
+            <a:schemeClr val="accent1"/>
+          </a:lnRef>
+          <a:fillRef idx="0">
+            <a:schemeClr val="accent1"/>
+          </a:fillRef>
+          <a:effectRef idx="0">
+            <a:schemeClr val="accent1"/>
+          </a:effectRef>
+          <a:fontRef idx="minor">
+            <a:schemeClr val="tx1"/>
+          </a:fontRef>
+        </p:style>
+      </p:cxnSp>
+      <p:sp>
+        <p:nvSpPr>
+          <p:cNvPr id="85" name=""/>
+          <p:cNvSpPr/>
+          <p:nvPr/>
+        </p:nvSpPr>
+        <p:spPr>
+          <a:xfrm>
+            <a:off x="4099845" y="7767500"/>
+            <a:ext cx="3413125" cy="444521"/>
+          </a:xfrm>
+          <a:prstGeom prst="rect">
+            <a:avLst/>
+          </a:prstGeom>
+        </p:spPr>
+        <p:style>
+          <a:lnRef idx="2">
+            <a:schemeClr val="accent1">
+              <a:shade val="20000"/>
+            </a:schemeClr>
+          </a:lnRef>
+          <a:fillRef idx="1">
+            <a:schemeClr val="accent1"/>
+          </a:fillRef>
+          <a:effectRef idx="0">
+            <a:schemeClr val="accent1"/>
+          </a:effectRef>
+          <a:fontRef idx="minor">
+            <a:schemeClr val="lt1"/>
+          </a:fontRef>
+        </p:style>
+        <p:txBody>
+          <a:bodyPr anchor="ctr"/>
+          <a:lstStyle/>
+          <a:p>
+            <a:pPr algn="ctr">
+              <a:defRPr/>
+            </a:pPr>
+            <a:r>
+              <a:rPr lang="ko-KR" altLang="en-US"/>
+              <a:t>로그인 실패 </a:t>
+            </a:r>
+            <a:r>
+              <a:rPr lang="en-US" altLang="ko-KR"/>
+              <a:t>or </a:t>
+            </a:r>
+            <a:r>
+              <a:rPr lang="ko-KR" altLang="en-US"/>
+              <a:t>로그인 안했을 때</a:t>
+            </a:r>
+            <a:endParaRPr lang="ko-KR" altLang="en-US"/>
+          </a:p>
+        </p:txBody>
+      </p:sp>
+      <p:sp>
+        <p:nvSpPr>
+          <p:cNvPr id="86" name=""/>
+          <p:cNvSpPr/>
+          <p:nvPr/>
+        </p:nvSpPr>
+        <p:spPr>
+          <a:xfrm>
+            <a:off x="11096912" y="7247977"/>
+            <a:ext cx="764645" cy="427077"/>
+          </a:xfrm>
+          <a:prstGeom prst="rect">
+            <a:avLst/>
+          </a:prstGeom>
+          <a:solidFill>
+            <a:schemeClr val="lt1">
+              <a:alpha val="0"/>
+            </a:schemeClr>
+          </a:solidFill>
+          <a:ln w="63500">
+            <a:solidFill>
+              <a:srgbClr val="ff0000"/>
+            </a:solidFill>
+          </a:ln>
+        </p:spPr>
+        <p:style>
+          <a:lnRef idx="2">
+            <a:schemeClr val="accent1">
+              <a:shade val="20000"/>
+            </a:schemeClr>
+          </a:lnRef>
+          <a:fillRef idx="1">
+            <a:schemeClr val="accent1"/>
+          </a:fillRef>
+          <a:effectRef idx="0">
+            <a:schemeClr val="accent1"/>
+          </a:effectRef>
+          <a:fontRef idx="minor">
+            <a:schemeClr val="lt1"/>
+          </a:fontRef>
+        </p:style>
+        <p:txBody>
+          <a:bodyPr anchor="ctr"/>
+          <a:lstStyle/>
+          <a:p>
+            <a:pPr algn="ctr">
+              <a:defRPr/>
+            </a:pPr>
+            <a:endParaRPr lang="ko-KR" altLang="en-US"/>
+          </a:p>
+        </p:txBody>
+      </p:sp>
+      <p:cxnSp>
+        <p:nvCxnSpPr>
+          <p:cNvPr id="87" name=""/>
+          <p:cNvCxnSpPr>
+            <a:stCxn id="86" idx="0"/>
+          </p:cNvCxnSpPr>
+          <p:nvPr/>
+        </p:nvCxnSpPr>
+        <p:spPr>
+          <a:xfrm rot="16200000">
+            <a:off x="10981312" y="6750055"/>
+            <a:ext cx="995844" cy="0"/>
+          </a:xfrm>
+          <a:prstGeom prst="straightConnector1">
+            <a:avLst/>
+          </a:prstGeom>
+          <a:ln w="38100">
+            <a:solidFill>
+              <a:srgbClr val="ff0000"/>
+            </a:solidFill>
+            <a:tailEnd type="arrow"/>
+          </a:ln>
+        </p:spPr>
+        <p:style>
+          <a:lnRef idx="1">
+            <a:schemeClr val="accent1"/>
+          </a:lnRef>
+          <a:fillRef idx="0">
+            <a:schemeClr val="accent1"/>
+          </a:fillRef>
+          <a:effectRef idx="0">
+            <a:schemeClr val="accent1"/>
+          </a:effectRef>
+          <a:fontRef idx="minor">
+            <a:schemeClr val="tx1"/>
+          </a:fontRef>
+        </p:style>
+      </p:cxnSp>
+      <p:sp>
+        <p:nvSpPr>
+          <p:cNvPr id="88" name=""/>
+          <p:cNvSpPr/>
+          <p:nvPr/>
+        </p:nvSpPr>
+        <p:spPr>
+          <a:xfrm>
+            <a:off x="11845071" y="3734799"/>
+            <a:ext cx="621770" cy="213538"/>
+          </a:xfrm>
+          <a:prstGeom prst="rect">
+            <a:avLst/>
+          </a:prstGeom>
+          <a:solidFill>
+            <a:schemeClr val="lt1">
+              <a:alpha val="0"/>
+            </a:schemeClr>
+          </a:solidFill>
+          <a:ln w="63500">
+            <a:solidFill>
+              <a:srgbClr val="ff0000"/>
+            </a:solidFill>
+          </a:ln>
+        </p:spPr>
+        <p:style>
+          <a:lnRef idx="2">
+            <a:schemeClr val="accent1">
+              <a:shade val="20000"/>
+            </a:schemeClr>
+          </a:lnRef>
+          <a:fillRef idx="1">
+            <a:schemeClr val="accent1"/>
+          </a:fillRef>
+          <a:effectRef idx="0">
+            <a:schemeClr val="accent1"/>
+          </a:effectRef>
+          <a:fontRef idx="minor">
+            <a:schemeClr val="lt1"/>
+          </a:fontRef>
+        </p:style>
+        <p:txBody>
+          <a:bodyPr anchor="ctr"/>
+          <a:lstStyle/>
+          <a:p>
+            <a:pPr algn="ctr">
+              <a:defRPr/>
+            </a:pPr>
+            <a:endParaRPr lang="ko-KR" altLang="en-US"/>
+          </a:p>
+        </p:txBody>
+      </p:sp>
+      <p:cxnSp>
+        <p:nvCxnSpPr>
+          <p:cNvPr id="89" name=""/>
+          <p:cNvCxnSpPr>
+            <a:stCxn id="88" idx="0"/>
+          </p:cNvCxnSpPr>
+          <p:nvPr/>
+        </p:nvCxnSpPr>
+        <p:spPr>
+          <a:xfrm rot="16200000">
+            <a:off x="11003788" y="2582632"/>
+            <a:ext cx="2304335" cy="0"/>
+          </a:xfrm>
+          <a:prstGeom prst="line">
+            <a:avLst/>
+          </a:prstGeom>
+          <a:ln w="38100">
+            <a:solidFill>
+              <a:srgbClr val="ff0000"/>
+            </a:solidFill>
+          </a:ln>
+        </p:spPr>
+        <p:style>
+          <a:lnRef idx="1">
+            <a:schemeClr val="accent1"/>
+          </a:lnRef>
+          <a:fillRef idx="0">
+            <a:schemeClr val="accent1"/>
+          </a:fillRef>
+          <a:effectRef idx="0">
+            <a:schemeClr val="accent1"/>
+          </a:effectRef>
+          <a:fontRef idx="minor">
+            <a:schemeClr val="tx1"/>
+          </a:fontRef>
+        </p:style>
+      </p:cxnSp>
+      <p:cxnSp>
+        <p:nvCxnSpPr>
+          <p:cNvPr id="90" name=""/>
+          <p:cNvCxnSpPr/>
+          <p:nvPr/>
+        </p:nvCxnSpPr>
+        <p:spPr>
+          <a:xfrm>
+            <a:off x="12155956" y="1430465"/>
+            <a:ext cx="1947107" cy="0"/>
+          </a:xfrm>
+          <a:prstGeom prst="straightConnector1">
+            <a:avLst/>
+          </a:prstGeom>
+          <a:ln w="38100">
+            <a:solidFill>
+              <a:srgbClr val="ff0000"/>
+            </a:solidFill>
+            <a:tailEnd type="arrow"/>
+          </a:ln>
+        </p:spPr>
+        <p:style>
+          <a:lnRef idx="1">
+            <a:schemeClr val="accent1"/>
+          </a:lnRef>
+          <a:fillRef idx="0">
+            <a:schemeClr val="accent1"/>
+          </a:fillRef>
+          <a:effectRef idx="0">
+            <a:schemeClr val="accent1"/>
+          </a:effectRef>
+          <a:fontRef idx="minor">
+            <a:schemeClr val="tx1"/>
+          </a:fontRef>
+        </p:style>
+      </p:cxnSp>
+      <p:sp>
+        <p:nvSpPr>
+          <p:cNvPr id="91" name=""/>
+          <p:cNvSpPr/>
+          <p:nvPr/>
+        </p:nvSpPr>
+        <p:spPr>
+          <a:xfrm>
+            <a:off x="14103063" y="676392"/>
+            <a:ext cx="4206875" cy="1508146"/>
+          </a:xfrm>
+          <a:prstGeom prst="rect">
+            <a:avLst/>
+          </a:prstGeom>
+        </p:spPr>
+        <p:style>
+          <a:lnRef idx="2">
+            <a:schemeClr val="accent1">
+              <a:shade val="20000"/>
+            </a:schemeClr>
+          </a:lnRef>
+          <a:fillRef idx="1">
+            <a:schemeClr val="accent1"/>
+          </a:fillRef>
+          <a:effectRef idx="0">
+            <a:schemeClr val="accent1"/>
+          </a:effectRef>
+          <a:fontRef idx="minor">
+            <a:schemeClr val="lt1"/>
+          </a:fontRef>
+        </p:style>
+        <p:txBody>
+          <a:bodyPr anchor="ctr"/>
+          <a:lstStyle/>
+          <a:p>
+            <a:pPr algn="ctr">
+              <a:defRPr/>
+            </a:pPr>
+            <a:r>
+              <a:rPr lang="ko-KR" altLang="en-US" sz="4400" b="1"/>
+              <a:t>프로그램 종료</a:t>
+            </a:r>
+            <a:endParaRPr lang="ko-KR" altLang="en-US" sz="4400" b="1"/>
           </a:p>
         </p:txBody>
       </p:sp>
